--- a/PresentationPattern.pptx
+++ b/PresentationPattern.pptx
@@ -3232,7 +3232,7 @@
           <a:p>
             <a:fld id="{515C21E6-8610-43E4-98DA-6E96099DCB25}" type="datetimeFigureOut">
               <a:rPr lang="fr-FR" smtClean="0"/>
-              <a:t>23/07/2023</a:t>
+              <a:t>24/07/2023</a:t>
             </a:fld>
             <a:endParaRPr lang="fr-FR"/>
           </a:p>
@@ -7253,7 +7253,7 @@
           <a:p>
             <a:fld id="{D3EC86FC-BCD0-432D-BC81-BC09D60919C6}" type="datetimeFigureOut">
               <a:rPr lang="fr-FR" smtClean="0"/>
-              <a:t>23/07/2023</a:t>
+              <a:t>24/07/2023</a:t>
             </a:fld>
             <a:endParaRPr lang="fr-FR"/>
           </a:p>
@@ -7528,7 +7528,7 @@
           <a:p>
             <a:fld id="{D3EC86FC-BCD0-432D-BC81-BC09D60919C6}" type="datetimeFigureOut">
               <a:rPr lang="fr-FR" smtClean="0"/>
-              <a:t>23/07/2023</a:t>
+              <a:t>24/07/2023</a:t>
             </a:fld>
             <a:endParaRPr lang="fr-FR"/>
           </a:p>
@@ -7722,7 +7722,7 @@
           <a:p>
             <a:fld id="{D3EC86FC-BCD0-432D-BC81-BC09D60919C6}" type="datetimeFigureOut">
               <a:rPr lang="fr-FR" smtClean="0"/>
-              <a:t>23/07/2023</a:t>
+              <a:t>24/07/2023</a:t>
             </a:fld>
             <a:endParaRPr lang="fr-FR"/>
           </a:p>
@@ -7995,7 +7995,7 @@
           <a:p>
             <a:fld id="{D3EC86FC-BCD0-432D-BC81-BC09D60919C6}" type="datetimeFigureOut">
               <a:rPr lang="fr-FR" smtClean="0"/>
-              <a:t>23/07/2023</a:t>
+              <a:t>24/07/2023</a:t>
             </a:fld>
             <a:endParaRPr lang="fr-FR"/>
           </a:p>
@@ -8336,7 +8336,7 @@
           <a:p>
             <a:fld id="{D3EC86FC-BCD0-432D-BC81-BC09D60919C6}" type="datetimeFigureOut">
               <a:rPr lang="fr-FR" smtClean="0"/>
-              <a:t>23/07/2023</a:t>
+              <a:t>24/07/2023</a:t>
             </a:fld>
             <a:endParaRPr lang="fr-FR"/>
           </a:p>
@@ -8959,7 +8959,7 @@
           <a:p>
             <a:fld id="{D3EC86FC-BCD0-432D-BC81-BC09D60919C6}" type="datetimeFigureOut">
               <a:rPr lang="fr-FR" smtClean="0"/>
-              <a:t>23/07/2023</a:t>
+              <a:t>24/07/2023</a:t>
             </a:fld>
             <a:endParaRPr lang="fr-FR"/>
           </a:p>
@@ -9819,7 +9819,7 @@
           <a:p>
             <a:fld id="{D3EC86FC-BCD0-432D-BC81-BC09D60919C6}" type="datetimeFigureOut">
               <a:rPr lang="fr-FR" smtClean="0"/>
-              <a:t>23/07/2023</a:t>
+              <a:t>24/07/2023</a:t>
             </a:fld>
             <a:endParaRPr lang="fr-FR"/>
           </a:p>
@@ -9989,7 +9989,7 @@
           <a:p>
             <a:fld id="{D3EC86FC-BCD0-432D-BC81-BC09D60919C6}" type="datetimeFigureOut">
               <a:rPr lang="fr-FR" smtClean="0"/>
-              <a:t>23/07/2023</a:t>
+              <a:t>24/07/2023</a:t>
             </a:fld>
             <a:endParaRPr lang="fr-FR"/>
           </a:p>
@@ -10169,7 +10169,7 @@
           <a:p>
             <a:fld id="{D3EC86FC-BCD0-432D-BC81-BC09D60919C6}" type="datetimeFigureOut">
               <a:rPr lang="fr-FR" smtClean="0"/>
-              <a:t>23/07/2023</a:t>
+              <a:t>24/07/2023</a:t>
             </a:fld>
             <a:endParaRPr lang="fr-FR"/>
           </a:p>
@@ -10339,7 +10339,7 @@
           <a:p>
             <a:fld id="{D3EC86FC-BCD0-432D-BC81-BC09D60919C6}" type="datetimeFigureOut">
               <a:rPr lang="fr-FR" smtClean="0"/>
-              <a:t>23/07/2023</a:t>
+              <a:t>24/07/2023</a:t>
             </a:fld>
             <a:endParaRPr lang="fr-FR"/>
           </a:p>
@@ -10586,7 +10586,7 @@
           <a:p>
             <a:fld id="{D3EC86FC-BCD0-432D-BC81-BC09D60919C6}" type="datetimeFigureOut">
               <a:rPr lang="fr-FR" smtClean="0"/>
-              <a:t>23/07/2023</a:t>
+              <a:t>24/07/2023</a:t>
             </a:fld>
             <a:endParaRPr lang="fr-FR"/>
           </a:p>
@@ -10878,7 +10878,7 @@
           <a:p>
             <a:fld id="{D3EC86FC-BCD0-432D-BC81-BC09D60919C6}" type="datetimeFigureOut">
               <a:rPr lang="fr-FR" smtClean="0"/>
-              <a:t>23/07/2023</a:t>
+              <a:t>24/07/2023</a:t>
             </a:fld>
             <a:endParaRPr lang="fr-FR"/>
           </a:p>
@@ -11322,7 +11322,7 @@
           <a:p>
             <a:fld id="{D3EC86FC-BCD0-432D-BC81-BC09D60919C6}" type="datetimeFigureOut">
               <a:rPr lang="fr-FR" smtClean="0"/>
-              <a:t>23/07/2023</a:t>
+              <a:t>24/07/2023</a:t>
             </a:fld>
             <a:endParaRPr lang="fr-FR"/>
           </a:p>
@@ -11440,7 +11440,7 @@
           <a:p>
             <a:fld id="{D3EC86FC-BCD0-432D-BC81-BC09D60919C6}" type="datetimeFigureOut">
               <a:rPr lang="fr-FR" smtClean="0"/>
-              <a:t>23/07/2023</a:t>
+              <a:t>24/07/2023</a:t>
             </a:fld>
             <a:endParaRPr lang="fr-FR"/>
           </a:p>
@@ -11535,7 +11535,7 @@
           <a:p>
             <a:fld id="{D3EC86FC-BCD0-432D-BC81-BC09D60919C6}" type="datetimeFigureOut">
               <a:rPr lang="fr-FR" smtClean="0"/>
-              <a:t>23/07/2023</a:t>
+              <a:t>24/07/2023</a:t>
             </a:fld>
             <a:endParaRPr lang="fr-FR"/>
           </a:p>
@@ -11814,7 +11814,7 @@
           <a:p>
             <a:fld id="{D3EC86FC-BCD0-432D-BC81-BC09D60919C6}" type="datetimeFigureOut">
               <a:rPr lang="fr-FR" smtClean="0"/>
-              <a:t>23/07/2023</a:t>
+              <a:t>24/07/2023</a:t>
             </a:fld>
             <a:endParaRPr lang="fr-FR"/>
           </a:p>
@@ -12089,7 +12089,7 @@
           <a:p>
             <a:fld id="{D3EC86FC-BCD0-432D-BC81-BC09D60919C6}" type="datetimeFigureOut">
               <a:rPr lang="fr-FR" smtClean="0"/>
-              <a:t>23/07/2023</a:t>
+              <a:t>24/07/2023</a:t>
             </a:fld>
             <a:endParaRPr lang="fr-FR"/>
           </a:p>
@@ -12518,7 +12518,7 @@
           <a:p>
             <a:fld id="{D3EC86FC-BCD0-432D-BC81-BC09D60919C6}" type="datetimeFigureOut">
               <a:rPr lang="fr-FR" smtClean="0"/>
-              <a:t>23/07/2023</a:t>
+              <a:t>24/07/2023</a:t>
             </a:fld>
             <a:endParaRPr lang="fr-FR"/>
           </a:p>
@@ -21318,9 +21318,10 @@
           <a:p>
             <a:pPr algn="ctr"/>
             <a:r>
-              <a:rPr lang="fr-FR" sz="3200" b="1" dirty="0"/>
-              <a:t>Guardian</a:t>
-            </a:r>
+              <a:rPr lang="fr-FR" sz="3200" b="1"/>
+              <a:t>Caretaker</a:t>
+            </a:r>
+            <a:endParaRPr lang="fr-FR" sz="3200" b="1" dirty="0"/>
           </a:p>
         </p:txBody>
       </p:sp>

--- a/PresentationPattern.pptx
+++ b/PresentationPattern.pptx
@@ -3545,7 +3545,7 @@
           <a:p>
             <a:r>
               <a:rPr lang="fr-FR" dirty="0"/>
-              <a:t>Le pattern Command, fait partie des patterns comportementaux</a:t>
+              <a:t>Voici un petit sommaire qui retracera le contenu de l’exposé.</a:t>
             </a:r>
             <a:br>
               <a:rPr lang="fr-FR" dirty="0"/>
@@ -3555,11 +3555,25 @@
             </a:br>
             <a:r>
               <a:rPr lang="fr-FR" dirty="0"/>
-              <a:t>Il permet de transformer les instructions sous la forme d’objets autonomes.</a:t>
-            </a:r>
-          </a:p>
-          <a:p>
-            <a:endParaRPr lang="fr-FR" dirty="0"/>
+              <a:t>Pour les 2 pattern il y’aura une présentation, une problématique, un diagramme de classe UML générique et appliqué dans un exemple, il y’aura aussi une application et démo dans le cas du pattern command.</a:t>
+            </a:r>
+            <a:br>
+              <a:rPr lang="fr-FR" dirty="0"/>
+            </a:br>
+            <a:r>
+              <a:rPr lang="fr-FR" dirty="0"/>
+              <a:t>En dernier lieux pour chacun il y’aura une partie avantage et inconvénients.</a:t>
+            </a:r>
+            <a:br>
+              <a:rPr lang="fr-FR" dirty="0"/>
+            </a:br>
+            <a:br>
+              <a:rPr lang="fr-FR" dirty="0"/>
+            </a:br>
+            <a:r>
+              <a:rPr lang="fr-FR" dirty="0"/>
+              <a:t>Je vous invite à poser les questions en cours d’exposé afin d’avoir le moins possible besoin de retourner vers mes slides antérieures.</a:t>
+            </a:r>
           </a:p>
         </p:txBody>
       </p:sp>
@@ -3580,7 +3594,7 @@
           <a:p>
             <a:fld id="{0F623F77-0DF6-458C-940E-CB4AE400DBA8}" type="slidenum">
               <a:rPr lang="fr-FR" smtClean="0"/>
-              <a:t>4</a:t>
+              <a:t>2</a:t>
             </a:fld>
             <a:endParaRPr lang="fr-FR"/>
           </a:p>
@@ -3589,7 +3603,7 @@
     </p:spTree>
     <p:extLst>
       <p:ext uri="{BB962C8B-B14F-4D97-AF65-F5344CB8AC3E}">
-        <p14:creationId xmlns:p14="http://schemas.microsoft.com/office/powerpoint/2010/main" val="3953560622"/>
+        <p14:creationId xmlns:p14="http://schemas.microsoft.com/office/powerpoint/2010/main" val="4051123679"/>
       </p:ext>
     </p:extLst>
   </p:cSld>
@@ -3645,7 +3659,7 @@
           <a:p>
             <a:r>
               <a:rPr lang="fr-FR" dirty="0"/>
-              <a:t>Pour appliquer le concept du pattern commande,</a:t>
+              <a:t>Pour simplifier le diagramme je n’ai représenter qu’une commande concrète.</a:t>
             </a:r>
           </a:p>
           <a:p>
@@ -3654,15 +3668,43 @@
           <a:p>
             <a:r>
               <a:rPr lang="fr-FR" dirty="0"/>
-              <a:t>J’ai générer un projet </a:t>
+              <a:t>On retrouve bel est bien les 3 structures du Pattern Commande</a:t>
+            </a:r>
+          </a:p>
+          <a:p>
+            <a:r>
+              <a:rPr lang="fr-FR" dirty="0"/>
+              <a:t>Tout d’abord la notion essentiel. La partie commande &lt;CLIC&gt;</a:t>
+            </a:r>
+            <a:br>
+              <a:rPr lang="fr-FR" dirty="0"/>
+            </a:br>
+            <a:r>
+              <a:rPr lang="fr-FR" dirty="0"/>
+              <a:t>Ensuite l’endroit ou va s’exercer la dite commande, le </a:t>
             </a:r>
             <a:r>
               <a:rPr lang="fr-FR" dirty="0" err="1"/>
-              <a:t>winform</a:t>
-            </a:r>
-            <a:r>
-              <a:rPr lang="fr-FR" dirty="0"/>
-              <a:t>, qui va permettre de générer des commandes qui vont être passé à l’</a:t>
+              <a:t>receiver</a:t>
+            </a:r>
+            <a:r>
+              <a:rPr lang="fr-FR" dirty="0"/>
+              <a:t>.&lt;CLIC&gt;</a:t>
+            </a:r>
+            <a:br>
+              <a:rPr lang="fr-FR" dirty="0"/>
+            </a:br>
+            <a:r>
+              <a:rPr lang="fr-FR" dirty="0"/>
+              <a:t>Enfin la partie en charge de l’</a:t>
+            </a:r>
+            <a:r>
+              <a:rPr lang="fr-FR" dirty="0" err="1"/>
+              <a:t>éxecution</a:t>
+            </a:r>
+            <a:r>
+              <a:rPr lang="fr-FR" dirty="0"/>
+              <a:t>, de la réception et de l’enregistrement l’</a:t>
             </a:r>
             <a:r>
               <a:rPr lang="fr-FR" dirty="0" err="1"/>
@@ -3670,25 +3712,97 @@
             </a:r>
             <a:r>
               <a:rPr lang="fr-FR" dirty="0"/>
-              <a:t>,</a:t>
-            </a:r>
-          </a:p>
-          <a:p>
-            <a:r>
-              <a:rPr lang="fr-FR" dirty="0"/>
-              <a:t>Et qui feront bouger notre personnage, le </a:t>
+              <a:t>,&lt;CLIC&gt;</a:t>
+            </a:r>
+          </a:p>
+          <a:p>
+            <a:endParaRPr lang="fr-FR" dirty="0"/>
+          </a:p>
+          <a:p>
+            <a:br>
+              <a:rPr lang="fr-FR" dirty="0"/>
+            </a:br>
+            <a:r>
+              <a:rPr lang="fr-FR" dirty="0"/>
+              <a:t>Ici on voit qu’il y’a deux liens entre l’</a:t>
             </a:r>
             <a:r>
               <a:rPr lang="fr-FR" dirty="0" err="1"/>
-              <a:t>receiver</a:t>
-            </a:r>
-            <a:r>
-              <a:rPr lang="fr-FR" dirty="0"/>
-              <a:t>, ici représenté sous la forme de Charlie.</a:t>
-            </a:r>
-          </a:p>
-          <a:p>
-            <a:endParaRPr lang="fr-FR" dirty="0"/>
+              <a:t>invoker</a:t>
+            </a:r>
+            <a:r>
+              <a:rPr lang="fr-FR" dirty="0"/>
+              <a:t> et l’interface </a:t>
+            </a:r>
+            <a:r>
+              <a:rPr lang="fr-FR" dirty="0" err="1"/>
+              <a:t>Icommand</a:t>
+            </a:r>
+            <a:r>
+              <a:rPr lang="fr-FR" dirty="0"/>
+              <a:t>.</a:t>
+            </a:r>
+            <a:br>
+              <a:rPr lang="fr-FR" dirty="0"/>
+            </a:br>
+            <a:r>
+              <a:rPr lang="fr-FR" dirty="0"/>
+              <a:t>Ce n’est pas un impératif mais </a:t>
+            </a:r>
+            <a:r>
+              <a:rPr lang="fr-FR" dirty="0" err="1"/>
+              <a:t>grace</a:t>
+            </a:r>
+            <a:r>
+              <a:rPr lang="fr-FR" dirty="0"/>
+              <a:t> à cela je vais pouvoir annuler et répéter les </a:t>
+            </a:r>
+            <a:r>
+              <a:rPr lang="fr-FR" dirty="0" err="1"/>
+              <a:t>commands</a:t>
+            </a:r>
+            <a:r>
+              <a:rPr lang="fr-FR" dirty="0"/>
+              <a:t>.</a:t>
+            </a:r>
+            <a:br>
+              <a:rPr lang="fr-FR" dirty="0"/>
+            </a:br>
+            <a:r>
+              <a:rPr lang="fr-FR" dirty="0"/>
+              <a:t>La pile </a:t>
+            </a:r>
+            <a:r>
+              <a:rPr lang="fr-FR" dirty="0" err="1"/>
+              <a:t>commands</a:t>
+            </a:r>
+            <a:r>
+              <a:rPr lang="fr-FR" dirty="0"/>
+              <a:t> désigne toutes les commandes </a:t>
+            </a:r>
+            <a:r>
+              <a:rPr lang="fr-FR" dirty="0" err="1"/>
+              <a:t>éfféctuées</a:t>
+            </a:r>
+            <a:r>
+              <a:rPr lang="fr-FR" dirty="0"/>
+              <a:t> qui ont réussie.</a:t>
+            </a:r>
+            <a:br>
+              <a:rPr lang="fr-FR" dirty="0"/>
+            </a:br>
+            <a:r>
+              <a:rPr lang="fr-FR" dirty="0"/>
+              <a:t>La pile </a:t>
+            </a:r>
+            <a:r>
+              <a:rPr lang="fr-FR" dirty="0" err="1"/>
+              <a:t>redo</a:t>
+            </a:r>
+            <a:r>
+              <a:rPr lang="fr-FR" dirty="0"/>
+              <a:t> désigne toutes les commandes possibles à répéter.</a:t>
+            </a:r>
           </a:p>
           <a:p>
             <a:endParaRPr lang="fr-FR" dirty="0"/>
@@ -3712,7 +3826,7 @@
           <a:p>
             <a:fld id="{0F623F77-0DF6-458C-940E-CB4AE400DBA8}" type="slidenum">
               <a:rPr lang="fr-FR" smtClean="0"/>
-              <a:t>13</a:t>
+              <a:t>12</a:t>
             </a:fld>
             <a:endParaRPr lang="fr-FR"/>
           </a:p>
@@ -3721,7 +3835,7 @@
     </p:spTree>
     <p:extLst>
       <p:ext uri="{BB962C8B-B14F-4D97-AF65-F5344CB8AC3E}">
-        <p14:creationId xmlns:p14="http://schemas.microsoft.com/office/powerpoint/2010/main" val="1803359651"/>
+        <p14:creationId xmlns:p14="http://schemas.microsoft.com/office/powerpoint/2010/main" val="3228353704"/>
       </p:ext>
     </p:extLst>
   </p:cSld>
@@ -3777,15 +3891,50 @@
           <a:p>
             <a:r>
               <a:rPr lang="fr-FR" dirty="0"/>
-              <a:t>Pour vous donner un ordre d’idée voici un peu comment va se dérouler la séquence de notre programme</a:t>
-            </a:r>
-            <a:br>
-              <a:rPr lang="fr-FR" dirty="0"/>
-            </a:br>
-            <a:r>
-              <a:rPr lang="fr-FR" dirty="0"/>
-              <a:t>pour une commande aller à gauche de 3 cases</a:t>
-            </a:r>
+              <a:t>Pour appliquer le concept du pattern commande,</a:t>
+            </a:r>
+          </a:p>
+          <a:p>
+            <a:endParaRPr lang="fr-FR" dirty="0"/>
+          </a:p>
+          <a:p>
+            <a:r>
+              <a:rPr lang="fr-FR" dirty="0"/>
+              <a:t>J’ai générer un projet </a:t>
+            </a:r>
+            <a:r>
+              <a:rPr lang="fr-FR" dirty="0" err="1"/>
+              <a:t>winform</a:t>
+            </a:r>
+            <a:r>
+              <a:rPr lang="fr-FR" dirty="0"/>
+              <a:t>, qui va permettre de générer des commandes qui vont être passé à l’</a:t>
+            </a:r>
+            <a:r>
+              <a:rPr lang="fr-FR" dirty="0" err="1"/>
+              <a:t>invoker</a:t>
+            </a:r>
+            <a:r>
+              <a:rPr lang="fr-FR" dirty="0"/>
+              <a:t>,&lt;CLIC&gt;</a:t>
+            </a:r>
+          </a:p>
+          <a:p>
+            <a:r>
+              <a:rPr lang="fr-FR" dirty="0"/>
+              <a:t>Et qui feront bouger notre personnage, le </a:t>
+            </a:r>
+            <a:r>
+              <a:rPr lang="fr-FR" dirty="0" err="1"/>
+              <a:t>receiver</a:t>
+            </a:r>
+            <a:r>
+              <a:rPr lang="fr-FR" dirty="0"/>
+              <a:t>, ici représenté sous la forme de Charlie.&lt;CLIC&gt;</a:t>
+            </a:r>
+          </a:p>
+          <a:p>
+            <a:endParaRPr lang="fr-FR" dirty="0"/>
           </a:p>
           <a:p>
             <a:endParaRPr lang="fr-FR" dirty="0"/>
@@ -3809,7 +3958,7 @@
           <a:p>
             <a:fld id="{0F623F77-0DF6-458C-940E-CB4AE400DBA8}" type="slidenum">
               <a:rPr lang="fr-FR" smtClean="0"/>
-              <a:t>14</a:t>
+              <a:t>13</a:t>
             </a:fld>
             <a:endParaRPr lang="fr-FR"/>
           </a:p>
@@ -3818,7 +3967,7 @@
     </p:spTree>
     <p:extLst>
       <p:ext uri="{BB962C8B-B14F-4D97-AF65-F5344CB8AC3E}">
-        <p14:creationId xmlns:p14="http://schemas.microsoft.com/office/powerpoint/2010/main" val="495991704"/>
+        <p14:creationId xmlns:p14="http://schemas.microsoft.com/office/powerpoint/2010/main" val="1803359651"/>
       </p:ext>
     </p:extLst>
   </p:cSld>
@@ -3874,7 +4023,72 @@
           <a:p>
             <a:r>
               <a:rPr lang="fr-FR" dirty="0"/>
-              <a:t>Le bouton « En route </a:t>
+              <a:t>Pour vous donner un ordre d’idée voici un peu comment va se dérouler la séquence de notre programme</a:t>
+            </a:r>
+            <a:br>
+              <a:rPr lang="fr-FR" dirty="0"/>
+            </a:br>
+            <a:r>
+              <a:rPr lang="fr-FR" dirty="0"/>
+              <a:t>pour une commande aller à gauche de 3 cases</a:t>
+            </a:r>
+          </a:p>
+          <a:p>
+            <a:endParaRPr lang="fr-FR" dirty="0"/>
+          </a:p>
+          <a:p>
+            <a:r>
+              <a:rPr lang="fr-FR" dirty="0"/>
+              <a:t>L’utilisateur en cliquant va donc générer une commande qui sera passer en paramètre d’une fonction </a:t>
+            </a:r>
+            <a:r>
+              <a:rPr lang="fr-FR" dirty="0" err="1"/>
+              <a:t>ExecuterCommande</a:t>
+            </a:r>
+            <a:r>
+              <a:rPr lang="fr-FR" dirty="0"/>
+              <a:t> à l’</a:t>
+            </a:r>
+            <a:r>
+              <a:rPr lang="fr-FR" dirty="0" err="1"/>
+              <a:t>Invoker</a:t>
+            </a:r>
+            <a:r>
+              <a:rPr lang="fr-FR" dirty="0"/>
+              <a:t>, </a:t>
+            </a:r>
+            <a:br>
+              <a:rPr lang="fr-FR" dirty="0"/>
+            </a:br>
+            <a:r>
+              <a:rPr lang="fr-FR" dirty="0"/>
+              <a:t>C’est cette même commande qui va être </a:t>
+            </a:r>
+            <a:r>
+              <a:rPr lang="fr-FR" dirty="0" err="1"/>
+              <a:t>éxécuté</a:t>
+            </a:r>
+            <a:r>
+              <a:rPr lang="fr-FR" dirty="0"/>
+              <a:t> par ce dernier.</a:t>
+            </a:r>
+            <a:br>
+              <a:rPr lang="fr-FR" dirty="0"/>
+            </a:br>
+            <a:br>
+              <a:rPr lang="fr-FR" dirty="0"/>
+            </a:br>
+            <a:r>
+              <a:rPr lang="fr-FR" dirty="0"/>
+              <a:t>La Command, elle va appeler la méthode </a:t>
+            </a:r>
+            <a:r>
+              <a:rPr lang="fr-FR" dirty="0" err="1"/>
+              <a:t>AllerAGauche</a:t>
+            </a:r>
+            <a:r>
+              <a:rPr lang="fr-FR" dirty="0"/>
+              <a:t> de </a:t>
             </a:r>
             <a:r>
               <a:rPr lang="fr-FR" dirty="0" err="1"/>
@@ -3882,13 +4096,14 @@
             </a:r>
             <a:r>
               <a:rPr lang="fr-FR" dirty="0"/>
-              <a:t> » va générer une commande qui sera différente en fonction du bouton radio cochée.&lt;CLIC&gt;</a:t>
-            </a:r>
-          </a:p>
-          <a:p>
-            <a:r>
-              <a:rPr lang="fr-FR" dirty="0"/>
-              <a:t>Cette commande sera passé à notre </a:t>
+              <a:t> pour le faire bouger de trois pas…</a:t>
+            </a:r>
+            <a:br>
+              <a:rPr lang="fr-FR" dirty="0"/>
+            </a:br>
+            <a:r>
+              <a:rPr lang="fr-FR" dirty="0"/>
+              <a:t>Le retour de cette commande sera retransmis jusqu’à l’</a:t>
             </a:r>
             <a:r>
               <a:rPr lang="fr-FR" dirty="0" err="1"/>
@@ -3896,60 +4111,8 @@
             </a:r>
             <a:r>
               <a:rPr lang="fr-FR" dirty="0"/>
-              <a:t> qui à été instancié dans le constructeur de la </a:t>
-            </a:r>
-            <a:r>
-              <a:rPr lang="fr-FR" dirty="0" err="1"/>
-              <a:t>form</a:t>
-            </a:r>
-            <a:r>
-              <a:rPr lang="fr-FR" dirty="0"/>
-              <a:t>.</a:t>
-            </a:r>
-          </a:p>
-          <a:p>
-            <a:endParaRPr lang="fr-FR" dirty="0"/>
-          </a:p>
-          <a:p>
-            <a:r>
-              <a:rPr lang="fr-FR" dirty="0"/>
-              <a:t>Pour correspondre au diagramme de séquence de la précédente diapositive on va considérer que le commande qui sera envoyé pour </a:t>
-            </a:r>
-            <a:r>
-              <a:rPr lang="fr-FR" dirty="0" err="1"/>
-              <a:t>éxécution</a:t>
-            </a:r>
-            <a:r>
-              <a:rPr lang="fr-FR" dirty="0"/>
-              <a:t> à notre </a:t>
-            </a:r>
-            <a:r>
-              <a:rPr lang="fr-FR" dirty="0" err="1"/>
-              <a:t>Invoker</a:t>
-            </a:r>
-            <a:r>
-              <a:rPr lang="fr-FR" dirty="0"/>
-              <a:t> sera</a:t>
-            </a:r>
-          </a:p>
-          <a:p>
-            <a:r>
-              <a:rPr lang="fr-FR" dirty="0"/>
-              <a:t>La commande Aller a gauche de 3 pas.&lt;CLIC&gt;</a:t>
-            </a:r>
-            <a:br>
-              <a:rPr lang="fr-FR" dirty="0"/>
-            </a:br>
-            <a:br>
-              <a:rPr lang="fr-FR" dirty="0"/>
-            </a:br>
-            <a:r>
-              <a:rPr lang="fr-FR" dirty="0"/>
-              <a:t>Puis-je passer à la suite ? </a:t>
-            </a:r>
-          </a:p>
-          <a:p>
-            <a:endParaRPr lang="fr-FR" dirty="0"/>
+              <a:t> qui videra la pile de répétition et ajoutera la commande dans la pile des commandes annulable.</a:t>
+            </a:r>
           </a:p>
         </p:txBody>
       </p:sp>
@@ -3970,7 +4133,7 @@
           <a:p>
             <a:fld id="{0F623F77-0DF6-458C-940E-CB4AE400DBA8}" type="slidenum">
               <a:rPr lang="fr-FR" smtClean="0"/>
-              <a:t>15</a:t>
+              <a:t>14</a:t>
             </a:fld>
             <a:endParaRPr lang="fr-FR"/>
           </a:p>
@@ -3979,7 +4142,7 @@
     </p:spTree>
     <p:extLst>
       <p:ext uri="{BB962C8B-B14F-4D97-AF65-F5344CB8AC3E}">
-        <p14:creationId xmlns:p14="http://schemas.microsoft.com/office/powerpoint/2010/main" val="3108979854"/>
+        <p14:creationId xmlns:p14="http://schemas.microsoft.com/office/powerpoint/2010/main" val="495991704"/>
       </p:ext>
     </p:extLst>
   </p:cSld>
@@ -4035,15 +4198,37 @@
           <a:p>
             <a:r>
               <a:rPr lang="fr-FR" dirty="0"/>
-              <a:t>Comme vu dans le diagramme de séquence on va venir </a:t>
+              <a:t>Le bouton « En route </a:t>
             </a:r>
             <a:r>
               <a:rPr lang="fr-FR" dirty="0" err="1"/>
-              <a:t>éxécuter</a:t>
-            </a:r>
-            <a:r>
-              <a:rPr lang="fr-FR" dirty="0"/>
-              <a:t> la commande qui déplacera Charlie à gauche de 3 pas.</a:t>
+              <a:t>charlie</a:t>
+            </a:r>
+            <a:r>
+              <a:rPr lang="fr-FR" dirty="0"/>
+              <a:t> » va générer une commande qui sera différente en fonction du bouton radio cochée.&lt;CLIC&gt;</a:t>
+            </a:r>
+          </a:p>
+          <a:p>
+            <a:r>
+              <a:rPr lang="fr-FR" dirty="0"/>
+              <a:t>Cette commande sera passé à notre </a:t>
+            </a:r>
+            <a:r>
+              <a:rPr lang="fr-FR" dirty="0" err="1"/>
+              <a:t>invoker</a:t>
+            </a:r>
+            <a:r>
+              <a:rPr lang="fr-FR" dirty="0"/>
+              <a:t> qui à été instancié dans le constructeur de la </a:t>
+            </a:r>
+            <a:r>
+              <a:rPr lang="fr-FR" dirty="0" err="1"/>
+              <a:t>form</a:t>
+            </a:r>
+            <a:r>
+              <a:rPr lang="fr-FR" dirty="0"/>
+              <a:t>.</a:t>
             </a:r>
           </a:p>
           <a:p>
@@ -4052,55 +4237,43 @@
           <a:p>
             <a:r>
               <a:rPr lang="fr-FR" dirty="0"/>
-              <a:t>Si la commande s’est bien exécuter </a:t>
+              <a:t>Pour correspondre au diagramme de séquence de la précédente diapositive on va considérer que le commande qui sera envoyé pour </a:t>
+            </a:r>
+            <a:r>
+              <a:rPr lang="fr-FR" dirty="0" err="1"/>
+              <a:t>éxécution</a:t>
+            </a:r>
+            <a:r>
+              <a:rPr lang="fr-FR" dirty="0"/>
+              <a:t> à notre </a:t>
+            </a:r>
+            <a:r>
+              <a:rPr lang="fr-FR" dirty="0" err="1"/>
+              <a:t>Invoker</a:t>
+            </a:r>
+            <a:r>
+              <a:rPr lang="fr-FR" dirty="0"/>
+              <a:t> sera</a:t>
+            </a:r>
+          </a:p>
+          <a:p>
+            <a:r>
+              <a:rPr lang="fr-FR" dirty="0"/>
+              <a:t>La commande Aller à gauche de 3 pas.&lt;CLIC&gt;</a:t>
             </a:r>
             <a:br>
               <a:rPr lang="fr-FR" dirty="0"/>
             </a:br>
-            <a:r>
-              <a:rPr lang="fr-FR" dirty="0"/>
-              <a:t>plus de retour en arrière possible la liste de répétition est vidée.</a:t>
-            </a:r>
-          </a:p>
-          <a:p>
-            <a:r>
-              <a:rPr lang="fr-FR" dirty="0"/>
-              <a:t>Puis on viens ajouter à la liste des commandes,</a:t>
+            <a:br>
+              <a:rPr lang="fr-FR" dirty="0"/>
+            </a:br>
+            <a:r>
+              <a:rPr lang="fr-FR" dirty="0"/>
+              <a:t>Puis-je passer à la suite ? </a:t>
             </a:r>
           </a:p>
           <a:p>
             <a:endParaRPr lang="fr-FR" dirty="0"/>
-          </a:p>
-          <a:p>
-            <a:r>
-              <a:rPr lang="fr-FR" dirty="0"/>
-              <a:t>Par ailleurs ceci est un choix mais les collections </a:t>
-            </a:r>
-            <a:r>
-              <a:rPr lang="fr-FR" dirty="0" err="1"/>
-              <a:t>commands</a:t>
-            </a:r>
-            <a:r>
-              <a:rPr lang="fr-FR" dirty="0"/>
-              <a:t> et </a:t>
-            </a:r>
-            <a:r>
-              <a:rPr lang="fr-FR" dirty="0" err="1"/>
-              <a:t>redo</a:t>
-            </a:r>
-            <a:r>
-              <a:rPr lang="fr-FR" dirty="0"/>
-              <a:t> sont des piles LIFO (Last In First Out) représenté par la classe générique Stack</a:t>
-            </a:r>
-          </a:p>
-          <a:p>
-            <a:br>
-              <a:rPr lang="fr-FR" dirty="0"/>
-            </a:br>
-            <a:r>
-              <a:rPr lang="fr-FR" dirty="0"/>
-              <a:t> </a:t>
-            </a:r>
           </a:p>
         </p:txBody>
       </p:sp>
@@ -4121,7 +4294,7 @@
           <a:p>
             <a:fld id="{0F623F77-0DF6-458C-940E-CB4AE400DBA8}" type="slidenum">
               <a:rPr lang="fr-FR" smtClean="0"/>
-              <a:t>16</a:t>
+              <a:t>15</a:t>
             </a:fld>
             <a:endParaRPr lang="fr-FR"/>
           </a:p>
@@ -4130,7 +4303,7 @@
     </p:spTree>
     <p:extLst>
       <p:ext uri="{BB962C8B-B14F-4D97-AF65-F5344CB8AC3E}">
-        <p14:creationId xmlns:p14="http://schemas.microsoft.com/office/powerpoint/2010/main" val="2668354066"/>
+        <p14:creationId xmlns:p14="http://schemas.microsoft.com/office/powerpoint/2010/main" val="3108979854"/>
       </p:ext>
     </p:extLst>
   </p:cSld>
@@ -4186,31 +4359,63 @@
           <a:p>
             <a:r>
               <a:rPr lang="fr-FR" dirty="0"/>
-              <a:t>Pour savoir si la commande s’</a:t>
+              <a:t>Comme vu dans le diagramme de séquence on va venir exécuter la commande qui déplacera Charlie à gauche de 3 pas.</a:t>
+            </a:r>
+          </a:p>
+          <a:p>
+            <a:endParaRPr lang="fr-FR" dirty="0"/>
+          </a:p>
+          <a:p>
+            <a:r>
+              <a:rPr lang="fr-FR" dirty="0"/>
+              <a:t>Si la commande s’est bien exécutée </a:t>
+            </a:r>
+            <a:br>
+              <a:rPr lang="fr-FR" dirty="0"/>
+            </a:br>
+            <a:r>
+              <a:rPr lang="fr-FR" dirty="0"/>
+              <a:t>plus de retour en arrière possible la liste de répétition est vidée.</a:t>
+            </a:r>
+          </a:p>
+          <a:p>
+            <a:r>
+              <a:rPr lang="fr-FR" dirty="0"/>
+              <a:t>Puis on vient ajouter à la liste des commandes,</a:t>
+            </a:r>
+          </a:p>
+          <a:p>
+            <a:endParaRPr lang="fr-FR" dirty="0"/>
+          </a:p>
+          <a:p>
+            <a:r>
+              <a:rPr lang="fr-FR" dirty="0"/>
+              <a:t>Par ailleurs ceci est un choix mais les collections </a:t>
             </a:r>
             <a:r>
               <a:rPr lang="fr-FR" dirty="0" err="1"/>
-              <a:t>execute</a:t>
-            </a:r>
-            <a:r>
-              <a:rPr lang="fr-FR" dirty="0"/>
-              <a:t> bien on retourne ce que nous renverra notre </a:t>
+              <a:t>commands</a:t>
+            </a:r>
+            <a:r>
+              <a:rPr lang="fr-FR" dirty="0"/>
+              <a:t> et </a:t>
             </a:r>
             <a:r>
               <a:rPr lang="fr-FR" dirty="0" err="1"/>
-              <a:t>receiver</a:t>
-            </a:r>
-            <a:r>
-              <a:rPr lang="fr-FR" dirty="0"/>
-              <a:t>, </a:t>
-            </a:r>
-            <a:r>
-              <a:rPr lang="fr-FR" dirty="0" err="1"/>
-              <a:t>charlie</a:t>
-            </a:r>
-            <a:r>
-              <a:rPr lang="fr-FR" dirty="0"/>
-              <a:t>, lorsqu’on lui demandera de se déplacer à gauche de 3 pas</a:t>
+              <a:t>redo</a:t>
+            </a:r>
+            <a:r>
+              <a:rPr lang="fr-FR" dirty="0"/>
+              <a:t> sont des piles LIFO (Last In First Out) représenté par la classe générique Stack</a:t>
+            </a:r>
+          </a:p>
+          <a:p>
+            <a:br>
+              <a:rPr lang="fr-FR" dirty="0"/>
+            </a:br>
+            <a:r>
+              <a:rPr lang="fr-FR" dirty="0"/>
+              <a:t> </a:t>
             </a:r>
           </a:p>
         </p:txBody>
@@ -4232,7 +4437,7 @@
           <a:p>
             <a:fld id="{0F623F77-0DF6-458C-940E-CB4AE400DBA8}" type="slidenum">
               <a:rPr lang="fr-FR" smtClean="0"/>
-              <a:t>17</a:t>
+              <a:t>16</a:t>
             </a:fld>
             <a:endParaRPr lang="fr-FR"/>
           </a:p>
@@ -4241,7 +4446,7 @@
     </p:spTree>
     <p:extLst>
       <p:ext uri="{BB962C8B-B14F-4D97-AF65-F5344CB8AC3E}">
-        <p14:creationId xmlns:p14="http://schemas.microsoft.com/office/powerpoint/2010/main" val="3490859796"/>
+        <p14:creationId xmlns:p14="http://schemas.microsoft.com/office/powerpoint/2010/main" val="2668354066"/>
       </p:ext>
     </p:extLst>
   </p:cSld>
@@ -4297,7 +4502,31 @@
           <a:p>
             <a:r>
               <a:rPr lang="fr-FR" dirty="0"/>
-              <a:t>Et enfin dernier étage de notre séquence voici le code coté personnage.</a:t>
+              <a:t>Pour savoir si la commande s’</a:t>
+            </a:r>
+            <a:r>
+              <a:rPr lang="fr-FR" dirty="0" err="1"/>
+              <a:t>execute</a:t>
+            </a:r>
+            <a:r>
+              <a:rPr lang="fr-FR" dirty="0"/>
+              <a:t> bien on retourne ce que nous renverra notre </a:t>
+            </a:r>
+            <a:r>
+              <a:rPr lang="fr-FR" dirty="0" err="1"/>
+              <a:t>receiver</a:t>
+            </a:r>
+            <a:r>
+              <a:rPr lang="fr-FR" dirty="0"/>
+              <a:t>, </a:t>
+            </a:r>
+            <a:r>
+              <a:rPr lang="fr-FR" dirty="0" err="1"/>
+              <a:t>charlie</a:t>
+            </a:r>
+            <a:r>
+              <a:rPr lang="fr-FR" dirty="0"/>
+              <a:t>, lorsqu’on lui demandera de se déplacer à gauche de 3 pas</a:t>
             </a:r>
           </a:p>
         </p:txBody>
@@ -4319,7 +4548,7 @@
           <a:p>
             <a:fld id="{0F623F77-0DF6-458C-940E-CB4AE400DBA8}" type="slidenum">
               <a:rPr lang="fr-FR" smtClean="0"/>
-              <a:t>18</a:t>
+              <a:t>17</a:t>
             </a:fld>
             <a:endParaRPr lang="fr-FR"/>
           </a:p>
@@ -4328,7 +4557,7 @@
     </p:spTree>
     <p:extLst>
       <p:ext uri="{BB962C8B-B14F-4D97-AF65-F5344CB8AC3E}">
-        <p14:creationId xmlns:p14="http://schemas.microsoft.com/office/powerpoint/2010/main" val="2370010413"/>
+        <p14:creationId xmlns:p14="http://schemas.microsoft.com/office/powerpoint/2010/main" val="3490859796"/>
       </p:ext>
     </p:extLst>
   </p:cSld>
@@ -4384,122 +4613,8 @@
           <a:p>
             <a:r>
               <a:rPr lang="fr-FR" dirty="0"/>
-              <a:t>Voici la liste des différents avantages et inconvénients du pattern command.</a:t>
-            </a:r>
-            <a:br>
-              <a:rPr lang="fr-FR" dirty="0"/>
-            </a:br>
-            <a:br>
-              <a:rPr lang="fr-FR" dirty="0"/>
-            </a:br>
-            <a:r>
-              <a:rPr lang="fr-FR" dirty="0"/>
-              <a:t>En premier avantage on notera le premier principe SOLID a savoir le principe de responsabilité unique&lt;CLIC&gt;,</a:t>
-            </a:r>
-          </a:p>
-          <a:p>
-            <a:r>
-              <a:rPr lang="fr-FR" dirty="0"/>
-              <a:t>Avec le pattern command on sépare les classe qui invoque les opérations des classes qui les effectuent.</a:t>
-            </a:r>
-            <a:br>
-              <a:rPr lang="fr-FR" dirty="0"/>
-            </a:br>
-            <a:br>
-              <a:rPr lang="fr-FR" dirty="0"/>
-            </a:br>
-            <a:r>
-              <a:rPr lang="fr-FR" dirty="0"/>
-              <a:t>En deuxième avantage se sera la deuxième lettre du principe SOLID, le principe d’ouverture et de fermeture&lt;CLIC&gt;,</a:t>
-            </a:r>
-          </a:p>
-          <a:p>
-            <a:r>
-              <a:rPr lang="fr-FR" dirty="0"/>
-              <a:t>Grace à ce pattern il sera possible d’</a:t>
-            </a:r>
-            <a:r>
-              <a:rPr lang="fr-FR" dirty="0" err="1"/>
-              <a:t>impléménter</a:t>
-            </a:r>
-            <a:r>
-              <a:rPr lang="fr-FR" dirty="0"/>
-              <a:t> de nouvelle commandes dans nos solutions sans en modifier le contenu existant.</a:t>
-            </a:r>
-          </a:p>
-          <a:p>
-            <a:endParaRPr lang="fr-FR" dirty="0"/>
-          </a:p>
-          <a:p>
-            <a:r>
-              <a:rPr lang="fr-FR" dirty="0"/>
-              <a:t>On peut implémenter des fonctionnalités telles qu’annuler ou rétablir&lt;CLIC&gt;</a:t>
-            </a:r>
-          </a:p>
-          <a:p>
-            <a:endParaRPr lang="fr-FR" dirty="0"/>
-          </a:p>
-          <a:p>
-            <a:r>
-              <a:rPr lang="fr-FR" dirty="0"/>
-              <a:t>Cela permet de différer l’</a:t>
-            </a:r>
-            <a:r>
-              <a:rPr lang="fr-FR" dirty="0" err="1"/>
-              <a:t>éxécution</a:t>
-            </a:r>
-            <a:r>
-              <a:rPr lang="fr-FR" dirty="0"/>
-              <a:t> de nos traitement &lt;CLIC&gt;</a:t>
-            </a:r>
-          </a:p>
-          <a:p>
-            <a:endParaRPr lang="fr-FR" dirty="0"/>
-          </a:p>
-          <a:p>
-            <a:r>
-              <a:rPr lang="fr-FR" dirty="0"/>
-              <a:t>On peut également assembler plusieurs commandes simples en une commande plus complexe&lt;CLIC&gt;</a:t>
-            </a:r>
-          </a:p>
-          <a:p>
-            <a:endParaRPr lang="fr-FR" dirty="0"/>
-          </a:p>
-          <a:p>
-            <a:r>
-              <a:rPr lang="fr-FR" dirty="0"/>
-              <a:t>Toutefois tout ces apports se font au prix d’un inconvénient,</a:t>
-            </a:r>
-          </a:p>
-          <a:p>
-            <a:endParaRPr lang="fr-FR" dirty="0"/>
-          </a:p>
-          <a:p>
-            <a:r>
-              <a:rPr lang="fr-FR" dirty="0"/>
-              <a:t>Le pattern Command complexifie le code en ajoutant une couche supplémentaire entre les demandeurs et les récepteurs&lt;CLIC&gt;</a:t>
-            </a:r>
-          </a:p>
-          <a:p>
-            <a:endParaRPr lang="fr-FR" dirty="0"/>
-          </a:p>
-          <a:p>
-            <a:r>
-              <a:rPr lang="fr-FR" dirty="0"/>
-              <a:t>Avant que je ne passe au pattern Memento auriez vous des questions?</a:t>
-            </a:r>
-          </a:p>
-          <a:p>
-            <a:endParaRPr lang="fr-FR" dirty="0"/>
-          </a:p>
-          <a:p>
-            <a:br>
-              <a:rPr lang="fr-FR" dirty="0"/>
-            </a:br>
-            <a:br>
-              <a:rPr lang="fr-FR" dirty="0"/>
-            </a:br>
-            <a:endParaRPr lang="fr-FR" dirty="0"/>
+              <a:t>Et enfin dernier étage de notre séquence voici le code coté personnage.</a:t>
+            </a:r>
           </a:p>
         </p:txBody>
       </p:sp>
@@ -4520,7 +4635,7 @@
           <a:p>
             <a:fld id="{0F623F77-0DF6-458C-940E-CB4AE400DBA8}" type="slidenum">
               <a:rPr lang="fr-FR" smtClean="0"/>
-              <a:t>19</a:t>
+              <a:t>18</a:t>
             </a:fld>
             <a:endParaRPr lang="fr-FR"/>
           </a:p>
@@ -4529,7 +4644,7 @@
     </p:spTree>
     <p:extLst>
       <p:ext uri="{BB962C8B-B14F-4D97-AF65-F5344CB8AC3E}">
-        <p14:creationId xmlns:p14="http://schemas.microsoft.com/office/powerpoint/2010/main" val="850988389"/>
+        <p14:creationId xmlns:p14="http://schemas.microsoft.com/office/powerpoint/2010/main" val="2370010413"/>
       </p:ext>
     </p:extLst>
   </p:cSld>
@@ -4583,6 +4698,123 @@
           <a:bodyPr/>
           <a:lstStyle/>
           <a:p>
+            <a:r>
+              <a:rPr lang="fr-FR" dirty="0"/>
+              <a:t>Voici la liste des différents avantages et inconvénients du pattern command.</a:t>
+            </a:r>
+            <a:br>
+              <a:rPr lang="fr-FR" dirty="0"/>
+            </a:br>
+            <a:br>
+              <a:rPr lang="fr-FR" dirty="0"/>
+            </a:br>
+            <a:r>
+              <a:rPr lang="fr-FR" dirty="0"/>
+              <a:t>En premier avantage on notera le premier principe SOLID a savoir le principe de responsabilité unique&lt;CLIC&gt;,</a:t>
+            </a:r>
+          </a:p>
+          <a:p>
+            <a:r>
+              <a:rPr lang="fr-FR" dirty="0"/>
+              <a:t>Avec le pattern command on sépare les classe qui invoque les opérations des classes qui les effectuent.</a:t>
+            </a:r>
+            <a:br>
+              <a:rPr lang="fr-FR" dirty="0"/>
+            </a:br>
+            <a:br>
+              <a:rPr lang="fr-FR" dirty="0"/>
+            </a:br>
+            <a:r>
+              <a:rPr lang="fr-FR" dirty="0"/>
+              <a:t>En deuxième avantage se sera la deuxième lettre du principe SOLID, le principe d’ouverture et de fermeture&lt;CLIC&gt;,</a:t>
+            </a:r>
+          </a:p>
+          <a:p>
+            <a:r>
+              <a:rPr lang="fr-FR" dirty="0"/>
+              <a:t>Grace à ce pattern il sera possible d’</a:t>
+            </a:r>
+            <a:r>
+              <a:rPr lang="fr-FR" dirty="0" err="1"/>
+              <a:t>impléménter</a:t>
+            </a:r>
+            <a:r>
+              <a:rPr lang="fr-FR" dirty="0"/>
+              <a:t> de nouvelle commandes dans nos solutions sans en modifier le contenu existant.</a:t>
+            </a:r>
+          </a:p>
+          <a:p>
+            <a:endParaRPr lang="fr-FR" dirty="0"/>
+          </a:p>
+          <a:p>
+            <a:r>
+              <a:rPr lang="fr-FR" dirty="0"/>
+              <a:t>On peut implémenter des fonctionnalités telles qu’annuler ou rétablir&lt;CLIC&gt;</a:t>
+            </a:r>
+          </a:p>
+          <a:p>
+            <a:endParaRPr lang="fr-FR" dirty="0"/>
+          </a:p>
+          <a:p>
+            <a:r>
+              <a:rPr lang="fr-FR" dirty="0"/>
+              <a:t>Cela permet de différer l’</a:t>
+            </a:r>
+            <a:r>
+              <a:rPr lang="fr-FR" dirty="0" err="1"/>
+              <a:t>éxécution</a:t>
+            </a:r>
+            <a:r>
+              <a:rPr lang="fr-FR" dirty="0"/>
+              <a:t> de nos traitement &lt;CLIC&gt;</a:t>
+            </a:r>
+          </a:p>
+          <a:p>
+            <a:endParaRPr lang="fr-FR" dirty="0"/>
+          </a:p>
+          <a:p>
+            <a:r>
+              <a:rPr lang="fr-FR" dirty="0"/>
+              <a:t>On peut également assembler plusieurs commandes simples en une commande plus complexe&lt;CLIC&gt;</a:t>
+            </a:r>
+          </a:p>
+          <a:p>
+            <a:endParaRPr lang="fr-FR" dirty="0"/>
+          </a:p>
+          <a:p>
+            <a:r>
+              <a:rPr lang="fr-FR" dirty="0"/>
+              <a:t>Toutefois tout ces apports se font au prix d’un inconvénient,</a:t>
+            </a:r>
+          </a:p>
+          <a:p>
+            <a:endParaRPr lang="fr-FR" dirty="0"/>
+          </a:p>
+          <a:p>
+            <a:r>
+              <a:rPr lang="fr-FR" dirty="0"/>
+              <a:t>Le pattern Command complexifie le code en ajoutant une couche supplémentaire entre les demandeurs et les récepteurs&lt;CLIC&gt;</a:t>
+            </a:r>
+          </a:p>
+          <a:p>
+            <a:endParaRPr lang="fr-FR" dirty="0"/>
+          </a:p>
+          <a:p>
+            <a:r>
+              <a:rPr lang="fr-FR" dirty="0"/>
+              <a:t>Avant que je ne passe au pattern Memento auriez vous des questions?</a:t>
+            </a:r>
+          </a:p>
+          <a:p>
+            <a:endParaRPr lang="fr-FR" dirty="0"/>
+          </a:p>
+          <a:p>
+            <a:br>
+              <a:rPr lang="fr-FR" dirty="0"/>
+            </a:br>
+            <a:br>
+              <a:rPr lang="fr-FR" dirty="0"/>
+            </a:br>
             <a:endParaRPr lang="fr-FR" dirty="0"/>
           </a:p>
         </p:txBody>
@@ -4604,7 +4836,7 @@
           <a:p>
             <a:fld id="{0F623F77-0DF6-458C-940E-CB4AE400DBA8}" type="slidenum">
               <a:rPr lang="fr-FR" smtClean="0"/>
-              <a:t>20</a:t>
+              <a:t>19</a:t>
             </a:fld>
             <a:endParaRPr lang="fr-FR"/>
           </a:p>
@@ -4613,7 +4845,7 @@
     </p:spTree>
     <p:extLst>
       <p:ext uri="{BB962C8B-B14F-4D97-AF65-F5344CB8AC3E}">
-        <p14:creationId xmlns:p14="http://schemas.microsoft.com/office/powerpoint/2010/main" val="1721767931"/>
+        <p14:creationId xmlns:p14="http://schemas.microsoft.com/office/powerpoint/2010/main" val="850988389"/>
       </p:ext>
     </p:extLst>
   </p:cSld>
@@ -4667,29 +4899,7 @@
           <a:bodyPr/>
           <a:lstStyle/>
           <a:p>
-            <a:r>
-              <a:rPr lang="fr-FR" dirty="0"/>
-              <a:t>Comme le pattern Command,</a:t>
-            </a:r>
-          </a:p>
-          <a:p>
-            <a:r>
-              <a:rPr lang="fr-FR" dirty="0"/>
-              <a:t>Le pattern Memento est un pattern qui rentre dans la catégorie des pattern comportementaux.</a:t>
-            </a:r>
-            <a:br>
-              <a:rPr lang="fr-FR" dirty="0"/>
-            </a:br>
-            <a:br>
-              <a:rPr lang="fr-FR" dirty="0"/>
-            </a:br>
-            <a:br>
-              <a:rPr lang="fr-FR" dirty="0"/>
-            </a:br>
-            <a:r>
-              <a:rPr lang="fr-FR" dirty="0"/>
-              <a:t>Et comme nous le fait comprendre son principe le pattern Memento, va consister à pourvoir mémoriser, mais également restituer l’état d’un objet.</a:t>
-            </a:r>
+            <a:endParaRPr lang="fr-FR" dirty="0"/>
           </a:p>
         </p:txBody>
       </p:sp>
@@ -4710,7 +4920,7 @@
           <a:p>
             <a:fld id="{0F623F77-0DF6-458C-940E-CB4AE400DBA8}" type="slidenum">
               <a:rPr lang="fr-FR" smtClean="0"/>
-              <a:t>21</a:t>
+              <a:t>20</a:t>
             </a:fld>
             <a:endParaRPr lang="fr-FR"/>
           </a:p>
@@ -4719,7 +4929,7 @@
     </p:spTree>
     <p:extLst>
       <p:ext uri="{BB962C8B-B14F-4D97-AF65-F5344CB8AC3E}">
-        <p14:creationId xmlns:p14="http://schemas.microsoft.com/office/powerpoint/2010/main" val="16607551"/>
+        <p14:creationId xmlns:p14="http://schemas.microsoft.com/office/powerpoint/2010/main" val="1721767931"/>
       </p:ext>
     </p:extLst>
   </p:cSld>
@@ -4775,105 +4985,27 @@
           <a:p>
             <a:r>
               <a:rPr lang="fr-FR" dirty="0"/>
-              <a:t>Imaginons une transaction…</a:t>
+              <a:t>Comme le pattern Command,</a:t>
+            </a:r>
+          </a:p>
+          <a:p>
+            <a:r>
+              <a:rPr lang="fr-FR" dirty="0"/>
+              <a:t>Le pattern Memento est un pattern qui rentre dans la catégorie des pattern comportementaux.&lt;CLIC&gt;</a:t>
             </a:r>
             <a:br>
               <a:rPr lang="fr-FR" dirty="0"/>
             </a:br>
-            <a:r>
-              <a:rPr lang="fr-FR" dirty="0"/>
-              <a:t>Vous avez mis un article sur </a:t>
-            </a:r>
-            <a:r>
-              <a:rPr lang="fr-FR" dirty="0" err="1"/>
-              <a:t>leboncoin</a:t>
-            </a:r>
-            <a:r>
-              <a:rPr lang="fr-FR" dirty="0"/>
-              <a:t>,</a:t>
-            </a:r>
-          </a:p>
-          <a:p>
-            <a:r>
-              <a:rPr lang="fr-FR" dirty="0" err="1"/>
-              <a:t>Intéréssé</a:t>
-            </a:r>
-            <a:r>
-              <a:rPr lang="fr-FR" dirty="0"/>
-              <a:t> Pauline vous l’</a:t>
-            </a:r>
-            <a:r>
-              <a:rPr lang="fr-FR" dirty="0" err="1"/>
-              <a:t>achéte</a:t>
-            </a:r>
-            <a:r>
-              <a:rPr lang="fr-FR" dirty="0"/>
-              <a:t> au prix convenu 200€,</a:t>
-            </a:r>
             <a:br>
               <a:rPr lang="fr-FR" dirty="0"/>
             </a:br>
-            <a:r>
-              <a:rPr lang="fr-FR" dirty="0"/>
-              <a:t>Vous lui joignez donc un RIB pour qu’elle puisse </a:t>
-            </a:r>
-            <a:r>
-              <a:rPr lang="fr-FR" dirty="0" err="1"/>
-              <a:t>éfféctué</a:t>
-            </a:r>
-            <a:r>
-              <a:rPr lang="fr-FR" dirty="0"/>
-              <a:t> le virement sur votre compte.</a:t>
-            </a:r>
             <a:br>
               <a:rPr lang="fr-FR" dirty="0"/>
             </a:br>
             <a:r>
               <a:rPr lang="fr-FR" dirty="0"/>
-              <a:t>Mais par erreur le RIB que vous lui joignez correspond à votre livret A </a:t>
-            </a:r>
-            <a:r>
-              <a:rPr lang="fr-FR" dirty="0" err="1"/>
-              <a:t>plafoné</a:t>
-            </a:r>
-            <a:r>
-              <a:rPr lang="fr-FR" dirty="0"/>
-              <a:t> a 22950€ et vous avez déjà 22900€ dessus.</a:t>
-            </a:r>
-            <a:br>
-              <a:rPr lang="fr-FR" dirty="0"/>
-            </a:br>
-            <a:r>
-              <a:rPr lang="fr-FR" dirty="0"/>
-              <a:t>La transaction commencerais par débiter Pauline,</a:t>
-            </a:r>
-          </a:p>
-          <a:p>
-            <a:r>
-              <a:rPr lang="fr-FR" dirty="0"/>
-              <a:t>Qui tomberais à 1800€,&lt;CLIC&gt;</a:t>
-            </a:r>
-          </a:p>
-          <a:p>
-            <a:r>
-              <a:rPr lang="fr-FR" dirty="0"/>
-              <a:t>Puis cela serait censé vous créditer de 200€ &lt;CLIC&gt;</a:t>
-            </a:r>
-          </a:p>
-          <a:p>
-            <a:r>
-              <a:rPr lang="fr-FR" dirty="0"/>
-              <a:t>Cependant votre plafond serait dépassé donc la banque refuse le paiement&lt;CLIC&gt;</a:t>
-            </a:r>
-          </a:p>
-          <a:p>
-            <a:endParaRPr lang="fr-FR" dirty="0"/>
-          </a:p>
-          <a:p>
-            <a:endParaRPr lang="fr-FR" dirty="0"/>
-          </a:p>
-          <a:p>
-            <a:endParaRPr lang="fr-FR" dirty="0"/>
+              <a:t>Et comme nous le fait comprendre son principe le pattern Memento, va consister à pourvoir mémoriser, mais également restituer l’état d’un objet.&lt;CLIC&gt;</a:t>
+            </a:r>
           </a:p>
         </p:txBody>
       </p:sp>
@@ -4894,7 +5026,7 @@
           <a:p>
             <a:fld id="{0F623F77-0DF6-458C-940E-CB4AE400DBA8}" type="slidenum">
               <a:rPr lang="fr-FR" smtClean="0"/>
-              <a:t>22</a:t>
+              <a:t>21</a:t>
             </a:fld>
             <a:endParaRPr lang="fr-FR"/>
           </a:p>
@@ -4903,7 +5035,7 @@
     </p:spTree>
     <p:extLst>
       <p:ext uri="{BB962C8B-B14F-4D97-AF65-F5344CB8AC3E}">
-        <p14:creationId xmlns:p14="http://schemas.microsoft.com/office/powerpoint/2010/main" val="4058686033"/>
+        <p14:creationId xmlns:p14="http://schemas.microsoft.com/office/powerpoint/2010/main" val="16607551"/>
       </p:ext>
     </p:extLst>
   </p:cSld>
@@ -4959,7 +5091,7 @@
           <a:p>
             <a:r>
               <a:rPr lang="fr-FR" dirty="0"/>
-              <a:t>Imaginons que nous voulions créer une interface graphique qui gère un jeu vidéo, ou un éditeur de texte par exemple.</a:t>
+              <a:t>Le pattern Command, fait partie des patterns comportementaux&lt;CLIC&gt;</a:t>
             </a:r>
             <a:br>
               <a:rPr lang="fr-FR" dirty="0"/>
@@ -4969,40 +5101,11 @@
             </a:br>
             <a:r>
               <a:rPr lang="fr-FR" dirty="0"/>
-              <a:t>Pour faire notre interface nous avons créer une classe Bouton qui gérera tout les boutons de nos différentes interfaces graphique.&lt;CLIC&gt;</a:t>
-            </a:r>
-            <a:br>
-              <a:rPr lang="fr-FR" dirty="0"/>
-            </a:br>
-            <a:br>
-              <a:rPr lang="fr-FR" dirty="0"/>
-            </a:br>
-            <a:r>
-              <a:rPr lang="fr-FR" dirty="0"/>
-              <a:t>Bien qu’il se ressemblent, ces boutons ont tous censé exécuter des instructions différentes.</a:t>
-            </a:r>
-            <a:br>
-              <a:rPr lang="fr-FR" dirty="0"/>
-            </a:br>
-            <a:r>
-              <a:rPr lang="fr-FR" dirty="0"/>
-              <a:t>Mais comme chacun de ses boutons hérite de la même classe ou va on mettre le code des actions à réaliser?&lt;CLIC&gt;</a:t>
+              <a:t>Il permet de transformer les instructions sous la forme d’objets autonomes.&lt;CLIC&gt;</a:t>
             </a:r>
           </a:p>
           <a:p>
             <a:endParaRPr lang="fr-FR" dirty="0"/>
-          </a:p>
-          <a:p>
-            <a:r>
-              <a:rPr lang="fr-FR" dirty="0"/>
-              <a:t>On pourrait éventuellement créer des sous classes pour contenir les instructions exécutés lors d’un click.</a:t>
-            </a:r>
-          </a:p>
-          <a:p>
-            <a:r>
-              <a:rPr lang="fr-FR" dirty="0"/>
-              <a:t>Mais voyons ensemble les défauts de cette dernière approche.&lt;CLIC&gt;</a:t>
-            </a:r>
           </a:p>
         </p:txBody>
       </p:sp>
@@ -5023,7 +5126,7 @@
           <a:p>
             <a:fld id="{0F623F77-0DF6-458C-940E-CB4AE400DBA8}" type="slidenum">
               <a:rPr lang="fr-FR" smtClean="0"/>
-              <a:t>5</a:t>
+              <a:t>4</a:t>
             </a:fld>
             <a:endParaRPr lang="fr-FR"/>
           </a:p>
@@ -5032,7 +5135,7 @@
     </p:spTree>
     <p:extLst>
       <p:ext uri="{BB962C8B-B14F-4D97-AF65-F5344CB8AC3E}">
-        <p14:creationId xmlns:p14="http://schemas.microsoft.com/office/powerpoint/2010/main" val="1537975058"/>
+        <p14:creationId xmlns:p14="http://schemas.microsoft.com/office/powerpoint/2010/main" val="3953560622"/>
       </p:ext>
     </p:extLst>
   </p:cSld>
@@ -5088,55 +5191,105 @@
           <a:p>
             <a:r>
               <a:rPr lang="fr-FR" dirty="0"/>
-              <a:t>A la fin de la transaction voici l’état à la fin de cette dernière</a:t>
+              <a:t>Imaginons une transaction…</a:t>
+            </a:r>
+            <a:br>
+              <a:rPr lang="fr-FR" dirty="0"/>
+            </a:br>
+            <a:r>
+              <a:rPr lang="fr-FR" dirty="0"/>
+              <a:t>Vous avez mis un article sur </a:t>
+            </a:r>
+            <a:r>
+              <a:rPr lang="fr-FR" dirty="0" err="1"/>
+              <a:t>leboncoin</a:t>
+            </a:r>
+            <a:r>
+              <a:rPr lang="fr-FR" dirty="0"/>
+              <a:t>,</a:t>
+            </a:r>
+          </a:p>
+          <a:p>
+            <a:r>
+              <a:rPr lang="fr-FR" dirty="0" err="1"/>
+              <a:t>Intéréssé</a:t>
+            </a:r>
+            <a:r>
+              <a:rPr lang="fr-FR" dirty="0"/>
+              <a:t> Pauline vous l’</a:t>
+            </a:r>
+            <a:r>
+              <a:rPr lang="fr-FR" dirty="0" err="1"/>
+              <a:t>achéte</a:t>
+            </a:r>
+            <a:r>
+              <a:rPr lang="fr-FR" dirty="0"/>
+              <a:t> au prix convenu 200€,</a:t>
+            </a:r>
+            <a:br>
+              <a:rPr lang="fr-FR" dirty="0"/>
+            </a:br>
+            <a:r>
+              <a:rPr lang="fr-FR" dirty="0"/>
+              <a:t>Vous lui joignez donc un RIB pour qu’elle puisse </a:t>
+            </a:r>
+            <a:r>
+              <a:rPr lang="fr-FR" dirty="0" err="1"/>
+              <a:t>éfféctué</a:t>
+            </a:r>
+            <a:r>
+              <a:rPr lang="fr-FR" dirty="0"/>
+              <a:t> le virement sur votre compte.</a:t>
+            </a:r>
+            <a:br>
+              <a:rPr lang="fr-FR" dirty="0"/>
+            </a:br>
+            <a:r>
+              <a:rPr lang="fr-FR" dirty="0"/>
+              <a:t>Mais par erreur le RIB que vous lui joignez correspond à votre livret A </a:t>
+            </a:r>
+            <a:r>
+              <a:rPr lang="fr-FR" dirty="0" err="1"/>
+              <a:t>plafoné</a:t>
+            </a:r>
+            <a:r>
+              <a:rPr lang="fr-FR" dirty="0"/>
+              <a:t> a 22950€ et vous avez déjà 22900€ dessus.</a:t>
+            </a:r>
+            <a:br>
+              <a:rPr lang="fr-FR" dirty="0"/>
+            </a:br>
+            <a:r>
+              <a:rPr lang="fr-FR" dirty="0"/>
+              <a:t>La transaction commencerais par débiter Pauline,</a:t>
+            </a:r>
+          </a:p>
+          <a:p>
+            <a:r>
+              <a:rPr lang="fr-FR" dirty="0"/>
+              <a:t>Qui tomberais à 1800€,&lt;CLIC&gt;</a:t>
+            </a:r>
+          </a:p>
+          <a:p>
+            <a:r>
+              <a:rPr lang="fr-FR" dirty="0"/>
+              <a:t>Puis cela serait censé vous créditer de 200€ &lt;CLIC&gt;</a:t>
+            </a:r>
+          </a:p>
+          <a:p>
+            <a:r>
+              <a:rPr lang="fr-FR" dirty="0"/>
+              <a:t>Cependant votre plafond serait dépassé donc la banque refuse le paiement&lt;CLIC&gt;</a:t>
             </a:r>
           </a:p>
           <a:p>
             <a:endParaRPr lang="fr-FR" dirty="0"/>
           </a:p>
           <a:p>
-            <a:r>
-              <a:rPr lang="fr-FR" dirty="0"/>
-              <a:t>Mais du coup, il y’a un problème ou sont passé les 200€ de Pauline?</a:t>
-            </a:r>
-          </a:p>
-          <a:p>
-            <a:r>
-              <a:rPr lang="fr-FR" dirty="0"/>
-              <a:t>Et comment les restaurer?</a:t>
-            </a:r>
-            <a:br>
-              <a:rPr lang="fr-FR" dirty="0"/>
-            </a:br>
-            <a:br>
-              <a:rPr lang="fr-FR" dirty="0"/>
-            </a:br>
-            <a:r>
-              <a:rPr lang="fr-FR" dirty="0"/>
-              <a:t>On pourrait les recréditer mais si il y’avait eu des frais supplémentaire durant la transaction par la plateforme ou la banque?</a:t>
-            </a:r>
-          </a:p>
-          <a:p>
-            <a:r>
-              <a:rPr lang="fr-FR" dirty="0"/>
-              <a:t>&lt;CLIC&gt;</a:t>
-            </a:r>
-            <a:br>
-              <a:rPr lang="fr-FR" dirty="0"/>
-            </a:br>
-            <a:br>
-              <a:rPr lang="fr-FR" dirty="0"/>
-            </a:br>
-            <a:r>
-              <a:rPr lang="fr-FR" dirty="0"/>
-              <a:t>Bref, le plus simple serait avant toute transaction d’effectuer une sauvegarde de l’état et de pouvoir en faire un retour</a:t>
-            </a:r>
-          </a:p>
-          <a:p>
-            <a:r>
-              <a:rPr lang="fr-FR" dirty="0"/>
-              <a:t>À cet état antérieur</a:t>
-            </a:r>
+            <a:endParaRPr lang="fr-FR" dirty="0"/>
+          </a:p>
+          <a:p>
+            <a:endParaRPr lang="fr-FR" dirty="0"/>
           </a:p>
         </p:txBody>
       </p:sp>
@@ -5157,7 +5310,7 @@
           <a:p>
             <a:fld id="{0F623F77-0DF6-458C-940E-CB4AE400DBA8}" type="slidenum">
               <a:rPr lang="fr-FR" smtClean="0"/>
-              <a:t>23</a:t>
+              <a:t>22</a:t>
             </a:fld>
             <a:endParaRPr lang="fr-FR"/>
           </a:p>
@@ -5166,7 +5319,7 @@
     </p:spTree>
     <p:extLst>
       <p:ext uri="{BB962C8B-B14F-4D97-AF65-F5344CB8AC3E}">
-        <p14:creationId xmlns:p14="http://schemas.microsoft.com/office/powerpoint/2010/main" val="1125663085"/>
+        <p14:creationId xmlns:p14="http://schemas.microsoft.com/office/powerpoint/2010/main" val="4058686033"/>
       </p:ext>
     </p:extLst>
   </p:cSld>
@@ -5222,7 +5375,22 @@
           <a:p>
             <a:r>
               <a:rPr lang="fr-FR" dirty="0"/>
-              <a:t>Comment va on s’y prendre?</a:t>
+              <a:t>A la fin de la transaction voici l’état à la fin de cette dernière</a:t>
+            </a:r>
+          </a:p>
+          <a:p>
+            <a:endParaRPr lang="fr-FR" dirty="0"/>
+          </a:p>
+          <a:p>
+            <a:r>
+              <a:rPr lang="fr-FR" dirty="0"/>
+              <a:t>Mais du coup, il y’a un problème ou sont passé les 200€ de Pauline?</a:t>
+            </a:r>
+          </a:p>
+          <a:p>
+            <a:r>
+              <a:rPr lang="fr-FR" dirty="0"/>
+              <a:t>Et comment les restaurer?</a:t>
             </a:r>
             <a:br>
               <a:rPr lang="fr-FR" dirty="0"/>
@@ -5232,59 +5400,23 @@
             </a:br>
             <a:r>
               <a:rPr lang="fr-FR" dirty="0"/>
-              <a:t>Tout d’abord il nous faut un objet à sauvegarder,</a:t>
-            </a:r>
-          </a:p>
-          <a:p>
-            <a:r>
-              <a:rPr lang="fr-FR" dirty="0"/>
-              <a:t>Cet objet va être associé à un </a:t>
-            </a:r>
-            <a:r>
-              <a:rPr lang="fr-FR" dirty="0" err="1"/>
-              <a:t>Originator</a:t>
-            </a:r>
-            <a:r>
-              <a:rPr lang="fr-FR" dirty="0"/>
-              <a:t> qu’on </a:t>
-            </a:r>
-            <a:r>
-              <a:rPr lang="fr-FR" dirty="0" err="1"/>
-              <a:t>pourait</a:t>
-            </a:r>
-            <a:r>
-              <a:rPr lang="fr-FR" dirty="0"/>
-              <a:t> traduire par Créateur.&lt;CLIC&gt;</a:t>
+              <a:t>On pourrait les recréditer mais si il y’avait eu des frais supplémentaire durant la transaction par la plateforme ou la banque?</a:t>
+            </a:r>
+          </a:p>
+          <a:p>
+            <a:r>
+              <a:rPr lang="fr-FR" dirty="0"/>
+              <a:t>&lt;CLIC&gt;</a:t>
             </a:r>
             <a:br>
               <a:rPr lang="fr-FR" dirty="0"/>
             </a:br>
-            <a:r>
-              <a:rPr lang="fr-FR" dirty="0"/>
-              <a:t>Cet objet va permettre avoir deux </a:t>
-            </a:r>
-            <a:r>
-              <a:rPr lang="fr-FR" dirty="0" err="1"/>
-              <a:t>roles</a:t>
-            </a:r>
-            <a:r>
-              <a:rPr lang="fr-FR" dirty="0"/>
-              <a:t>, créer le Memento qui sera en quelque sorte la photographie de notre objet.&lt;CLIC&gt;</a:t>
-            </a:r>
             <a:br>
               <a:rPr lang="fr-FR" dirty="0"/>
             </a:br>
             <a:r>
               <a:rPr lang="fr-FR" dirty="0"/>
-              <a:t>Il aura aussi le </a:t>
-            </a:r>
-            <a:r>
-              <a:rPr lang="fr-FR" dirty="0" err="1"/>
-              <a:t>role</a:t>
-            </a:r>
-            <a:r>
-              <a:rPr lang="fr-FR" dirty="0"/>
-              <a:t> de l’écraser lorsque le Memento en fera la demande,&lt;CLIC&gt;</a:t>
+              <a:t>Bref, le plus simple serait avant toute transaction d’effectuer une sauvegarde de l’état, et de pouvoir faire un retour à cet état antérieur</a:t>
             </a:r>
           </a:p>
         </p:txBody>
@@ -5306,7 +5438,7 @@
           <a:p>
             <a:fld id="{0F623F77-0DF6-458C-940E-CB4AE400DBA8}" type="slidenum">
               <a:rPr lang="fr-FR" smtClean="0"/>
-              <a:t>24</a:t>
+              <a:t>23</a:t>
             </a:fld>
             <a:endParaRPr lang="fr-FR"/>
           </a:p>
@@ -5315,7 +5447,7 @@
     </p:spTree>
     <p:extLst>
       <p:ext uri="{BB962C8B-B14F-4D97-AF65-F5344CB8AC3E}">
-        <p14:creationId xmlns:p14="http://schemas.microsoft.com/office/powerpoint/2010/main" val="3438744350"/>
+        <p14:creationId xmlns:p14="http://schemas.microsoft.com/office/powerpoint/2010/main" val="1125663085"/>
       </p:ext>
     </p:extLst>
   </p:cSld>
@@ -5371,16 +5503,23 @@
           <a:p>
             <a:r>
               <a:rPr lang="fr-FR" dirty="0"/>
-              <a:t>Viens alors le Memento,</a:t>
-            </a:r>
-          </a:p>
-          <a:p>
-            <a:endParaRPr lang="fr-FR" dirty="0"/>
-          </a:p>
-          <a:p>
-            <a:r>
-              <a:rPr lang="fr-FR" dirty="0"/>
-              <a:t>Il est une sorte de « photographie » de notre objet prise à un instant T par l’</a:t>
+              <a:t>Comment va on s’y prendre?</a:t>
+            </a:r>
+            <a:br>
+              <a:rPr lang="fr-FR" dirty="0"/>
+            </a:br>
+            <a:br>
+              <a:rPr lang="fr-FR" dirty="0"/>
+            </a:br>
+            <a:r>
+              <a:rPr lang="fr-FR" dirty="0"/>
+              <a:t>Tout d’abord il nous faut un objet à sauvegarder,</a:t>
+            </a:r>
+          </a:p>
+          <a:p>
+            <a:r>
+              <a:rPr lang="fr-FR" dirty="0"/>
+              <a:t>Cet objet va être associé à un </a:t>
             </a:r>
             <a:r>
               <a:rPr lang="fr-FR" dirty="0" err="1"/>
@@ -5388,37 +5527,45 @@
             </a:r>
             <a:r>
               <a:rPr lang="fr-FR" dirty="0"/>
-              <a:t>.</a:t>
-            </a:r>
-          </a:p>
-          <a:p>
-            <a:endParaRPr lang="fr-FR" dirty="0"/>
-          </a:p>
-          <a:p>
+              <a:t> qu’on </a:t>
+            </a:r>
+            <a:r>
+              <a:rPr lang="fr-FR" dirty="0" err="1"/>
+              <a:t>pourait</a:t>
+            </a:r>
+            <a:r>
+              <a:rPr lang="fr-FR" dirty="0"/>
+              <a:t> traduire par Créateur.&lt;CLIC&gt;</a:t>
+            </a:r>
             <a:br>
               <a:rPr lang="fr-FR" dirty="0"/>
             </a:br>
+            <a:r>
+              <a:rPr lang="fr-FR" dirty="0"/>
+              <a:t>Cet objet va permettre avoir deux </a:t>
+            </a:r>
+            <a:r>
+              <a:rPr lang="fr-FR" dirty="0" err="1"/>
+              <a:t>roles</a:t>
+            </a:r>
+            <a:r>
+              <a:rPr lang="fr-FR" dirty="0"/>
+              <a:t>, créer le Memento qui sera en quelque sorte la photographie de notre objet.&lt;CLIC&gt;</a:t>
+            </a:r>
             <a:br>
               <a:rPr lang="fr-FR" dirty="0"/>
             </a:br>
             <a:r>
               <a:rPr lang="fr-FR" dirty="0"/>
-              <a:t>Lors de l’appel à son constructeur il créer donc une copie de l’instance de l’objet qu’on lui passe c’est donc cet aspect la partie photographie.&lt;CLIC&gt;</a:t>
-            </a:r>
-            <a:br>
-              <a:rPr lang="fr-FR" dirty="0"/>
-            </a:br>
-            <a:r>
-              <a:rPr lang="fr-FR" dirty="0"/>
-              <a:t>Et il peut également demander à l’</a:t>
+              <a:t>Il aura aussi le </a:t>
             </a:r>
             <a:r>
               <a:rPr lang="fr-FR" dirty="0" err="1"/>
-              <a:t>Originator</a:t>
-            </a:r>
-            <a:r>
-              <a:rPr lang="fr-FR" dirty="0"/>
-              <a:t> de restaurer son état par rapport à la copie qu’il à créer &lt;CLIC&gt;</a:t>
+              <a:t>role</a:t>
+            </a:r>
+            <a:r>
+              <a:rPr lang="fr-FR" dirty="0"/>
+              <a:t> de l’écraser lorsque le Memento en fera la demande,&lt;CLIC&gt;</a:t>
             </a:r>
           </a:p>
         </p:txBody>
@@ -5440,7 +5587,7 @@
           <a:p>
             <a:fld id="{0F623F77-0DF6-458C-940E-CB4AE400DBA8}" type="slidenum">
               <a:rPr lang="fr-FR" smtClean="0"/>
-              <a:t>25</a:t>
+              <a:t>24</a:t>
             </a:fld>
             <a:endParaRPr lang="fr-FR"/>
           </a:p>
@@ -5449,7 +5596,7 @@
     </p:spTree>
     <p:extLst>
       <p:ext uri="{BB962C8B-B14F-4D97-AF65-F5344CB8AC3E}">
-        <p14:creationId xmlns:p14="http://schemas.microsoft.com/office/powerpoint/2010/main" val="3189992146"/>
+        <p14:creationId xmlns:p14="http://schemas.microsoft.com/office/powerpoint/2010/main" val="3438744350"/>
       </p:ext>
     </p:extLst>
   </p:cSld>
@@ -5505,24 +5652,54 @@
           <a:p>
             <a:r>
               <a:rPr lang="fr-FR" dirty="0"/>
-              <a:t>Et viens enfin le dernier élément le </a:t>
+              <a:t>Viens alors le Memento,&lt;CLIC&gt;</a:t>
+            </a:r>
+          </a:p>
+          <a:p>
+            <a:endParaRPr lang="fr-FR" dirty="0"/>
+          </a:p>
+          <a:p>
+            <a:r>
+              <a:rPr lang="fr-FR" dirty="0"/>
+              <a:t>Il est une sorte de « photographie » de notre objet prise à un instant T par l’</a:t>
             </a:r>
             <a:r>
               <a:rPr lang="fr-FR" dirty="0" err="1"/>
-              <a:t>Caretaker</a:t>
-            </a:r>
-            <a:r>
-              <a:rPr lang="fr-FR" dirty="0"/>
-              <a:t> qu’on pourrait traduire par le Gardien,</a:t>
+              <a:t>Originator</a:t>
+            </a:r>
+            <a:r>
+              <a:rPr lang="fr-FR" dirty="0"/>
+              <a:t>.</a:t>
             </a:r>
           </a:p>
           <a:p>
             <a:endParaRPr lang="fr-FR" dirty="0"/>
           </a:p>
           <a:p>
-            <a:r>
-              <a:rPr lang="fr-FR" dirty="0"/>
-              <a:t>Son rôle et de faire un historique des memento &lt;CLIC&gt;</a:t>
+            <a:br>
+              <a:rPr lang="fr-FR" dirty="0"/>
+            </a:br>
+            <a:br>
+              <a:rPr lang="fr-FR" dirty="0"/>
+            </a:br>
+            <a:r>
+              <a:rPr lang="fr-FR" dirty="0"/>
+              <a:t>Lors de l’appel à son constructeur il créer donc une copie de l’instance de l’objet qu’on lui passe.&lt;CLIC&gt;</a:t>
+            </a:r>
+            <a:br>
+              <a:rPr lang="fr-FR" dirty="0"/>
+            </a:br>
+            <a:r>
+              <a:rPr lang="fr-FR" dirty="0"/>
+              <a:t>Et il peut également demander à l’</a:t>
+            </a:r>
+            <a:r>
+              <a:rPr lang="fr-FR" dirty="0" err="1"/>
+              <a:t>Originator</a:t>
+            </a:r>
+            <a:r>
+              <a:rPr lang="fr-FR" dirty="0"/>
+              <a:t> de restaurer son état par rapport à la copie qu’il à créer &lt;CLIC&gt;</a:t>
             </a:r>
           </a:p>
         </p:txBody>
@@ -5544,7 +5721,7 @@
           <a:p>
             <a:fld id="{0F623F77-0DF6-458C-940E-CB4AE400DBA8}" type="slidenum">
               <a:rPr lang="fr-FR" smtClean="0"/>
-              <a:t>26</a:t>
+              <a:t>25</a:t>
             </a:fld>
             <a:endParaRPr lang="fr-FR"/>
           </a:p>
@@ -5553,7 +5730,7 @@
     </p:spTree>
     <p:extLst>
       <p:ext uri="{BB962C8B-B14F-4D97-AF65-F5344CB8AC3E}">
-        <p14:creationId xmlns:p14="http://schemas.microsoft.com/office/powerpoint/2010/main" val="3190660547"/>
+        <p14:creationId xmlns:p14="http://schemas.microsoft.com/office/powerpoint/2010/main" val="3189992146"/>
       </p:ext>
     </p:extLst>
   </p:cSld>
@@ -5609,15 +5786,15 @@
           <a:p>
             <a:r>
               <a:rPr lang="fr-FR" dirty="0"/>
-              <a:t>Voici un </a:t>
+              <a:t>Et viens enfin le dernier élément le </a:t>
             </a:r>
             <a:r>
               <a:rPr lang="fr-FR" dirty="0" err="1"/>
-              <a:t>shèma</a:t>
-            </a:r>
-            <a:r>
-              <a:rPr lang="fr-FR" dirty="0"/>
-              <a:t> classique qui pourrait implémenter le memento</a:t>
+              <a:t>Caretaker</a:t>
+            </a:r>
+            <a:r>
+              <a:rPr lang="fr-FR" dirty="0"/>
+              <a:t> qu’on pourrait traduire par le Gardien,</a:t>
             </a:r>
           </a:p>
           <a:p>
@@ -5626,22 +5803,8 @@
           <a:p>
             <a:r>
               <a:rPr lang="fr-FR" dirty="0"/>
-              <a:t>À gauche on y retrouve l’</a:t>
-            </a:r>
-            <a:r>
-              <a:rPr lang="fr-FR" dirty="0" err="1"/>
-              <a:t>originator</a:t>
-            </a:r>
-            <a:r>
-              <a:rPr lang="fr-FR" dirty="0"/>
-              <a:t>, la zone centrale pourrait être appelé la zone memento et enfin à droite le Gardien</a:t>
-            </a:r>
-          </a:p>
-          <a:p>
-            <a:endParaRPr lang="fr-FR" dirty="0"/>
-          </a:p>
-          <a:p>
-            <a:endParaRPr lang="fr-FR" dirty="0"/>
+              <a:t>Son rôle et de faire un historique des memento &lt;CLIC&gt;</a:t>
+            </a:r>
           </a:p>
         </p:txBody>
       </p:sp>
@@ -5662,7 +5825,7 @@
           <a:p>
             <a:fld id="{0F623F77-0DF6-458C-940E-CB4AE400DBA8}" type="slidenum">
               <a:rPr lang="fr-FR" smtClean="0"/>
-              <a:t>27</a:t>
+              <a:t>26</a:t>
             </a:fld>
             <a:endParaRPr lang="fr-FR"/>
           </a:p>
@@ -5671,7 +5834,7 @@
     </p:spTree>
     <p:extLst>
       <p:ext uri="{BB962C8B-B14F-4D97-AF65-F5344CB8AC3E}">
-        <p14:creationId xmlns:p14="http://schemas.microsoft.com/office/powerpoint/2010/main" val="2737397997"/>
+        <p14:creationId xmlns:p14="http://schemas.microsoft.com/office/powerpoint/2010/main" val="3190660547"/>
       </p:ext>
     </p:extLst>
   </p:cSld>
@@ -5727,7 +5890,15 @@
           <a:p>
             <a:r>
               <a:rPr lang="fr-FR" dirty="0"/>
-              <a:t>Ici on retrouve nos 3 structures appliqué pour notre cas de transaction.</a:t>
+              <a:t>Voici un </a:t>
+            </a:r>
+            <a:r>
+              <a:rPr lang="fr-FR" dirty="0" err="1"/>
+              <a:t>shèma</a:t>
+            </a:r>
+            <a:r>
+              <a:rPr lang="fr-FR" dirty="0"/>
+              <a:t> classique qui pourrait implémenter le memento</a:t>
             </a:r>
           </a:p>
           <a:p>
@@ -5736,40 +5907,21 @@
           <a:p>
             <a:r>
               <a:rPr lang="fr-FR" dirty="0"/>
-              <a:t>On notera par ailleurs que j’ai préféré aller sur du générique, afin de générer de memento plus rapidement les memento marchant de manière similaire.</a:t>
-            </a:r>
-            <a:br>
-              <a:rPr lang="fr-FR" dirty="0"/>
-            </a:br>
-            <a:r>
-              <a:rPr lang="fr-FR" dirty="0"/>
-              <a:t>Toutefois afin d’accéder à la méthode clone j’ai imposé à mon type générique de réaliser l’interface </a:t>
+              <a:t>À gauche on y retrouve l’</a:t>
             </a:r>
             <a:r>
               <a:rPr lang="fr-FR" dirty="0" err="1"/>
-              <a:t>ICloneable</a:t>
-            </a:r>
-            <a:r>
-              <a:rPr lang="fr-FR" dirty="0"/>
-              <a:t>.&lt;CLIC&gt;</a:t>
+              <a:t>originator</a:t>
+            </a:r>
+            <a:r>
+              <a:rPr lang="fr-FR" dirty="0"/>
+              <a:t>, la zone centrale pourrait être appelé la zone memento et enfin à droite le Gardien</a:t>
             </a:r>
           </a:p>
           <a:p>
             <a:endParaRPr lang="fr-FR" dirty="0"/>
           </a:p>
           <a:p>
-            <a:r>
-              <a:rPr lang="fr-FR" dirty="0"/>
-              <a:t>Pour la partie démo sur l’aspect code si il y’a des questions sur l’implémentation du Pattern je vais ouvrir VISUAL STUDIO. </a:t>
-            </a:r>
-          </a:p>
-          <a:p>
-            <a:endParaRPr lang="fr-FR" dirty="0"/>
-          </a:p>
-          <a:p>
-            <a:br>
-              <a:rPr lang="fr-FR" dirty="0"/>
-            </a:br>
             <a:endParaRPr lang="fr-FR" dirty="0"/>
           </a:p>
         </p:txBody>
@@ -5791,7 +5943,7 @@
           <a:p>
             <a:fld id="{0F623F77-0DF6-458C-940E-CB4AE400DBA8}" type="slidenum">
               <a:rPr lang="fr-FR" smtClean="0"/>
-              <a:t>28</a:t>
+              <a:t>27</a:t>
             </a:fld>
             <a:endParaRPr lang="fr-FR"/>
           </a:p>
@@ -5800,7 +5952,7 @@
     </p:spTree>
     <p:extLst>
       <p:ext uri="{BB962C8B-B14F-4D97-AF65-F5344CB8AC3E}">
-        <p14:creationId xmlns:p14="http://schemas.microsoft.com/office/powerpoint/2010/main" val="2470683200"/>
+        <p14:creationId xmlns:p14="http://schemas.microsoft.com/office/powerpoint/2010/main" val="2737397997"/>
       </p:ext>
     </p:extLst>
   </p:cSld>
@@ -5856,20 +6008,31 @@
           <a:p>
             <a:r>
               <a:rPr lang="fr-FR" dirty="0"/>
-              <a:t>Voici en bref les avantages du Pattern Memento</a:t>
-            </a:r>
-          </a:p>
-          <a:p>
-            <a:r>
-              <a:rPr lang="fr-FR" dirty="0"/>
-              <a:t>Il permet de prendre l’état de l’instance en photo tout en respectant son encapsulation &lt;CLIC&gt;</a:t>
+              <a:t>Ici on retrouve nos 3 structures appliqué pour notre cas de transaction.</a:t>
+            </a:r>
+          </a:p>
+          <a:p>
+            <a:endParaRPr lang="fr-FR" dirty="0"/>
+          </a:p>
+          <a:p>
+            <a:r>
+              <a:rPr lang="fr-FR" dirty="0"/>
+              <a:t>On notera par ailleurs que j’ai préféré aller sur du générique, afin de générer de memento plus rapidement les memento marchant de manière similaire.</a:t>
             </a:r>
             <a:br>
               <a:rPr lang="fr-FR" dirty="0"/>
             </a:br>
             <a:r>
               <a:rPr lang="fr-FR" dirty="0"/>
-              <a:t>On peut simplifier le code en laissant le gardien gérer l’historique du créateur &lt;CLIC&gt;</a:t>
+              <a:t>Toutefois afin d’accéder à la méthode clone j’ai imposé à mon type générique de réaliser l’interface </a:t>
+            </a:r>
+            <a:r>
+              <a:rPr lang="fr-FR" dirty="0" err="1"/>
+              <a:t>ICloneable</a:t>
+            </a:r>
+            <a:r>
+              <a:rPr lang="fr-FR" dirty="0"/>
+              <a:t>.&lt;CLIC&gt;</a:t>
             </a:r>
           </a:p>
           <a:p>
@@ -5878,43 +6041,16 @@
           <a:p>
             <a:r>
               <a:rPr lang="fr-FR" dirty="0"/>
-              <a:t>En revanche il a quelques inconvénients.</a:t>
-            </a:r>
+              <a:t>Pour la partie démo sur l’aspect code si il y’a des questions sur l’implémentation du Pattern je vais ouvrir VISUAL STUDIO. </a:t>
+            </a:r>
+          </a:p>
+          <a:p>
+            <a:endParaRPr lang="fr-FR" dirty="0"/>
+          </a:p>
+          <a:p>
             <a:br>
               <a:rPr lang="fr-FR" dirty="0"/>
             </a:br>
-            <a:r>
-              <a:rPr lang="fr-FR" dirty="0"/>
-              <a:t>Comme petite </a:t>
-            </a:r>
-            <a:r>
-              <a:rPr lang="fr-FR" dirty="0" err="1"/>
-              <a:t>annecdote</a:t>
-            </a:r>
-            <a:r>
-              <a:rPr lang="fr-FR" dirty="0"/>
-              <a:t> sur la page d’introduction au pattern j’en avais parler,</a:t>
-            </a:r>
-          </a:p>
-          <a:p>
-            <a:r>
-              <a:rPr lang="fr-FR" dirty="0"/>
-              <a:t>Il consomme beaucoup de RAM&lt;CLIC&gt;</a:t>
-            </a:r>
-          </a:p>
-          <a:p>
-            <a:r>
-              <a:rPr lang="fr-FR" dirty="0"/>
-              <a:t>Il impose au gardien de garder la trace du cycle de vie des créateur pour détruire les memento obsolète&lt;CLIC&gt;</a:t>
-            </a:r>
-          </a:p>
-          <a:p>
-            <a:r>
-              <a:rPr lang="fr-FR" dirty="0"/>
-              <a:t>Beaucoup de langage dynamique ne peuvent pas garantir que l’état du memento ne puisse pas être modifié&lt;CLIC&gt;</a:t>
-            </a:r>
-          </a:p>
-          <a:p>
             <a:endParaRPr lang="fr-FR" dirty="0"/>
           </a:p>
         </p:txBody>
@@ -5936,7 +6072,7 @@
           <a:p>
             <a:fld id="{0F623F77-0DF6-458C-940E-CB4AE400DBA8}" type="slidenum">
               <a:rPr lang="fr-FR" smtClean="0"/>
-              <a:t>29</a:t>
+              <a:t>28</a:t>
             </a:fld>
             <a:endParaRPr lang="fr-FR"/>
           </a:p>
@@ -5945,7 +6081,7 @@
     </p:spTree>
     <p:extLst>
       <p:ext uri="{BB962C8B-B14F-4D97-AF65-F5344CB8AC3E}">
-        <p14:creationId xmlns:p14="http://schemas.microsoft.com/office/powerpoint/2010/main" val="218100194"/>
+        <p14:creationId xmlns:p14="http://schemas.microsoft.com/office/powerpoint/2010/main" val="2470683200"/>
       </p:ext>
     </p:extLst>
   </p:cSld>
@@ -6001,7 +6137,168 @@
           <a:p>
             <a:r>
               <a:rPr lang="fr-FR" dirty="0"/>
-              <a:t>Pour finir ma présentation vous retrouverez tout mon travail avec la commande que vous voyez apparaitre &lt;CLIC&gt;</a:t>
+              <a:t>Voici en bref les avantages du Pattern Memento</a:t>
+            </a:r>
+          </a:p>
+          <a:p>
+            <a:r>
+              <a:rPr lang="fr-FR" dirty="0"/>
+              <a:t>Il permet de prendre l’état de l’instance en photo tout en respectant son encapsulation &lt;CLIC&gt;</a:t>
+            </a:r>
+            <a:br>
+              <a:rPr lang="fr-FR" dirty="0"/>
+            </a:br>
+            <a:r>
+              <a:rPr lang="fr-FR" dirty="0"/>
+              <a:t>On peut simplifier le code en laissant le gardien gérer l’historique du créateur &lt;CLIC&gt;</a:t>
+            </a:r>
+          </a:p>
+          <a:p>
+            <a:endParaRPr lang="fr-FR" dirty="0"/>
+          </a:p>
+          <a:p>
+            <a:r>
+              <a:rPr lang="fr-FR" dirty="0"/>
+              <a:t>En revanche il a quelques inconvénients.</a:t>
+            </a:r>
+            <a:br>
+              <a:rPr lang="fr-FR" dirty="0"/>
+            </a:br>
+            <a:r>
+              <a:rPr lang="fr-FR" dirty="0"/>
+              <a:t>Comme petite </a:t>
+            </a:r>
+            <a:r>
+              <a:rPr lang="fr-FR" dirty="0" err="1"/>
+              <a:t>annecdote</a:t>
+            </a:r>
+            <a:r>
+              <a:rPr lang="fr-FR" dirty="0"/>
+              <a:t> sur la page d’introduction au pattern j’en avais parler,</a:t>
+            </a:r>
+          </a:p>
+          <a:p>
+            <a:r>
+              <a:rPr lang="fr-FR" dirty="0"/>
+              <a:t>Il consomme beaucoup de RAM&lt;CLIC&gt;</a:t>
+            </a:r>
+          </a:p>
+          <a:p>
+            <a:r>
+              <a:rPr lang="fr-FR" dirty="0"/>
+              <a:t>Il impose au gardien de garder la trace du cycle de vie des créateur pour détruire les memento obsolète&lt;CLIC&gt;</a:t>
+            </a:r>
+          </a:p>
+          <a:p>
+            <a:r>
+              <a:rPr lang="fr-FR" dirty="0"/>
+              <a:t>Beaucoup de langage dynamique ne peuvent pas garantir que l’état du memento ne puisse pas être modifié&lt;CLIC&gt;</a:t>
+            </a:r>
+          </a:p>
+          <a:p>
+            <a:endParaRPr lang="fr-FR" dirty="0"/>
+          </a:p>
+        </p:txBody>
+      </p:sp>
+      <p:sp>
+        <p:nvSpPr>
+          <p:cNvPr id="4" name="Espace réservé du numéro de diapositive 3"/>
+          <p:cNvSpPr>
+            <a:spLocks noGrp="1"/>
+          </p:cNvSpPr>
+          <p:nvPr>
+            <p:ph type="sldNum" sz="quarter" idx="5"/>
+          </p:nvPr>
+        </p:nvSpPr>
+        <p:spPr/>
+        <p:txBody>
+          <a:bodyPr/>
+          <a:lstStyle/>
+          <a:p>
+            <a:fld id="{0F623F77-0DF6-458C-940E-CB4AE400DBA8}" type="slidenum">
+              <a:rPr lang="fr-FR" smtClean="0"/>
+              <a:t>29</a:t>
+            </a:fld>
+            <a:endParaRPr lang="fr-FR"/>
+          </a:p>
+        </p:txBody>
+      </p:sp>
+    </p:spTree>
+    <p:extLst>
+      <p:ext uri="{BB962C8B-B14F-4D97-AF65-F5344CB8AC3E}">
+        <p14:creationId xmlns:p14="http://schemas.microsoft.com/office/powerpoint/2010/main" val="218100194"/>
+      </p:ext>
+    </p:extLst>
+  </p:cSld>
+  <p:clrMapOvr>
+    <a:masterClrMapping/>
+  </p:clrMapOvr>
+</p:notes>
+</file>
+
+<file path=ppt/notesSlides/notesSlide28.xml><?xml version="1.0" encoding="utf-8"?>
+<p:notes xmlns:a="http://schemas.openxmlformats.org/drawingml/2006/main" xmlns:r="http://schemas.openxmlformats.org/officeDocument/2006/relationships" xmlns:p="http://schemas.openxmlformats.org/presentationml/2006/main">
+  <p:cSld>
+    <p:spTree>
+      <p:nvGrpSpPr>
+        <p:cNvPr id="1" name=""/>
+        <p:cNvGrpSpPr/>
+        <p:nvPr/>
+      </p:nvGrpSpPr>
+      <p:grpSpPr>
+        <a:xfrm>
+          <a:off x="0" y="0"/>
+          <a:ext cx="0" cy="0"/>
+          <a:chOff x="0" y="0"/>
+          <a:chExt cx="0" cy="0"/>
+        </a:xfrm>
+      </p:grpSpPr>
+      <p:sp>
+        <p:nvSpPr>
+          <p:cNvPr id="2" name="Espace réservé de l'image des diapositives 1"/>
+          <p:cNvSpPr>
+            <a:spLocks noGrp="1" noRot="1" noChangeAspect="1"/>
+          </p:cNvSpPr>
+          <p:nvPr>
+            <p:ph type="sldImg"/>
+          </p:nvPr>
+        </p:nvSpPr>
+        <p:spPr/>
+      </p:sp>
+      <p:sp>
+        <p:nvSpPr>
+          <p:cNvPr id="3" name="Espace réservé des notes 2"/>
+          <p:cNvSpPr>
+            <a:spLocks noGrp="1"/>
+          </p:cNvSpPr>
+          <p:nvPr>
+            <p:ph type="body" idx="1"/>
+          </p:nvPr>
+        </p:nvSpPr>
+        <p:spPr/>
+        <p:txBody>
+          <a:bodyPr/>
+          <a:lstStyle/>
+          <a:p>
+            <a:r>
+              <a:rPr lang="fr-FR" dirty="0"/>
+              <a:t>Pour finir ma présentation vous retrouverez tout mon travail en clonant mon dépôt </a:t>
+            </a:r>
+            <a:r>
+              <a:rPr lang="fr-FR" dirty="0" err="1"/>
+              <a:t>ExemplePatternExpoCDA</a:t>
+            </a:r>
+            <a:r>
+              <a:rPr lang="fr-FR" dirty="0"/>
+              <a:t> ou en utilisant </a:t>
+            </a:r>
+            <a:r>
+              <a:rPr lang="fr-FR"/>
+              <a:t>la commande que </a:t>
+            </a:r>
+            <a:r>
+              <a:rPr lang="fr-FR" dirty="0"/>
+              <a:t>vous voyez apparaitre &lt;CLIC&gt;</a:t>
             </a:r>
           </a:p>
           <a:p>
@@ -6111,7 +6408,7 @@
           <a:p>
             <a:r>
               <a:rPr lang="fr-FR" dirty="0"/>
-              <a:t>Cette approche a donc plusieurs défauts</a:t>
+              <a:t>Imaginons que nous voulions créer une interface graphique qui gère un jeu vidéo, ou un éditeur de texte par exemple.</a:t>
             </a:r>
             <a:br>
               <a:rPr lang="fr-FR" dirty="0"/>
@@ -6121,7 +6418,7 @@
             </a:br>
             <a:r>
               <a:rPr lang="fr-FR" dirty="0"/>
-              <a:t>Toute modification de la classe mère risque de causer des erreurs dans les classes filles&lt;CLIC&gt;</a:t>
+              <a:t>Pour faire notre interface nous avons créer une classe Bouton qui gérera tout les boutons de nos différentes interfaces graphique.&lt;CLIC&gt;</a:t>
             </a:r>
             <a:br>
               <a:rPr lang="fr-FR" dirty="0"/>
@@ -6131,20 +6428,30 @@
             </a:br>
             <a:r>
               <a:rPr lang="fr-FR" dirty="0"/>
-              <a:t>Et un autre problème est que l’on risque d’implémenter le même code à des endroits différent si on rajoute par exemple des </a:t>
-            </a:r>
-            <a:r>
-              <a:rPr lang="fr-FR" dirty="0" err="1"/>
-              <a:t>MenuItem</a:t>
-            </a:r>
-            <a:r>
-              <a:rPr lang="fr-FR" dirty="0"/>
-              <a:t>&lt;CLIC&gt;</a:t>
+              <a:t>Bien qu’il se ressemblent, ces boutons ont tous censé exécuter des instructions différentes.</a:t>
             </a:r>
             <a:br>
               <a:rPr lang="fr-FR" dirty="0"/>
             </a:br>
+            <a:r>
+              <a:rPr lang="fr-FR" dirty="0"/>
+              <a:t>Mais comme chacun de ses boutons hérite de la même classe ou va on mettre le code des actions à réaliser?&lt;CLIC&gt;</a:t>
+            </a:r>
+          </a:p>
+          <a:p>
             <a:endParaRPr lang="fr-FR" dirty="0"/>
+          </a:p>
+          <a:p>
+            <a:r>
+              <a:rPr lang="fr-FR" dirty="0"/>
+              <a:t>On pourrait éventuellement créer des sous classes pour contenir les instructions exécutés lors d’un click.</a:t>
+            </a:r>
+          </a:p>
+          <a:p>
+            <a:r>
+              <a:rPr lang="fr-FR" dirty="0"/>
+              <a:t>Mais voyons ensemble les défauts de cette dernière approche.&lt;CLIC&gt;</a:t>
+            </a:r>
           </a:p>
         </p:txBody>
       </p:sp>
@@ -6165,7 +6472,7 @@
           <a:p>
             <a:fld id="{0F623F77-0DF6-458C-940E-CB4AE400DBA8}" type="slidenum">
               <a:rPr lang="fr-FR" smtClean="0"/>
-              <a:t>6</a:t>
+              <a:t>5</a:t>
             </a:fld>
             <a:endParaRPr lang="fr-FR"/>
           </a:p>
@@ -6174,7 +6481,7 @@
     </p:spTree>
     <p:extLst>
       <p:ext uri="{BB962C8B-B14F-4D97-AF65-F5344CB8AC3E}">
-        <p14:creationId xmlns:p14="http://schemas.microsoft.com/office/powerpoint/2010/main" val="2455547524"/>
+        <p14:creationId xmlns:p14="http://schemas.microsoft.com/office/powerpoint/2010/main" val="1537975058"/>
       </p:ext>
     </p:extLst>
   </p:cSld>
@@ -6230,29 +6537,7 @@
           <a:p>
             <a:r>
               <a:rPr lang="fr-FR" dirty="0"/>
-              <a:t>Pour illustrer autrement la redondance du code,</a:t>
-            </a:r>
-          </a:p>
-          <a:p>
-            <a:r>
-              <a:rPr lang="fr-FR" dirty="0"/>
-              <a:t>Voici notre deux classes </a:t>
-            </a:r>
-            <a:r>
-              <a:rPr lang="fr-FR" dirty="0" err="1"/>
-              <a:t>ButtonOk</a:t>
-            </a:r>
-            <a:r>
-              <a:rPr lang="fr-FR" dirty="0"/>
-              <a:t> et </a:t>
-            </a:r>
-            <a:r>
-              <a:rPr lang="fr-FR" dirty="0" err="1"/>
-              <a:t>MenuItemOk</a:t>
-            </a:r>
-            <a:r>
-              <a:rPr lang="fr-FR" dirty="0"/>
-              <a:t>.</a:t>
+              <a:t>Cette approche a donc plusieurs défauts</a:t>
             </a:r>
             <a:br>
               <a:rPr lang="fr-FR" dirty="0"/>
@@ -6262,15 +6547,30 @@
             </a:br>
             <a:r>
               <a:rPr lang="fr-FR" dirty="0"/>
-              <a:t>Imaginons que l’action qu’elle déclenche lors d’un clic soit d’envoyer une instruction à la classe métier.</a:t>
+              <a:t>Toute modification de la classe mère risque de causer des erreurs dans les classes filles&lt;CLIC&gt;</a:t>
             </a:r>
             <a:br>
               <a:rPr lang="fr-FR" dirty="0"/>
             </a:br>
-            <a:r>
-              <a:rPr lang="fr-FR" dirty="0"/>
-              <a:t>On va exécuter la même instruction Valider auprès de la logique métier. </a:t>
-            </a:r>
+            <a:br>
+              <a:rPr lang="fr-FR" dirty="0"/>
+            </a:br>
+            <a:r>
+              <a:rPr lang="fr-FR" dirty="0"/>
+              <a:t>Et un autre problème est que l’on risque d’implémenter le même code à des endroits différent si on rajoute par exemple des </a:t>
+            </a:r>
+            <a:r>
+              <a:rPr lang="fr-FR" dirty="0" err="1"/>
+              <a:t>MenuItem</a:t>
+            </a:r>
+            <a:r>
+              <a:rPr lang="fr-FR" dirty="0"/>
+              <a:t>&lt;CLIC&gt;</a:t>
+            </a:r>
+            <a:br>
+              <a:rPr lang="fr-FR" dirty="0"/>
+            </a:br>
+            <a:endParaRPr lang="fr-FR" dirty="0"/>
           </a:p>
         </p:txBody>
       </p:sp>
@@ -6291,7 +6591,7 @@
           <a:p>
             <a:fld id="{0F623F77-0DF6-458C-940E-CB4AE400DBA8}" type="slidenum">
               <a:rPr lang="fr-FR" smtClean="0"/>
-              <a:t>7</a:t>
+              <a:t>6</a:t>
             </a:fld>
             <a:endParaRPr lang="fr-FR"/>
           </a:p>
@@ -6300,7 +6600,7 @@
     </p:spTree>
     <p:extLst>
       <p:ext uri="{BB962C8B-B14F-4D97-AF65-F5344CB8AC3E}">
-        <p14:creationId xmlns:p14="http://schemas.microsoft.com/office/powerpoint/2010/main" val="892655042"/>
+        <p14:creationId xmlns:p14="http://schemas.microsoft.com/office/powerpoint/2010/main" val="2455547524"/>
       </p:ext>
     </p:extLst>
   </p:cSld>
@@ -6356,33 +6656,47 @@
           <a:p>
             <a:r>
               <a:rPr lang="fr-FR" dirty="0"/>
-              <a:t>Pour solutionner ce problème,</a:t>
-            </a:r>
-          </a:p>
-          <a:p>
-            <a:r>
-              <a:rPr lang="fr-FR" dirty="0"/>
-              <a:t>En transformant l’instruction comme un objet on pourrais y stocker les paramètres et l’exécuter en temps voulu.</a:t>
-            </a:r>
-          </a:p>
-          <a:p>
-            <a:endParaRPr lang="fr-FR" dirty="0"/>
-          </a:p>
-          <a:p>
-            <a:r>
-              <a:rPr lang="fr-FR" dirty="0"/>
-              <a:t>Dans le constructeur de nos boutons on pourrait ainsi placer la commande et c’est cette dernière qui viendrais faire le lien entre la logique métier et l’interface graphique,</a:t>
-            </a:r>
-          </a:p>
-          <a:p>
-            <a:r>
-              <a:rPr lang="fr-FR" dirty="0"/>
-              <a:t>Par conséquent pas besoin de définir d’héritage pour les différentes instructions. Et les commandes similaires auraient juste une commande commune.</a:t>
+              <a:t>Pour illustrer autrement la redondance du code,</a:t>
+            </a:r>
+          </a:p>
+          <a:p>
+            <a:r>
+              <a:rPr lang="fr-FR" dirty="0"/>
+              <a:t>Voici notre deux classes </a:t>
+            </a:r>
+            <a:r>
+              <a:rPr lang="fr-FR" dirty="0" err="1"/>
+              <a:t>ButtonOk</a:t>
+            </a:r>
+            <a:r>
+              <a:rPr lang="fr-FR" dirty="0"/>
+              <a:t> et </a:t>
+            </a:r>
+            <a:r>
+              <a:rPr lang="fr-FR" dirty="0" err="1"/>
+              <a:t>MenuItemOk</a:t>
+            </a:r>
+            <a:r>
+              <a:rPr lang="fr-FR" dirty="0"/>
+              <a:t>.</a:t>
             </a:r>
             <a:br>
               <a:rPr lang="fr-FR" dirty="0"/>
             </a:br>
-            <a:endParaRPr lang="fr-FR" dirty="0"/>
+            <a:br>
+              <a:rPr lang="fr-FR" dirty="0"/>
+            </a:br>
+            <a:r>
+              <a:rPr lang="fr-FR" dirty="0"/>
+              <a:t>Imaginons que l’action qu’elle déclenche lors d’un clic soit d’envoyer une instruction à la classe métier.</a:t>
+            </a:r>
+            <a:br>
+              <a:rPr lang="fr-FR" dirty="0"/>
+            </a:br>
+            <a:r>
+              <a:rPr lang="fr-FR" dirty="0"/>
+              <a:t>On va exécuter la même instruction Valider auprès de la logique métier. </a:t>
+            </a:r>
           </a:p>
         </p:txBody>
       </p:sp>
@@ -6403,7 +6717,7 @@
           <a:p>
             <a:fld id="{0F623F77-0DF6-458C-940E-CB4AE400DBA8}" type="slidenum">
               <a:rPr lang="fr-FR" smtClean="0"/>
-              <a:t>8</a:t>
+              <a:t>7</a:t>
             </a:fld>
             <a:endParaRPr lang="fr-FR"/>
           </a:p>
@@ -6412,7 +6726,7 @@
     </p:spTree>
     <p:extLst>
       <p:ext uri="{BB962C8B-B14F-4D97-AF65-F5344CB8AC3E}">
-        <p14:creationId xmlns:p14="http://schemas.microsoft.com/office/powerpoint/2010/main" val="2062199726"/>
+        <p14:creationId xmlns:p14="http://schemas.microsoft.com/office/powerpoint/2010/main" val="892655042"/>
       </p:ext>
     </p:extLst>
   </p:cSld>
@@ -6468,73 +6782,33 @@
           <a:p>
             <a:r>
               <a:rPr lang="fr-FR" dirty="0"/>
-              <a:t>Bien maintenant qu’on a vu la notion de Command dans la partie problématique.</a:t>
+              <a:t>Pour solutionner ce problème,</a:t>
+            </a:r>
+          </a:p>
+          <a:p>
+            <a:r>
+              <a:rPr lang="fr-FR" dirty="0"/>
+              <a:t>En transformant l’instruction comme un objet on pourrais y stocker les paramètres et l’exécuter en temps voulu.</a:t>
+            </a:r>
+          </a:p>
+          <a:p>
+            <a:endParaRPr lang="fr-FR" dirty="0"/>
+          </a:p>
+          <a:p>
+            <a:r>
+              <a:rPr lang="fr-FR" dirty="0"/>
+              <a:t>Dans le constructeur de nos boutons on pourrait ainsi placer la commande et c’est cette dernière qui viendrais faire le lien entre la logique métier et l’interface graphique,</a:t>
+            </a:r>
+          </a:p>
+          <a:p>
+            <a:r>
+              <a:rPr lang="fr-FR" dirty="0"/>
+              <a:t>Par conséquent pas besoin de définir d’héritage pour les différentes instructions. Et les commandes similaires auraient juste une commande commune.</a:t>
             </a:r>
             <a:br>
               <a:rPr lang="fr-FR" dirty="0"/>
             </a:br>
-            <a:r>
-              <a:rPr lang="fr-FR" dirty="0"/>
-              <a:t>On va pouvoir voir la partie </a:t>
-            </a:r>
-            <a:r>
-              <a:rPr lang="fr-FR" dirty="0" err="1"/>
-              <a:t>Receiver</a:t>
-            </a:r>
-            <a:r>
-              <a:rPr lang="fr-FR" dirty="0"/>
-              <a:t>.</a:t>
-            </a:r>
-            <a:br>
-              <a:rPr lang="fr-FR" dirty="0"/>
-            </a:br>
-            <a:br>
-              <a:rPr lang="fr-FR" dirty="0"/>
-            </a:br>
-            <a:r>
-              <a:rPr lang="fr-FR" dirty="0"/>
-              <a:t>Le </a:t>
-            </a:r>
-            <a:r>
-              <a:rPr lang="fr-FR" dirty="0" err="1"/>
-              <a:t>receiver</a:t>
-            </a:r>
-            <a:r>
-              <a:rPr lang="fr-FR" dirty="0"/>
-              <a:t> c’est l’instance d’un objet qui </a:t>
-            </a:r>
-            <a:r>
-              <a:rPr lang="fr-FR" dirty="0" err="1"/>
-              <a:t>executera</a:t>
-            </a:r>
-            <a:r>
-              <a:rPr lang="fr-FR" dirty="0"/>
-              <a:t> notre command.</a:t>
-            </a:r>
-            <a:br>
-              <a:rPr lang="fr-FR" dirty="0"/>
-            </a:br>
-            <a:br>
-              <a:rPr lang="fr-FR" dirty="0"/>
-            </a:br>
-            <a:r>
-              <a:rPr lang="fr-FR" dirty="0"/>
-              <a:t>Dans le cas ou on abordera notre exemple,&lt;CLIC&gt;</a:t>
-            </a:r>
-          </a:p>
-          <a:p>
-            <a:r>
-              <a:rPr lang="fr-FR" dirty="0"/>
-              <a:t>Ce sera une instance de Personnage qui servira de </a:t>
-            </a:r>
-            <a:r>
-              <a:rPr lang="fr-FR" dirty="0" err="1"/>
-              <a:t>recaiver</a:t>
-            </a:r>
-            <a:r>
-              <a:rPr lang="fr-FR" dirty="0"/>
-              <a:t> a nos commandes</a:t>
-            </a:r>
+            <a:endParaRPr lang="fr-FR" dirty="0"/>
           </a:p>
         </p:txBody>
       </p:sp>
@@ -6555,7 +6829,7 @@
           <a:p>
             <a:fld id="{0F623F77-0DF6-458C-940E-CB4AE400DBA8}" type="slidenum">
               <a:rPr lang="fr-FR" smtClean="0"/>
-              <a:t>9</a:t>
+              <a:t>8</a:t>
             </a:fld>
             <a:endParaRPr lang="fr-FR"/>
           </a:p>
@@ -6564,7 +6838,7 @@
     </p:spTree>
     <p:extLst>
       <p:ext uri="{BB962C8B-B14F-4D97-AF65-F5344CB8AC3E}">
-        <p14:creationId xmlns:p14="http://schemas.microsoft.com/office/powerpoint/2010/main" val="1814692560"/>
+        <p14:creationId xmlns:p14="http://schemas.microsoft.com/office/powerpoint/2010/main" val="2062199726"/>
       </p:ext>
     </p:extLst>
   </p:cSld>
@@ -6620,11 +6894,18 @@
           <a:p>
             <a:r>
               <a:rPr lang="fr-FR" dirty="0"/>
-              <a:t>Une dernière notion essentiel sera l’</a:t>
+              <a:t>Bien maintenant qu’on a vu la notion de Command dans la partie problématique.</a:t>
+            </a:r>
+            <a:br>
+              <a:rPr lang="fr-FR" dirty="0"/>
+            </a:br>
+            <a:r>
+              <a:rPr lang="fr-FR" dirty="0"/>
+              <a:t>On va pouvoir voir la partie </a:t>
             </a:r>
             <a:r>
               <a:rPr lang="fr-FR" dirty="0" err="1"/>
-              <a:t>Invoker</a:t>
+              <a:t>Receiver</a:t>
             </a:r>
             <a:r>
               <a:rPr lang="fr-FR" dirty="0"/>
@@ -6638,21 +6919,23 @@
             </a:br>
             <a:r>
               <a:rPr lang="fr-FR" dirty="0"/>
-              <a:t>C’est cette classe qui recevra et </a:t>
+              <a:t>Le </a:t>
             </a:r>
             <a:r>
               <a:rPr lang="fr-FR" dirty="0" err="1"/>
-              <a:t>éxécutera</a:t>
-            </a:r>
-            <a:r>
-              <a:rPr lang="fr-FR" dirty="0"/>
-              <a:t> les commandes qu’on lui enverra,&lt;CLIC&gt;</a:t>
-            </a:r>
-          </a:p>
-          <a:p>
-            <a:r>
-              <a:rPr lang="fr-FR" dirty="0"/>
-              <a:t>Elle pourra également les enregistrer.&lt;CLIC&gt;</a:t>
+              <a:t>receiver</a:t>
+            </a:r>
+            <a:r>
+              <a:rPr lang="fr-FR" dirty="0"/>
+              <a:t> c’est l’instance d’un objet qui </a:t>
+            </a:r>
+            <a:r>
+              <a:rPr lang="fr-FR" dirty="0" err="1"/>
+              <a:t>éxecutera</a:t>
+            </a:r>
+            <a:r>
+              <a:rPr lang="fr-FR" dirty="0"/>
+              <a:t> notre command.</a:t>
             </a:r>
             <a:br>
               <a:rPr lang="fr-FR" dirty="0"/>
@@ -6662,7 +6945,21 @@
             </a:br>
             <a:r>
               <a:rPr lang="fr-FR" dirty="0"/>
-              <a:t>Dans le diagramme appliqué que je vous montrerais, j’ai fait le choix de n’enregistrer que les commandes qui ont fonctionnés.</a:t>
+              <a:t>Dans le cas où on abordera notre exemple,&lt;CLIC&gt;</a:t>
+            </a:r>
+          </a:p>
+          <a:p>
+            <a:r>
+              <a:rPr lang="fr-FR" dirty="0"/>
+              <a:t>Ce sera une instance de Personnage qui servira de </a:t>
+            </a:r>
+            <a:r>
+              <a:rPr lang="fr-FR" dirty="0" err="1"/>
+              <a:t>receiver</a:t>
+            </a:r>
+            <a:r>
+              <a:rPr lang="fr-FR" dirty="0"/>
+              <a:t> à nos commandes</a:t>
             </a:r>
           </a:p>
         </p:txBody>
@@ -6684,7 +6981,7 @@
           <a:p>
             <a:fld id="{0F623F77-0DF6-458C-940E-CB4AE400DBA8}" type="slidenum">
               <a:rPr lang="fr-FR" smtClean="0"/>
-              <a:t>10</a:t>
+              <a:t>9</a:t>
             </a:fld>
             <a:endParaRPr lang="fr-FR"/>
           </a:p>
@@ -6693,7 +6990,7 @@
     </p:spTree>
     <p:extLst>
       <p:ext uri="{BB962C8B-B14F-4D97-AF65-F5344CB8AC3E}">
-        <p14:creationId xmlns:p14="http://schemas.microsoft.com/office/powerpoint/2010/main" val="4228500166"/>
+        <p14:creationId xmlns:p14="http://schemas.microsoft.com/office/powerpoint/2010/main" val="1814692560"/>
       </p:ext>
     </p:extLst>
   </p:cSld>
@@ -6749,52 +7046,49 @@
           <a:p>
             <a:r>
               <a:rPr lang="fr-FR" dirty="0"/>
-              <a:t>Si on observe le diagramme générique on peut le découper en trois section…</a:t>
+              <a:t>Une dernière notion essentiel sera l’</a:t>
+            </a:r>
+            <a:r>
+              <a:rPr lang="fr-FR" dirty="0" err="1"/>
+              <a:t>Invoker</a:t>
+            </a:r>
+            <a:r>
+              <a:rPr lang="fr-FR" dirty="0"/>
+              <a:t>.</a:t>
             </a:r>
             <a:br>
               <a:rPr lang="fr-FR" dirty="0"/>
             </a:br>
-            <a:endParaRPr lang="fr-FR" dirty="0"/>
-          </a:p>
-          <a:p>
-            <a:r>
-              <a:rPr lang="fr-FR" dirty="0"/>
-              <a:t>&lt;CLIC&gt;</a:t>
-            </a:r>
             <a:br>
               <a:rPr lang="fr-FR" dirty="0"/>
             </a:br>
             <a:r>
               <a:rPr lang="fr-FR" dirty="0"/>
-              <a:t>La section </a:t>
+              <a:t>C’est cette classe qui recevra et </a:t>
             </a:r>
             <a:r>
               <a:rPr lang="fr-FR" dirty="0" err="1"/>
-              <a:t>invoker</a:t>
-            </a:r>
-            <a:r>
-              <a:rPr lang="fr-FR" dirty="0"/>
-              <a:t> en violet,</a:t>
-            </a:r>
-          </a:p>
-          <a:p>
-            <a:r>
-              <a:rPr lang="fr-FR" dirty="0"/>
-              <a:t>La section command en bleue,</a:t>
-            </a:r>
-          </a:p>
-          <a:p>
-            <a:r>
-              <a:rPr lang="fr-FR" dirty="0"/>
-              <a:t>La section </a:t>
-            </a:r>
-            <a:r>
-              <a:rPr lang="fr-FR" dirty="0" err="1"/>
-              <a:t>receiver</a:t>
-            </a:r>
-            <a:r>
-              <a:rPr lang="fr-FR" dirty="0"/>
-              <a:t> en vert</a:t>
+              <a:t>éxécutera</a:t>
+            </a:r>
+            <a:r>
+              <a:rPr lang="fr-FR" dirty="0"/>
+              <a:t> les commandes qu’on lui enverra,&lt;CLIC&gt;</a:t>
+            </a:r>
+          </a:p>
+          <a:p>
+            <a:r>
+              <a:rPr lang="fr-FR" dirty="0"/>
+              <a:t>Elle pourra également les enregistrer.&lt;CLIC&gt;</a:t>
+            </a:r>
+            <a:br>
+              <a:rPr lang="fr-FR" dirty="0"/>
+            </a:br>
+            <a:br>
+              <a:rPr lang="fr-FR" dirty="0"/>
+            </a:br>
+            <a:r>
+              <a:rPr lang="fr-FR" dirty="0"/>
+              <a:t>Dans le diagramme appliqué que je vous montrerais, j’ai fait le choix de n’enregistrer que les commandes qui ont fonctionnés.</a:t>
             </a:r>
           </a:p>
         </p:txBody>
@@ -6816,7 +7110,7 @@
           <a:p>
             <a:fld id="{0F623F77-0DF6-458C-940E-CB4AE400DBA8}" type="slidenum">
               <a:rPr lang="fr-FR" smtClean="0"/>
-              <a:t>11</a:t>
+              <a:t>10</a:t>
             </a:fld>
             <a:endParaRPr lang="fr-FR"/>
           </a:p>
@@ -6825,7 +7119,7 @@
     </p:spTree>
     <p:extLst>
       <p:ext uri="{BB962C8B-B14F-4D97-AF65-F5344CB8AC3E}">
-        <p14:creationId xmlns:p14="http://schemas.microsoft.com/office/powerpoint/2010/main" val="834675948"/>
+        <p14:creationId xmlns:p14="http://schemas.microsoft.com/office/powerpoint/2010/main" val="4228500166"/>
       </p:ext>
     </p:extLst>
   </p:cSld>
@@ -6881,29 +7175,44 @@
           <a:p>
             <a:r>
               <a:rPr lang="fr-FR" dirty="0"/>
-              <a:t>Pour simplifier le diagramme je n’ai représenter qu’une commande concrète.</a:t>
-            </a:r>
-          </a:p>
-          <a:p>
+              <a:t>Si on observe le diagramme générique on peut le découper en trois section…</a:t>
+            </a:r>
+            <a:br>
+              <a:rPr lang="fr-FR" dirty="0"/>
+            </a:br>
             <a:endParaRPr lang="fr-FR" dirty="0"/>
           </a:p>
           <a:p>
             <a:r>
               <a:rPr lang="fr-FR" dirty="0"/>
-              <a:t>On retrouve bel est bien les 3 structures du Pattern Commande</a:t>
-            </a:r>
-          </a:p>
-          <a:p>
-            <a:r>
-              <a:rPr lang="fr-FR" dirty="0"/>
-              <a:t>Tout d’abord la notion essentiel. La partie commande &lt;CLIC&gt;</a:t>
+              <a:t>&lt;CLIC&gt;</a:t>
             </a:r>
             <a:br>
               <a:rPr lang="fr-FR" dirty="0"/>
             </a:br>
             <a:r>
               <a:rPr lang="fr-FR" dirty="0"/>
-              <a:t>Ensuite l’endroit ou va s’exercer la dite commande, le </a:t>
+              <a:t>La section </a:t>
+            </a:r>
+            <a:r>
+              <a:rPr lang="fr-FR" dirty="0" err="1"/>
+              <a:t>invoker</a:t>
+            </a:r>
+            <a:r>
+              <a:rPr lang="fr-FR" dirty="0"/>
+              <a:t> en violet,</a:t>
+            </a:r>
+          </a:p>
+          <a:p>
+            <a:r>
+              <a:rPr lang="fr-FR" dirty="0"/>
+              <a:t>La section command en bleue,</a:t>
+            </a:r>
+          </a:p>
+          <a:p>
+            <a:r>
+              <a:rPr lang="fr-FR" dirty="0"/>
+              <a:t>La section </a:t>
             </a:r>
             <a:r>
               <a:rPr lang="fr-FR" dirty="0" err="1"/>
@@ -6911,123 +7220,8 @@
             </a:r>
             <a:r>
               <a:rPr lang="fr-FR" dirty="0"/>
-              <a:t>.&lt;CLIC&gt;</a:t>
-            </a:r>
-            <a:br>
-              <a:rPr lang="fr-FR" dirty="0"/>
-            </a:br>
-            <a:r>
-              <a:rPr lang="fr-FR" dirty="0"/>
-              <a:t>Enfin la partie en charge de l’</a:t>
-            </a:r>
-            <a:r>
-              <a:rPr lang="fr-FR" dirty="0" err="1"/>
-              <a:t>éxecution</a:t>
-            </a:r>
-            <a:r>
-              <a:rPr lang="fr-FR" dirty="0"/>
-              <a:t>, de la réception et de l’enregistrement l’</a:t>
-            </a:r>
-            <a:r>
-              <a:rPr lang="fr-FR" dirty="0" err="1"/>
-              <a:t>invoker</a:t>
-            </a:r>
-            <a:r>
-              <a:rPr lang="fr-FR" dirty="0"/>
-              <a:t>,&lt;CLIC&gt;</a:t>
-            </a:r>
-          </a:p>
-          <a:p>
-            <a:endParaRPr lang="fr-FR" dirty="0"/>
-          </a:p>
-          <a:p>
-            <a:br>
-              <a:rPr lang="fr-FR" dirty="0"/>
-            </a:br>
-            <a:r>
-              <a:rPr lang="fr-FR" dirty="0"/>
-              <a:t>Ici on voit qu’il y’a deux liens entre l’</a:t>
-            </a:r>
-            <a:r>
-              <a:rPr lang="fr-FR" dirty="0" err="1"/>
-              <a:t>invoker</a:t>
-            </a:r>
-            <a:r>
-              <a:rPr lang="fr-FR" dirty="0"/>
-              <a:t> et l’interface </a:t>
-            </a:r>
-            <a:r>
-              <a:rPr lang="fr-FR" dirty="0" err="1"/>
-              <a:t>Icommand</a:t>
-            </a:r>
-            <a:r>
-              <a:rPr lang="fr-FR" dirty="0"/>
-              <a:t>.</a:t>
-            </a:r>
-            <a:br>
-              <a:rPr lang="fr-FR" dirty="0"/>
-            </a:br>
-            <a:r>
-              <a:rPr lang="fr-FR" dirty="0"/>
-              <a:t>Ce n’est pas un impératif mais </a:t>
-            </a:r>
-            <a:r>
-              <a:rPr lang="fr-FR" dirty="0" err="1"/>
-              <a:t>grace</a:t>
-            </a:r>
-            <a:r>
-              <a:rPr lang="fr-FR" dirty="0"/>
-              <a:t> à cela je vais pouvoir annuler et répéter les </a:t>
-            </a:r>
-            <a:r>
-              <a:rPr lang="fr-FR" dirty="0" err="1"/>
-              <a:t>commands</a:t>
-            </a:r>
-            <a:r>
-              <a:rPr lang="fr-FR" dirty="0"/>
-              <a:t>.</a:t>
-            </a:r>
-            <a:br>
-              <a:rPr lang="fr-FR" dirty="0"/>
-            </a:br>
-            <a:r>
-              <a:rPr lang="fr-FR" dirty="0"/>
-              <a:t>La pile </a:t>
-            </a:r>
-            <a:r>
-              <a:rPr lang="fr-FR" dirty="0" err="1"/>
-              <a:t>commands</a:t>
-            </a:r>
-            <a:r>
-              <a:rPr lang="fr-FR" dirty="0"/>
-              <a:t> désigne toutes les commandes </a:t>
-            </a:r>
-            <a:r>
-              <a:rPr lang="fr-FR" dirty="0" err="1"/>
-              <a:t>éfféctuées</a:t>
-            </a:r>
-            <a:r>
-              <a:rPr lang="fr-FR" dirty="0"/>
-              <a:t> qui ont réussie.</a:t>
-            </a:r>
-            <a:br>
-              <a:rPr lang="fr-FR" dirty="0"/>
-            </a:br>
-            <a:r>
-              <a:rPr lang="fr-FR" dirty="0"/>
-              <a:t>La pile </a:t>
-            </a:r>
-            <a:r>
-              <a:rPr lang="fr-FR" dirty="0" err="1"/>
-              <a:t>redo</a:t>
-            </a:r>
-            <a:r>
-              <a:rPr lang="fr-FR" dirty="0"/>
-              <a:t> désigne toutes les commandes possibles à répéter.</a:t>
-            </a:r>
-          </a:p>
-          <a:p>
-            <a:endParaRPr lang="fr-FR" dirty="0"/>
+              <a:t> en vert</a:t>
+            </a:r>
           </a:p>
         </p:txBody>
       </p:sp>
@@ -7048,7 +7242,7 @@
           <a:p>
             <a:fld id="{0F623F77-0DF6-458C-940E-CB4AE400DBA8}" type="slidenum">
               <a:rPr lang="fr-FR" smtClean="0"/>
-              <a:t>12</a:t>
+              <a:t>11</a:t>
             </a:fld>
             <a:endParaRPr lang="fr-FR"/>
           </a:p>
@@ -7057,7 +7251,7 @@
     </p:spTree>
     <p:extLst>
       <p:ext uri="{BB962C8B-B14F-4D97-AF65-F5344CB8AC3E}">
-        <p14:creationId xmlns:p14="http://schemas.microsoft.com/office/powerpoint/2010/main" val="3228353704"/>
+        <p14:creationId xmlns:p14="http://schemas.microsoft.com/office/powerpoint/2010/main" val="834675948"/>
       </p:ext>
     </p:extLst>
   </p:cSld>
@@ -13069,7 +13263,7 @@
           <a:p>
             <a:r>
               <a:rPr lang="fr-FR" dirty="0"/>
-              <a:t>Pattern Command et Memento</a:t>
+              <a:t>Pattern Command &amp; Memento</a:t>
             </a:r>
           </a:p>
         </p:txBody>
@@ -13097,8 +13291,13 @@
           <a:p>
             <a:r>
               <a:rPr lang="fr-FR" dirty="0"/>
-              <a:t>Une explication simple et précise</a:t>
-            </a:r>
+              <a:t>Une explication simple et précise – </a:t>
+            </a:r>
+            <a:r>
+              <a:rPr lang="fr-FR"/>
+              <a:t>bounatirou rodolphe</a:t>
+            </a:r>
+            <a:endParaRPr lang="fr-FR" dirty="0"/>
           </a:p>
         </p:txBody>
       </p:sp>
@@ -13243,15 +13442,7 @@
           <a:p>
             <a:r>
               <a:rPr lang="fr-FR" dirty="0"/>
-              <a:t>Reçoit/</a:t>
-            </a:r>
-            <a:r>
-              <a:rPr lang="fr-FR" dirty="0" err="1"/>
-              <a:t>éxécute</a:t>
-            </a:r>
-            <a:r>
-              <a:rPr lang="fr-FR" dirty="0"/>
-              <a:t> les commandes</a:t>
+              <a:t>Reçoit/exécute les commandes</a:t>
             </a:r>
           </a:p>
           <a:p>
@@ -14594,6 +14785,146 @@
   <p:clrMapOvr>
     <a:masterClrMapping/>
   </p:clrMapOvr>
+  <p:timing>
+    <p:tnLst>
+      <p:par>
+        <p:cTn id="1" dur="indefinite" restart="never" nodeType="tmRoot">
+          <p:childTnLst>
+            <p:seq concurrent="1" nextAc="seek">
+              <p:cTn id="2" dur="indefinite" nodeType="mainSeq">
+                <p:childTnLst>
+                  <p:par>
+                    <p:cTn id="3" fill="hold">
+                      <p:stCondLst>
+                        <p:cond delay="indefinite"/>
+                      </p:stCondLst>
+                      <p:childTnLst>
+                        <p:par>
+                          <p:cTn id="4" fill="hold">
+                            <p:stCondLst>
+                              <p:cond delay="0"/>
+                            </p:stCondLst>
+                            <p:childTnLst>
+                              <p:par>
+                                <p:cTn id="5" presetID="10" presetClass="entr" presetSubtype="0" fill="hold" grpId="0" nodeType="clickEffect">
+                                  <p:stCondLst>
+                                    <p:cond delay="0"/>
+                                  </p:stCondLst>
+                                  <p:childTnLst>
+                                    <p:set>
+                                      <p:cBhvr>
+                                        <p:cTn id="6" dur="1" fill="hold">
+                                          <p:stCondLst>
+                                            <p:cond delay="0"/>
+                                          </p:stCondLst>
+                                        </p:cTn>
+                                        <p:tgtEl>
+                                          <p:spTgt spid="5"/>
+                                        </p:tgtEl>
+                                        <p:attrNameLst>
+                                          <p:attrName>style.visibility</p:attrName>
+                                        </p:attrNameLst>
+                                      </p:cBhvr>
+                                      <p:to>
+                                        <p:strVal val="visible"/>
+                                      </p:to>
+                                    </p:set>
+                                    <p:animEffect transition="in" filter="fade">
+                                      <p:cBhvr>
+                                        <p:cTn id="7" dur="500"/>
+                                        <p:tgtEl>
+                                          <p:spTgt spid="5"/>
+                                        </p:tgtEl>
+                                      </p:cBhvr>
+                                    </p:animEffect>
+                                  </p:childTnLst>
+                                </p:cTn>
+                              </p:par>
+                            </p:childTnLst>
+                          </p:cTn>
+                        </p:par>
+                      </p:childTnLst>
+                    </p:cTn>
+                  </p:par>
+                  <p:par>
+                    <p:cTn id="8" fill="hold">
+                      <p:stCondLst>
+                        <p:cond delay="indefinite"/>
+                      </p:stCondLst>
+                      <p:childTnLst>
+                        <p:par>
+                          <p:cTn id="9" fill="hold">
+                            <p:stCondLst>
+                              <p:cond delay="0"/>
+                            </p:stCondLst>
+                            <p:childTnLst>
+                              <p:par>
+                                <p:cTn id="10" presetID="10" presetClass="entr" presetSubtype="0" fill="hold" grpId="0" nodeType="clickEffect">
+                                  <p:stCondLst>
+                                    <p:cond delay="0"/>
+                                  </p:stCondLst>
+                                  <p:childTnLst>
+                                    <p:set>
+                                      <p:cBhvr>
+                                        <p:cTn id="11" dur="1" fill="hold">
+                                          <p:stCondLst>
+                                            <p:cond delay="0"/>
+                                          </p:stCondLst>
+                                        </p:cTn>
+                                        <p:tgtEl>
+                                          <p:spTgt spid="6"/>
+                                        </p:tgtEl>
+                                        <p:attrNameLst>
+                                          <p:attrName>style.visibility</p:attrName>
+                                        </p:attrNameLst>
+                                      </p:cBhvr>
+                                      <p:to>
+                                        <p:strVal val="visible"/>
+                                      </p:to>
+                                    </p:set>
+                                    <p:animEffect transition="in" filter="fade">
+                                      <p:cBhvr>
+                                        <p:cTn id="12" dur="500"/>
+                                        <p:tgtEl>
+                                          <p:spTgt spid="6"/>
+                                        </p:tgtEl>
+                                      </p:cBhvr>
+                                    </p:animEffect>
+                                  </p:childTnLst>
+                                </p:cTn>
+                              </p:par>
+                            </p:childTnLst>
+                          </p:cTn>
+                        </p:par>
+                      </p:childTnLst>
+                    </p:cTn>
+                  </p:par>
+                </p:childTnLst>
+              </p:cTn>
+              <p:prevCondLst>
+                <p:cond evt="onPrev" delay="0">
+                  <p:tgtEl>
+                    <p:sldTgt/>
+                  </p:tgtEl>
+                </p:cond>
+              </p:prevCondLst>
+              <p:nextCondLst>
+                <p:cond evt="onNext" delay="0">
+                  <p:tgtEl>
+                    <p:sldTgt/>
+                  </p:tgtEl>
+                </p:cond>
+              </p:nextCondLst>
+            </p:seq>
+          </p:childTnLst>
+        </p:cTn>
+      </p:par>
+    </p:tnLst>
+    <p:bldLst>
+      <p:bldP spid="5" grpId="0" animBg="1"/>
+      <p:bldP spid="6" grpId="0" animBg="1"/>
+    </p:bldLst>
+  </p:timing>
 </p:sld>
 </file>
 
@@ -16214,7 +16545,7 @@
                             </p:stCondLst>
                             <p:childTnLst>
                               <p:par>
-                                <p:cTn id="5" presetID="10" presetClass="entr" presetSubtype="0" fill="hold" grpId="0" nodeType="clickEffect">
+                                <p:cTn id="5" presetID="10" presetClass="entr" presetSubtype="0" fill="hold" nodeType="clickEffect">
                                   <p:stCondLst>
                                     <p:cond delay="0"/>
                                   </p:stCondLst>
@@ -16227,7 +16558,7 @@
                                           </p:stCondLst>
                                         </p:cTn>
                                         <p:tgtEl>
-                                          <p:spTgt spid="7"/>
+                                          <p:spTgt spid="22"/>
                                         </p:tgtEl>
                                         <p:attrNameLst>
                                           <p:attrName>style.visibility</p:attrName>
@@ -16241,7 +16572,7 @@
                                       <p:cBhvr>
                                         <p:cTn id="7" dur="500"/>
                                         <p:tgtEl>
-                                          <p:spTgt spid="7"/>
+                                          <p:spTgt spid="22"/>
                                         </p:tgtEl>
                                       </p:cBhvr>
                                     </p:animEffect>
@@ -16249,7 +16580,7 @@
                                 </p:cTn>
                               </p:par>
                               <p:par>
-                                <p:cTn id="8" presetID="10" presetClass="entr" presetSubtype="0" fill="hold" grpId="0" nodeType="withEffect">
+                                <p:cTn id="8" presetID="10" presetClass="entr" presetSubtype="0" fill="hold" nodeType="withEffect">
                                   <p:stCondLst>
                                     <p:cond delay="0"/>
                                   </p:stCondLst>
@@ -16262,7 +16593,7 @@
                                           </p:stCondLst>
                                         </p:cTn>
                                         <p:tgtEl>
-                                          <p:spTgt spid="8"/>
+                                          <p:spTgt spid="15"/>
                                         </p:tgtEl>
                                         <p:attrNameLst>
                                           <p:attrName>style.visibility</p:attrName>
@@ -16276,7 +16607,7 @@
                                       <p:cBhvr>
                                         <p:cTn id="10" dur="500"/>
                                         <p:tgtEl>
-                                          <p:spTgt spid="8"/>
+                                          <p:spTgt spid="15"/>
                                         </p:tgtEl>
                                       </p:cBhvr>
                                     </p:animEffect>
@@ -16297,7 +16628,7 @@
                                           </p:stCondLst>
                                         </p:cTn>
                                         <p:tgtEl>
-                                          <p:spTgt spid="4"/>
+                                          <p:spTgt spid="29"/>
                                         </p:tgtEl>
                                         <p:attrNameLst>
                                           <p:attrName>style.visibility</p:attrName>
@@ -16311,129 +16642,6 @@
                                       <p:cBhvr>
                                         <p:cTn id="13" dur="500"/>
                                         <p:tgtEl>
-                                          <p:spTgt spid="4"/>
-                                        </p:tgtEl>
-                                      </p:cBhvr>
-                                    </p:animEffect>
-                                  </p:childTnLst>
-                                </p:cTn>
-                              </p:par>
-                            </p:childTnLst>
-                          </p:cTn>
-                        </p:par>
-                      </p:childTnLst>
-                    </p:cTn>
-                  </p:par>
-                  <p:par>
-                    <p:cTn id="14" fill="hold">
-                      <p:stCondLst>
-                        <p:cond delay="indefinite"/>
-                      </p:stCondLst>
-                      <p:childTnLst>
-                        <p:par>
-                          <p:cTn id="15" fill="hold">
-                            <p:stCondLst>
-                              <p:cond delay="0"/>
-                            </p:stCondLst>
-                            <p:childTnLst>
-                              <p:par>
-                                <p:cTn id="16" presetID="10" presetClass="entr" presetSubtype="0" fill="hold" nodeType="clickEffect">
-                                  <p:stCondLst>
-                                    <p:cond delay="0"/>
-                                  </p:stCondLst>
-                                  <p:childTnLst>
-                                    <p:set>
-                                      <p:cBhvr>
-                                        <p:cTn id="17" dur="1" fill="hold">
-                                          <p:stCondLst>
-                                            <p:cond delay="0"/>
-                                          </p:stCondLst>
-                                        </p:cTn>
-                                        <p:tgtEl>
-                                          <p:spTgt spid="22"/>
-                                        </p:tgtEl>
-                                        <p:attrNameLst>
-                                          <p:attrName>style.visibility</p:attrName>
-                                        </p:attrNameLst>
-                                      </p:cBhvr>
-                                      <p:to>
-                                        <p:strVal val="visible"/>
-                                      </p:to>
-                                    </p:set>
-                                    <p:animEffect transition="in" filter="fade">
-                                      <p:cBhvr>
-                                        <p:cTn id="18" dur="500"/>
-                                        <p:tgtEl>
-                                          <p:spTgt spid="22"/>
-                                        </p:tgtEl>
-                                      </p:cBhvr>
-                                    </p:animEffect>
-                                  </p:childTnLst>
-                                </p:cTn>
-                              </p:par>
-                              <p:par>
-                                <p:cTn id="19" presetID="10" presetClass="entr" presetSubtype="0" fill="hold" nodeType="withEffect">
-                                  <p:stCondLst>
-                                    <p:cond delay="0"/>
-                                  </p:stCondLst>
-                                  <p:childTnLst>
-                                    <p:set>
-                                      <p:cBhvr>
-                                        <p:cTn id="20" dur="1" fill="hold">
-                                          <p:stCondLst>
-                                            <p:cond delay="0"/>
-                                          </p:stCondLst>
-                                        </p:cTn>
-                                        <p:tgtEl>
-                                          <p:spTgt spid="15"/>
-                                        </p:tgtEl>
-                                        <p:attrNameLst>
-                                          <p:attrName>style.visibility</p:attrName>
-                                        </p:attrNameLst>
-                                      </p:cBhvr>
-                                      <p:to>
-                                        <p:strVal val="visible"/>
-                                      </p:to>
-                                    </p:set>
-                                    <p:animEffect transition="in" filter="fade">
-                                      <p:cBhvr>
-                                        <p:cTn id="21" dur="500"/>
-                                        <p:tgtEl>
-                                          <p:spTgt spid="15"/>
-                                        </p:tgtEl>
-                                      </p:cBhvr>
-                                    </p:animEffect>
-                                  </p:childTnLst>
-                                </p:cTn>
-                              </p:par>
-                              <p:par>
-                                <p:cTn id="22" presetID="10" presetClass="entr" presetSubtype="0" fill="hold" nodeType="withEffect">
-                                  <p:stCondLst>
-                                    <p:cond delay="0"/>
-                                  </p:stCondLst>
-                                  <p:childTnLst>
-                                    <p:set>
-                                      <p:cBhvr>
-                                        <p:cTn id="23" dur="1" fill="hold">
-                                          <p:stCondLst>
-                                            <p:cond delay="0"/>
-                                          </p:stCondLst>
-                                        </p:cTn>
-                                        <p:tgtEl>
-                                          <p:spTgt spid="29"/>
-                                        </p:tgtEl>
-                                        <p:attrNameLst>
-                                          <p:attrName>style.visibility</p:attrName>
-                                        </p:attrNameLst>
-                                      </p:cBhvr>
-                                      <p:to>
-                                        <p:strVal val="visible"/>
-                                      </p:to>
-                                    </p:set>
-                                    <p:animEffect transition="in" filter="fade">
-                                      <p:cBhvr>
-                                        <p:cTn id="24" dur="500"/>
-                                        <p:tgtEl>
                                           <p:spTgt spid="29"/>
                                         </p:tgtEl>
                                       </p:cBhvr>
@@ -16442,14 +16650,14 @@
                                 </p:cTn>
                               </p:par>
                               <p:par>
-                                <p:cTn id="25" presetID="10" presetClass="entr" presetSubtype="0" fill="hold" nodeType="withEffect">
+                                <p:cTn id="14" presetID="10" presetClass="entr" presetSubtype="0" fill="hold" nodeType="withEffect">
                                   <p:stCondLst>
                                     <p:cond delay="0"/>
                                   </p:stCondLst>
                                   <p:childTnLst>
                                     <p:set>
                                       <p:cBhvr>
-                                        <p:cTn id="26" dur="1" fill="hold">
+                                        <p:cTn id="15" dur="1" fill="hold">
                                           <p:stCondLst>
                                             <p:cond delay="0"/>
                                           </p:stCondLst>
@@ -16467,9 +16675,114 @@
                                     </p:set>
                                     <p:animEffect transition="in" filter="fade">
                                       <p:cBhvr>
-                                        <p:cTn id="27" dur="500"/>
+                                        <p:cTn id="16" dur="500"/>
                                         <p:tgtEl>
                                           <p:spTgt spid="9"/>
+                                        </p:tgtEl>
+                                      </p:cBhvr>
+                                    </p:animEffect>
+                                  </p:childTnLst>
+                                </p:cTn>
+                              </p:par>
+                              <p:par>
+                                <p:cTn id="17" presetID="10" presetClass="entr" presetSubtype="0" fill="hold" grpId="0" nodeType="withEffect">
+                                  <p:stCondLst>
+                                    <p:cond delay="0"/>
+                                  </p:stCondLst>
+                                  <p:childTnLst>
+                                    <p:set>
+                                      <p:cBhvr>
+                                        <p:cTn id="18" dur="1" fill="hold">
+                                          <p:stCondLst>
+                                            <p:cond delay="0"/>
+                                          </p:stCondLst>
+                                        </p:cTn>
+                                        <p:tgtEl>
+                                          <p:spTgt spid="7"/>
+                                        </p:tgtEl>
+                                        <p:attrNameLst>
+                                          <p:attrName>style.visibility</p:attrName>
+                                        </p:attrNameLst>
+                                      </p:cBhvr>
+                                      <p:to>
+                                        <p:strVal val="visible"/>
+                                      </p:to>
+                                    </p:set>
+                                    <p:animEffect transition="in" filter="fade">
+                                      <p:cBhvr>
+                                        <p:cTn id="19" dur="500"/>
+                                        <p:tgtEl>
+                                          <p:spTgt spid="7"/>
+                                        </p:tgtEl>
+                                      </p:cBhvr>
+                                    </p:animEffect>
+                                  </p:childTnLst>
+                                </p:cTn>
+                              </p:par>
+                              <p:par>
+                                <p:cTn id="20" presetID="10" presetClass="entr" presetSubtype="0" fill="hold" grpId="0" nodeType="withEffect">
+                                  <p:stCondLst>
+                                    <p:cond delay="0"/>
+                                  </p:stCondLst>
+                                  <p:childTnLst>
+                                    <p:set>
+                                      <p:cBhvr>
+                                        <p:cTn id="21" dur="1" fill="hold">
+                                          <p:stCondLst>
+                                            <p:cond delay="0"/>
+                                          </p:stCondLst>
+                                        </p:cTn>
+                                        <p:tgtEl>
+                                          <p:spTgt spid="8"/>
+                                        </p:tgtEl>
+                                        <p:attrNameLst>
+                                          <p:attrName>style.visibility</p:attrName>
+                                        </p:attrNameLst>
+                                      </p:cBhvr>
+                                      <p:to>
+                                        <p:strVal val="visible"/>
+                                      </p:to>
+                                    </p:set>
+                                    <p:animEffect transition="in" filter="fade">
+                                      <p:cBhvr>
+                                        <p:cTn id="22" dur="500"/>
+                                        <p:tgtEl>
+                                          <p:spTgt spid="8"/>
+                                        </p:tgtEl>
+                                      </p:cBhvr>
+                                    </p:animEffect>
+                                  </p:childTnLst>
+                                </p:cTn>
+                              </p:par>
+                              <p:par>
+                                <p:cTn id="23" presetID="10" presetClass="entr" presetSubtype="0" fill="hold" nodeType="withEffect">
+                                  <p:stCondLst>
+                                    <p:cond delay="0"/>
+                                  </p:stCondLst>
+                                  <p:childTnLst>
+                                    <p:set>
+                                      <p:cBhvr>
+                                        <p:cTn id="24" dur="1" fill="hold">
+                                          <p:stCondLst>
+                                            <p:cond delay="0"/>
+                                          </p:stCondLst>
+                                        </p:cTn>
+                                        <p:tgtEl>
+                                          <p:spTgt spid="4"/>
+                                        </p:tgtEl>
+                                        <p:attrNameLst>
+                                          <p:attrName>style.visibility</p:attrName>
+                                        </p:attrNameLst>
+                                      </p:cBhvr>
+                                      <p:to>
+                                        <p:strVal val="visible"/>
+                                      </p:to>
+                                    </p:set>
+                                    <p:animEffect transition="in" filter="fade">
+                                      <p:cBhvr>
+                                        <p:cTn id="25" dur="500"/>
+                                        <p:tgtEl>
+                                          <p:spTgt spid="4"/>
                                         </p:tgtEl>
                                       </p:cBhvr>
                                     </p:animEffect>
@@ -16483,26 +16796,131 @@
                     </p:cTn>
                   </p:par>
                   <p:par>
-                    <p:cTn id="28" fill="hold">
+                    <p:cTn id="26" fill="hold">
                       <p:stCondLst>
                         <p:cond delay="indefinite"/>
                       </p:stCondLst>
                       <p:childTnLst>
                         <p:par>
-                          <p:cTn id="29" fill="hold">
+                          <p:cTn id="27" fill="hold">
                             <p:stCondLst>
                               <p:cond delay="0"/>
                             </p:stCondLst>
                             <p:childTnLst>
                               <p:par>
-                                <p:cTn id="30" presetID="10" presetClass="entr" presetSubtype="0" fill="hold" nodeType="clickEffect">
+                                <p:cTn id="28" presetID="10" presetClass="exit" presetSubtype="0" fill="hold" nodeType="clickEffect">
+                                  <p:stCondLst>
+                                    <p:cond delay="0"/>
+                                  </p:stCondLst>
+                                  <p:childTnLst>
+                                    <p:animEffect transition="out" filter="fade">
+                                      <p:cBhvr>
+                                        <p:cTn id="29" dur="500"/>
+                                        <p:tgtEl>
+                                          <p:spTgt spid="6"/>
+                                        </p:tgtEl>
+                                      </p:cBhvr>
+                                    </p:animEffect>
+                                    <p:set>
+                                      <p:cBhvr>
+                                        <p:cTn id="30" dur="1" fill="hold">
+                                          <p:stCondLst>
+                                            <p:cond delay="499"/>
+                                          </p:stCondLst>
+                                        </p:cTn>
+                                        <p:tgtEl>
+                                          <p:spTgt spid="6"/>
+                                        </p:tgtEl>
+                                        <p:attrNameLst>
+                                          <p:attrName>style.visibility</p:attrName>
+                                        </p:attrNameLst>
+                                      </p:cBhvr>
+                                      <p:to>
+                                        <p:strVal val="hidden"/>
+                                      </p:to>
+                                    </p:set>
+                                  </p:childTnLst>
+                                </p:cTn>
+                              </p:par>
+                              <p:par>
+                                <p:cTn id="31" presetID="10" presetClass="exit" presetSubtype="0" fill="hold" grpId="1" nodeType="withEffect">
+                                  <p:stCondLst>
+                                    <p:cond delay="0"/>
+                                  </p:stCondLst>
+                                  <p:childTnLst>
+                                    <p:animEffect transition="out" filter="fade">
+                                      <p:cBhvr>
+                                        <p:cTn id="32" dur="500"/>
+                                        <p:tgtEl>
+                                          <p:spTgt spid="7"/>
+                                        </p:tgtEl>
+                                      </p:cBhvr>
+                                    </p:animEffect>
+                                    <p:set>
+                                      <p:cBhvr>
+                                        <p:cTn id="33" dur="1" fill="hold">
+                                          <p:stCondLst>
+                                            <p:cond delay="499"/>
+                                          </p:stCondLst>
+                                        </p:cTn>
+                                        <p:tgtEl>
+                                          <p:spTgt spid="7"/>
+                                        </p:tgtEl>
+                                        <p:attrNameLst>
+                                          <p:attrName>style.visibility</p:attrName>
+                                        </p:attrNameLst>
+                                      </p:cBhvr>
+                                      <p:to>
+                                        <p:strVal val="hidden"/>
+                                      </p:to>
+                                    </p:set>
+                                  </p:childTnLst>
+                                </p:cTn>
+                              </p:par>
+                              <p:par>
+                                <p:cTn id="34" presetID="10" presetClass="exit" presetSubtype="0" fill="hold" grpId="1" nodeType="withEffect">
+                                  <p:stCondLst>
+                                    <p:cond delay="0"/>
+                                  </p:stCondLst>
+                                  <p:childTnLst>
+                                    <p:animEffect transition="out" filter="fade">
+                                      <p:cBhvr>
+                                        <p:cTn id="35" dur="500"/>
+                                        <p:tgtEl>
+                                          <p:spTgt spid="8"/>
+                                        </p:tgtEl>
+                                      </p:cBhvr>
+                                    </p:animEffect>
+                                    <p:set>
+                                      <p:cBhvr>
+                                        <p:cTn id="36" dur="1" fill="hold">
+                                          <p:stCondLst>
+                                            <p:cond delay="499"/>
+                                          </p:stCondLst>
+                                        </p:cTn>
+                                        <p:tgtEl>
+                                          <p:spTgt spid="8"/>
+                                        </p:tgtEl>
+                                        <p:attrNameLst>
+                                          <p:attrName>style.visibility</p:attrName>
+                                        </p:attrNameLst>
+                                      </p:cBhvr>
+                                      <p:to>
+                                        <p:strVal val="hidden"/>
+                                      </p:to>
+                                    </p:set>
+                                  </p:childTnLst>
+                                </p:cTn>
+                              </p:par>
+                              <p:par>
+                                <p:cTn id="37" presetID="10" presetClass="entr" presetSubtype="0" fill="hold" nodeType="withEffect">
                                   <p:stCondLst>
                                     <p:cond delay="0"/>
                                   </p:stCondLst>
                                   <p:childTnLst>
                                     <p:set>
                                       <p:cBhvr>
-                                        <p:cTn id="31" dur="1" fill="hold">
+                                        <p:cTn id="38" dur="1" fill="hold">
                                           <p:stCondLst>
                                             <p:cond delay="0"/>
                                           </p:stCondLst>
@@ -16520,7 +16938,7 @@
                                     </p:set>
                                     <p:animEffect transition="in" filter="fade">
                                       <p:cBhvr>
-                                        <p:cTn id="32" dur="500"/>
+                                        <p:cTn id="39" dur="500"/>
                                         <p:tgtEl>
                                           <p:spTgt spid="35"/>
                                         </p:tgtEl>
@@ -16558,7 +16976,9 @@
     </p:tnLst>
     <p:bldLst>
       <p:bldP spid="7" grpId="0" animBg="1"/>
+      <p:bldP spid="7" grpId="1" animBg="1"/>
       <p:bldP spid="8" grpId="0" animBg="1"/>
+      <p:bldP spid="8" grpId="1" animBg="1"/>
     </p:bldLst>
   </p:timing>
 </p:sld>
@@ -18214,7 +18634,10 @@
           <a:bodyPr/>
           <a:lstStyle/>
           <a:p>
-            <a:endParaRPr lang="fr-FR" dirty="0"/>
+            <a:r>
+              <a:rPr lang="fr-FR" dirty="0"/>
+              <a:t>Pattern Command &amp; Memento - Sommaire</a:t>
+            </a:r>
           </a:p>
         </p:txBody>
       </p:sp>
@@ -18277,6 +18700,12 @@
             <a:r>
               <a:rPr lang="fr-FR" dirty="0"/>
               <a:t>Appliqué à l’exemple</a:t>
+            </a:r>
+          </a:p>
+          <a:p>
+            <a:r>
+              <a:rPr lang="fr-FR" dirty="0"/>
+              <a:t>Avantages &amp; inconvénients</a:t>
             </a:r>
           </a:p>
           <a:p>
@@ -21581,10 +22010,10 @@
       </p:grpSpPr>
       <p:pic>
         <p:nvPicPr>
-          <p:cNvPr id="13" name="Image 12">
+          <p:cNvPr id="4" name="Image 3">
             <a:extLst>
               <a:ext uri="{FF2B5EF4-FFF2-40B4-BE49-F238E27FC236}">
-                <a16:creationId xmlns:a16="http://schemas.microsoft.com/office/drawing/2014/main" id="{58A8AC99-8501-9C36-2D46-2691BD2E929B}"/>
+                <a16:creationId xmlns:a16="http://schemas.microsoft.com/office/drawing/2014/main" id="{88803C8A-C32E-E73A-3E68-26262FFE7B25}"/>
               </a:ext>
             </a:extLst>
           </p:cNvPr>
@@ -21601,8 +22030,8 @@
         </p:blipFill>
         <p:spPr>
           <a:xfrm>
-            <a:off x="1474256" y="2196942"/>
-            <a:ext cx="9588122" cy="3806816"/>
+            <a:off x="1131145" y="2024647"/>
+            <a:ext cx="10292862" cy="4277971"/>
           </a:xfrm>
           <a:prstGeom prst="rect">
             <a:avLst/>
@@ -21703,8 +22132,8 @@
         </p:nvSpPr>
         <p:spPr>
           <a:xfrm>
-            <a:off x="4657123" y="2463464"/>
-            <a:ext cx="3240907" cy="2905626"/>
+            <a:off x="4511098" y="2463464"/>
+            <a:ext cx="3454984" cy="2905626"/>
           </a:xfrm>
           <a:prstGeom prst="rect">
             <a:avLst/>
@@ -21754,8 +22183,8 @@
         </p:nvSpPr>
         <p:spPr>
           <a:xfrm>
-            <a:off x="1667575" y="3916277"/>
-            <a:ext cx="2427171" cy="1094874"/>
+            <a:off x="1406769" y="3916277"/>
+            <a:ext cx="2687977" cy="1094874"/>
           </a:xfrm>
           <a:prstGeom prst="rect">
             <a:avLst/>
@@ -21858,10 +22287,10 @@
       </p:grpSpPr>
       <p:pic>
         <p:nvPicPr>
-          <p:cNvPr id="10" name="Image 9">
+          <p:cNvPr id="4" name="Image 3">
             <a:extLst>
               <a:ext uri="{FF2B5EF4-FFF2-40B4-BE49-F238E27FC236}">
-                <a16:creationId xmlns:a16="http://schemas.microsoft.com/office/drawing/2014/main" id="{539AA799-06AF-5E51-F4C8-456C0556D663}"/>
+                <a16:creationId xmlns:a16="http://schemas.microsoft.com/office/drawing/2014/main" id="{18D4B202-EF2C-5806-443C-53D6263A6D75}"/>
               </a:ext>
             </a:extLst>
           </p:cNvPr>
@@ -21878,8 +22307,8 @@
         </p:blipFill>
         <p:spPr>
           <a:xfrm>
-            <a:off x="1796593" y="1981544"/>
-            <a:ext cx="7667902" cy="4312751"/>
+            <a:off x="2125706" y="1766686"/>
+            <a:ext cx="7988902" cy="4467623"/>
           </a:xfrm>
           <a:prstGeom prst="rect">
             <a:avLst/>
@@ -21928,7 +22357,7 @@
         </p:nvSpPr>
         <p:spPr>
           <a:xfrm>
-            <a:off x="7093893" y="3251532"/>
+            <a:off x="7626618" y="3321871"/>
             <a:ext cx="1678282" cy="2201779"/>
           </a:xfrm>
           <a:prstGeom prst="rect">
@@ -21980,8 +22409,8 @@
         </p:nvSpPr>
         <p:spPr>
           <a:xfrm>
-            <a:off x="4383504" y="2547685"/>
-            <a:ext cx="1888056" cy="2905626"/>
+            <a:off x="4771292" y="2453900"/>
+            <a:ext cx="2214872" cy="2905626"/>
           </a:xfrm>
           <a:prstGeom prst="rect">
             <a:avLst/>
@@ -22031,7 +22460,7 @@
         </p:nvSpPr>
         <p:spPr>
           <a:xfrm>
-            <a:off x="2077392" y="4535905"/>
+            <a:off x="2540069" y="4422760"/>
             <a:ext cx="2025314" cy="1293011"/>
           </a:xfrm>
           <a:prstGeom prst="rect">
@@ -26600,12 +27029,8 @@
           </a:p>
           <a:p>
             <a:r>
-              <a:rPr lang="fr-FR" dirty="0" err="1"/>
-              <a:t>Element</a:t>
-            </a:r>
-            <a:r>
-              <a:rPr lang="fr-FR" dirty="0"/>
-              <a:t> qui va recevoir l’ordre de la command.</a:t>
+              <a:rPr lang="fr-FR" dirty="0"/>
+              <a:t>Élément qui va recevoir l’ordre de la Command.</a:t>
             </a:r>
           </a:p>
         </p:txBody>

--- a/PresentationPattern.pptx
+++ b/PresentationPattern.pptx
@@ -3659,29 +3659,44 @@
           <a:p>
             <a:r>
               <a:rPr lang="fr-FR" dirty="0"/>
-              <a:t>Pour simplifier le diagramme je n’ai représenter qu’une commande concrète.</a:t>
-            </a:r>
-          </a:p>
-          <a:p>
+              <a:t>Si on observe le diagramme générique on peut le découper en trois section…</a:t>
+            </a:r>
+            <a:br>
+              <a:rPr lang="fr-FR" dirty="0"/>
+            </a:br>
             <a:endParaRPr lang="fr-FR" dirty="0"/>
           </a:p>
           <a:p>
             <a:r>
               <a:rPr lang="fr-FR" dirty="0"/>
-              <a:t>On retrouve bel est bien les 3 structures du Pattern Commande</a:t>
-            </a:r>
-          </a:p>
-          <a:p>
-            <a:r>
-              <a:rPr lang="fr-FR" dirty="0"/>
-              <a:t>Tout d’abord la notion essentiel. La partie commande &lt;CLIC&gt;</a:t>
+              <a:t>&lt;CLIC&gt;</a:t>
             </a:r>
             <a:br>
               <a:rPr lang="fr-FR" dirty="0"/>
             </a:br>
             <a:r>
               <a:rPr lang="fr-FR" dirty="0"/>
-              <a:t>Ensuite l’endroit ou va s’exercer la dite commande, le </a:t>
+              <a:t>La section </a:t>
+            </a:r>
+            <a:r>
+              <a:rPr lang="fr-FR" dirty="0" err="1"/>
+              <a:t>invoker</a:t>
+            </a:r>
+            <a:r>
+              <a:rPr lang="fr-FR" dirty="0"/>
+              <a:t> en violet,</a:t>
+            </a:r>
+          </a:p>
+          <a:p>
+            <a:r>
+              <a:rPr lang="fr-FR" dirty="0"/>
+              <a:t>La section command en bleue,</a:t>
+            </a:r>
+          </a:p>
+          <a:p>
+            <a:r>
+              <a:rPr lang="fr-FR" dirty="0"/>
+              <a:t>La section </a:t>
             </a:r>
             <a:r>
               <a:rPr lang="fr-FR" dirty="0" err="1"/>
@@ -3689,123 +3704,8 @@
             </a:r>
             <a:r>
               <a:rPr lang="fr-FR" dirty="0"/>
-              <a:t>.&lt;CLIC&gt;</a:t>
-            </a:r>
-            <a:br>
-              <a:rPr lang="fr-FR" dirty="0"/>
-            </a:br>
-            <a:r>
-              <a:rPr lang="fr-FR" dirty="0"/>
-              <a:t>Enfin la partie en charge de l’</a:t>
-            </a:r>
-            <a:r>
-              <a:rPr lang="fr-FR" dirty="0" err="1"/>
-              <a:t>éxecution</a:t>
-            </a:r>
-            <a:r>
-              <a:rPr lang="fr-FR" dirty="0"/>
-              <a:t>, de la réception et de l’enregistrement l’</a:t>
-            </a:r>
-            <a:r>
-              <a:rPr lang="fr-FR" dirty="0" err="1"/>
-              <a:t>invoker</a:t>
-            </a:r>
-            <a:r>
-              <a:rPr lang="fr-FR" dirty="0"/>
-              <a:t>,&lt;CLIC&gt;</a:t>
-            </a:r>
-          </a:p>
-          <a:p>
-            <a:endParaRPr lang="fr-FR" dirty="0"/>
-          </a:p>
-          <a:p>
-            <a:br>
-              <a:rPr lang="fr-FR" dirty="0"/>
-            </a:br>
-            <a:r>
-              <a:rPr lang="fr-FR" dirty="0"/>
-              <a:t>Ici on voit qu’il y’a deux liens entre l’</a:t>
-            </a:r>
-            <a:r>
-              <a:rPr lang="fr-FR" dirty="0" err="1"/>
-              <a:t>invoker</a:t>
-            </a:r>
-            <a:r>
-              <a:rPr lang="fr-FR" dirty="0"/>
-              <a:t> et l’interface </a:t>
-            </a:r>
-            <a:r>
-              <a:rPr lang="fr-FR" dirty="0" err="1"/>
-              <a:t>Icommand</a:t>
-            </a:r>
-            <a:r>
-              <a:rPr lang="fr-FR" dirty="0"/>
-              <a:t>.</a:t>
-            </a:r>
-            <a:br>
-              <a:rPr lang="fr-FR" dirty="0"/>
-            </a:br>
-            <a:r>
-              <a:rPr lang="fr-FR" dirty="0"/>
-              <a:t>Ce n’est pas un impératif mais </a:t>
-            </a:r>
-            <a:r>
-              <a:rPr lang="fr-FR" dirty="0" err="1"/>
-              <a:t>grace</a:t>
-            </a:r>
-            <a:r>
-              <a:rPr lang="fr-FR" dirty="0"/>
-              <a:t> à cela je vais pouvoir annuler et répéter les </a:t>
-            </a:r>
-            <a:r>
-              <a:rPr lang="fr-FR" dirty="0" err="1"/>
-              <a:t>commands</a:t>
-            </a:r>
-            <a:r>
-              <a:rPr lang="fr-FR" dirty="0"/>
-              <a:t>.</a:t>
-            </a:r>
-            <a:br>
-              <a:rPr lang="fr-FR" dirty="0"/>
-            </a:br>
-            <a:r>
-              <a:rPr lang="fr-FR" dirty="0"/>
-              <a:t>La pile </a:t>
-            </a:r>
-            <a:r>
-              <a:rPr lang="fr-FR" dirty="0" err="1"/>
-              <a:t>commands</a:t>
-            </a:r>
-            <a:r>
-              <a:rPr lang="fr-FR" dirty="0"/>
-              <a:t> désigne toutes les commandes </a:t>
-            </a:r>
-            <a:r>
-              <a:rPr lang="fr-FR" dirty="0" err="1"/>
-              <a:t>éfféctuées</a:t>
-            </a:r>
-            <a:r>
-              <a:rPr lang="fr-FR" dirty="0"/>
-              <a:t> qui ont réussie.</a:t>
-            </a:r>
-            <a:br>
-              <a:rPr lang="fr-FR" dirty="0"/>
-            </a:br>
-            <a:r>
-              <a:rPr lang="fr-FR" dirty="0"/>
-              <a:t>La pile </a:t>
-            </a:r>
-            <a:r>
-              <a:rPr lang="fr-FR" dirty="0" err="1"/>
-              <a:t>redo</a:t>
-            </a:r>
-            <a:r>
-              <a:rPr lang="fr-FR" dirty="0"/>
-              <a:t> désigne toutes les commandes possibles à répéter.</a:t>
-            </a:r>
-          </a:p>
-          <a:p>
-            <a:endParaRPr lang="fr-FR" dirty="0"/>
+              <a:t> en vert</a:t>
+            </a:r>
           </a:p>
         </p:txBody>
       </p:sp>
@@ -3826,7 +3726,7 @@
           <a:p>
             <a:fld id="{0F623F77-0DF6-458C-940E-CB4AE400DBA8}" type="slidenum">
               <a:rPr lang="fr-FR" smtClean="0"/>
-              <a:t>12</a:t>
+              <a:t>11</a:t>
             </a:fld>
             <a:endParaRPr lang="fr-FR"/>
           </a:p>
@@ -3835,7 +3735,7 @@
     </p:spTree>
     <p:extLst>
       <p:ext uri="{BB962C8B-B14F-4D97-AF65-F5344CB8AC3E}">
-        <p14:creationId xmlns:p14="http://schemas.microsoft.com/office/powerpoint/2010/main" val="3228353704"/>
+        <p14:creationId xmlns:p14="http://schemas.microsoft.com/office/powerpoint/2010/main" val="834675948"/>
       </p:ext>
     </p:extLst>
   </p:cSld>
@@ -3891,7 +3791,7 @@
           <a:p>
             <a:r>
               <a:rPr lang="fr-FR" dirty="0"/>
-              <a:t>Pour appliquer le concept du pattern commande,</a:t>
+              <a:t>Pour simplifier le diagramme je n’ai représenter qu’une commande concrète.</a:t>
             </a:r>
           </a:p>
           <a:p>
@@ -3900,15 +3800,43 @@
           <a:p>
             <a:r>
               <a:rPr lang="fr-FR" dirty="0"/>
-              <a:t>J’ai générer un projet </a:t>
+              <a:t>On retrouve bel est bien les 3 structures du Pattern Commande</a:t>
+            </a:r>
+          </a:p>
+          <a:p>
+            <a:r>
+              <a:rPr lang="fr-FR" dirty="0"/>
+              <a:t>Tout d’abord la notion essentiel. La partie commande &lt;CLIC&gt;</a:t>
+            </a:r>
+            <a:br>
+              <a:rPr lang="fr-FR" dirty="0"/>
+            </a:br>
+            <a:r>
+              <a:rPr lang="fr-FR" dirty="0"/>
+              <a:t>Ensuite l’endroit ou va s’exercer la dite commande, le </a:t>
             </a:r>
             <a:r>
               <a:rPr lang="fr-FR" dirty="0" err="1"/>
-              <a:t>winform</a:t>
-            </a:r>
-            <a:r>
-              <a:rPr lang="fr-FR" dirty="0"/>
-              <a:t>, qui va permettre de générer des commandes qui vont être passé à l’</a:t>
+              <a:t>receiver</a:t>
+            </a:r>
+            <a:r>
+              <a:rPr lang="fr-FR" dirty="0"/>
+              <a:t>.&lt;CLIC&gt;</a:t>
+            </a:r>
+            <a:br>
+              <a:rPr lang="fr-FR" dirty="0"/>
+            </a:br>
+            <a:r>
+              <a:rPr lang="fr-FR" dirty="0"/>
+              <a:t>Enfin la partie en charge de l’</a:t>
+            </a:r>
+            <a:r>
+              <a:rPr lang="fr-FR" dirty="0" err="1"/>
+              <a:t>éxecution</a:t>
+            </a:r>
+            <a:r>
+              <a:rPr lang="fr-FR" dirty="0"/>
+              <a:t>, de la réception et de l’enregistrement l’</a:t>
             </a:r>
             <a:r>
               <a:rPr lang="fr-FR" dirty="0" err="1"/>
@@ -3920,21 +3848,93 @@
             </a:r>
           </a:p>
           <a:p>
-            <a:r>
-              <a:rPr lang="fr-FR" dirty="0"/>
-              <a:t>Et qui feront bouger notre personnage, le </a:t>
+            <a:endParaRPr lang="fr-FR" dirty="0"/>
+          </a:p>
+          <a:p>
+            <a:br>
+              <a:rPr lang="fr-FR" dirty="0"/>
+            </a:br>
+            <a:r>
+              <a:rPr lang="fr-FR" dirty="0"/>
+              <a:t>Ici on voit qu’il y’a deux liens entre l’</a:t>
             </a:r>
             <a:r>
               <a:rPr lang="fr-FR" dirty="0" err="1"/>
-              <a:t>receiver</a:t>
-            </a:r>
-            <a:r>
-              <a:rPr lang="fr-FR" dirty="0"/>
-              <a:t>, ici représenté sous la forme de Charlie.&lt;CLIC&gt;</a:t>
-            </a:r>
-          </a:p>
-          <a:p>
-            <a:endParaRPr lang="fr-FR" dirty="0"/>
+              <a:t>invoker</a:t>
+            </a:r>
+            <a:r>
+              <a:rPr lang="fr-FR" dirty="0"/>
+              <a:t> et l’interface </a:t>
+            </a:r>
+            <a:r>
+              <a:rPr lang="fr-FR" dirty="0" err="1"/>
+              <a:t>Icommand</a:t>
+            </a:r>
+            <a:r>
+              <a:rPr lang="fr-FR" dirty="0"/>
+              <a:t>.</a:t>
+            </a:r>
+            <a:br>
+              <a:rPr lang="fr-FR" dirty="0"/>
+            </a:br>
+            <a:r>
+              <a:rPr lang="fr-FR" dirty="0"/>
+              <a:t>Ce n’est pas un impératif mais </a:t>
+            </a:r>
+            <a:r>
+              <a:rPr lang="fr-FR" dirty="0" err="1"/>
+              <a:t>grace</a:t>
+            </a:r>
+            <a:r>
+              <a:rPr lang="fr-FR" dirty="0"/>
+              <a:t> à cela je vais pouvoir annuler et répéter les </a:t>
+            </a:r>
+            <a:r>
+              <a:rPr lang="fr-FR" dirty="0" err="1"/>
+              <a:t>commands</a:t>
+            </a:r>
+            <a:r>
+              <a:rPr lang="fr-FR" dirty="0"/>
+              <a:t>.</a:t>
+            </a:r>
+            <a:br>
+              <a:rPr lang="fr-FR" dirty="0"/>
+            </a:br>
+            <a:r>
+              <a:rPr lang="fr-FR" dirty="0"/>
+              <a:t>La pile </a:t>
+            </a:r>
+            <a:r>
+              <a:rPr lang="fr-FR" dirty="0" err="1"/>
+              <a:t>commands</a:t>
+            </a:r>
+            <a:r>
+              <a:rPr lang="fr-FR" dirty="0"/>
+              <a:t> désigne toutes les commandes </a:t>
+            </a:r>
+            <a:r>
+              <a:rPr lang="fr-FR" dirty="0" err="1"/>
+              <a:t>éfféctuées</a:t>
+            </a:r>
+            <a:r>
+              <a:rPr lang="fr-FR" dirty="0"/>
+              <a:t> qui ont réussie.</a:t>
+            </a:r>
+            <a:br>
+              <a:rPr lang="fr-FR" dirty="0"/>
+            </a:br>
+            <a:r>
+              <a:rPr lang="fr-FR" dirty="0"/>
+              <a:t>La pile </a:t>
+            </a:r>
+            <a:r>
+              <a:rPr lang="fr-FR" dirty="0" err="1"/>
+              <a:t>redo</a:t>
+            </a:r>
+            <a:r>
+              <a:rPr lang="fr-FR" dirty="0"/>
+              <a:t> désigne toutes les commandes possibles à répéter.</a:t>
+            </a:r>
           </a:p>
           <a:p>
             <a:endParaRPr lang="fr-FR" dirty="0"/>
@@ -3958,7 +3958,7 @@
           <a:p>
             <a:fld id="{0F623F77-0DF6-458C-940E-CB4AE400DBA8}" type="slidenum">
               <a:rPr lang="fr-FR" smtClean="0"/>
-              <a:t>13</a:t>
+              <a:t>12</a:t>
             </a:fld>
             <a:endParaRPr lang="fr-FR"/>
           </a:p>
@@ -3967,7 +3967,7 @@
     </p:spTree>
     <p:extLst>
       <p:ext uri="{BB962C8B-B14F-4D97-AF65-F5344CB8AC3E}">
-        <p14:creationId xmlns:p14="http://schemas.microsoft.com/office/powerpoint/2010/main" val="1803359651"/>
+        <p14:creationId xmlns:p14="http://schemas.microsoft.com/office/powerpoint/2010/main" val="3228353704"/>
       </p:ext>
     </p:extLst>
   </p:cSld>
@@ -4023,14 +4023,7 @@
           <a:p>
             <a:r>
               <a:rPr lang="fr-FR" dirty="0"/>
-              <a:t>Pour vous donner un ordre d’idée voici un peu comment va se dérouler la séquence de notre programme</a:t>
-            </a:r>
-            <a:br>
-              <a:rPr lang="fr-FR" dirty="0"/>
-            </a:br>
-            <a:r>
-              <a:rPr lang="fr-FR" dirty="0"/>
-              <a:t>pour une commande aller à gauche de 3 cases</a:t>
+              <a:t>Pour appliquer le concept du pattern commande,</a:t>
             </a:r>
           </a:p>
           <a:p>
@@ -4039,71 +4032,15 @@
           <a:p>
             <a:r>
               <a:rPr lang="fr-FR" dirty="0"/>
-              <a:t>L’utilisateur en cliquant va donc générer une commande qui sera passer en paramètre d’une fonction </a:t>
+              <a:t>J’ai générer un projet </a:t>
             </a:r>
             <a:r>
               <a:rPr lang="fr-FR" dirty="0" err="1"/>
-              <a:t>ExecuterCommande</a:t>
-            </a:r>
-            <a:r>
-              <a:rPr lang="fr-FR" dirty="0"/>
-              <a:t> à l’</a:t>
-            </a:r>
-            <a:r>
-              <a:rPr lang="fr-FR" dirty="0" err="1"/>
-              <a:t>Invoker</a:t>
-            </a:r>
-            <a:r>
-              <a:rPr lang="fr-FR" dirty="0"/>
-              <a:t>, </a:t>
-            </a:r>
-            <a:br>
-              <a:rPr lang="fr-FR" dirty="0"/>
-            </a:br>
-            <a:r>
-              <a:rPr lang="fr-FR" dirty="0"/>
-              <a:t>C’est cette même commande qui va être </a:t>
-            </a:r>
-            <a:r>
-              <a:rPr lang="fr-FR" dirty="0" err="1"/>
-              <a:t>éxécuté</a:t>
-            </a:r>
-            <a:r>
-              <a:rPr lang="fr-FR" dirty="0"/>
-              <a:t> par ce dernier.</a:t>
-            </a:r>
-            <a:br>
-              <a:rPr lang="fr-FR" dirty="0"/>
-            </a:br>
-            <a:br>
-              <a:rPr lang="fr-FR" dirty="0"/>
-            </a:br>
-            <a:r>
-              <a:rPr lang="fr-FR" dirty="0"/>
-              <a:t>La Command, elle va appeler la méthode </a:t>
-            </a:r>
-            <a:r>
-              <a:rPr lang="fr-FR" dirty="0" err="1"/>
-              <a:t>AllerAGauche</a:t>
-            </a:r>
-            <a:r>
-              <a:rPr lang="fr-FR" dirty="0"/>
-              <a:t> de </a:t>
-            </a:r>
-            <a:r>
-              <a:rPr lang="fr-FR" dirty="0" err="1"/>
-              <a:t>charlie</a:t>
-            </a:r>
-            <a:r>
-              <a:rPr lang="fr-FR" dirty="0"/>
-              <a:t> pour le faire bouger de trois pas…</a:t>
-            </a:r>
-            <a:br>
-              <a:rPr lang="fr-FR" dirty="0"/>
-            </a:br>
-            <a:r>
-              <a:rPr lang="fr-FR" dirty="0"/>
-              <a:t>Le retour de cette commande sera retransmis jusqu’à l’</a:t>
+              <a:t>winform</a:t>
+            </a:r>
+            <a:r>
+              <a:rPr lang="fr-FR" dirty="0"/>
+              <a:t>, qui va permettre de générer des commandes qui vont être passé à l’</a:t>
             </a:r>
             <a:r>
               <a:rPr lang="fr-FR" dirty="0" err="1"/>
@@ -4111,8 +4048,28 @@
             </a:r>
             <a:r>
               <a:rPr lang="fr-FR" dirty="0"/>
-              <a:t> qui videra la pile de répétition et ajoutera la commande dans la pile des commandes annulable.</a:t>
-            </a:r>
+              <a:t>,&lt;CLIC&gt;</a:t>
+            </a:r>
+          </a:p>
+          <a:p>
+            <a:r>
+              <a:rPr lang="fr-FR" dirty="0"/>
+              <a:t>Et qui feront bouger notre personnage, le </a:t>
+            </a:r>
+            <a:r>
+              <a:rPr lang="fr-FR" dirty="0" err="1"/>
+              <a:t>receiver</a:t>
+            </a:r>
+            <a:r>
+              <a:rPr lang="fr-FR" dirty="0"/>
+              <a:t>, ici représenté sous la forme de Charlie.&lt;CLIC&gt;</a:t>
+            </a:r>
+          </a:p>
+          <a:p>
+            <a:endParaRPr lang="fr-FR" dirty="0"/>
+          </a:p>
+          <a:p>
+            <a:endParaRPr lang="fr-FR" dirty="0"/>
           </a:p>
         </p:txBody>
       </p:sp>
@@ -4133,7 +4090,7 @@
           <a:p>
             <a:fld id="{0F623F77-0DF6-458C-940E-CB4AE400DBA8}" type="slidenum">
               <a:rPr lang="fr-FR" smtClean="0"/>
-              <a:t>14</a:t>
+              <a:t>13</a:t>
             </a:fld>
             <a:endParaRPr lang="fr-FR"/>
           </a:p>
@@ -4142,7 +4099,7 @@
     </p:spTree>
     <p:extLst>
       <p:ext uri="{BB962C8B-B14F-4D97-AF65-F5344CB8AC3E}">
-        <p14:creationId xmlns:p14="http://schemas.microsoft.com/office/powerpoint/2010/main" val="495991704"/>
+        <p14:creationId xmlns:p14="http://schemas.microsoft.com/office/powerpoint/2010/main" val="1803359651"/>
       </p:ext>
     </p:extLst>
   </p:cSld>
@@ -4198,7 +4155,72 @@
           <a:p>
             <a:r>
               <a:rPr lang="fr-FR" dirty="0"/>
-              <a:t>Le bouton « En route </a:t>
+              <a:t>Pour vous donner un ordre d’idée voici un peu comment va se dérouler la séquence de notre programme</a:t>
+            </a:r>
+            <a:br>
+              <a:rPr lang="fr-FR" dirty="0"/>
+            </a:br>
+            <a:r>
+              <a:rPr lang="fr-FR" dirty="0"/>
+              <a:t>pour une commande aller à gauche de 3 cases</a:t>
+            </a:r>
+          </a:p>
+          <a:p>
+            <a:endParaRPr lang="fr-FR" dirty="0"/>
+          </a:p>
+          <a:p>
+            <a:r>
+              <a:rPr lang="fr-FR" dirty="0"/>
+              <a:t>L’utilisateur en cliquant va donc générer une commande qui sera passer en paramètre d’une fonction </a:t>
+            </a:r>
+            <a:r>
+              <a:rPr lang="fr-FR" dirty="0" err="1"/>
+              <a:t>ExecuterCommande</a:t>
+            </a:r>
+            <a:r>
+              <a:rPr lang="fr-FR" dirty="0"/>
+              <a:t> à l’</a:t>
+            </a:r>
+            <a:r>
+              <a:rPr lang="fr-FR" dirty="0" err="1"/>
+              <a:t>Invoker</a:t>
+            </a:r>
+            <a:r>
+              <a:rPr lang="fr-FR" dirty="0"/>
+              <a:t>, </a:t>
+            </a:r>
+            <a:br>
+              <a:rPr lang="fr-FR" dirty="0"/>
+            </a:br>
+            <a:r>
+              <a:rPr lang="fr-FR" dirty="0"/>
+              <a:t>C’est cette même commande qui va être </a:t>
+            </a:r>
+            <a:r>
+              <a:rPr lang="fr-FR" dirty="0" err="1"/>
+              <a:t>éxécuté</a:t>
+            </a:r>
+            <a:r>
+              <a:rPr lang="fr-FR" dirty="0"/>
+              <a:t> par ce dernier.</a:t>
+            </a:r>
+            <a:br>
+              <a:rPr lang="fr-FR" dirty="0"/>
+            </a:br>
+            <a:br>
+              <a:rPr lang="fr-FR" dirty="0"/>
+            </a:br>
+            <a:r>
+              <a:rPr lang="fr-FR" dirty="0"/>
+              <a:t>La Command, elle va appeler la méthode </a:t>
+            </a:r>
+            <a:r>
+              <a:rPr lang="fr-FR" dirty="0" err="1"/>
+              <a:t>AllerAGauche</a:t>
+            </a:r>
+            <a:r>
+              <a:rPr lang="fr-FR" dirty="0"/>
+              <a:t> de </a:t>
             </a:r>
             <a:r>
               <a:rPr lang="fr-FR" dirty="0" err="1"/>
@@ -4206,13 +4228,14 @@
             </a:r>
             <a:r>
               <a:rPr lang="fr-FR" dirty="0"/>
-              <a:t> » va générer une commande qui sera différente en fonction du bouton radio cochée.&lt;CLIC&gt;</a:t>
-            </a:r>
-          </a:p>
-          <a:p>
-            <a:r>
-              <a:rPr lang="fr-FR" dirty="0"/>
-              <a:t>Cette commande sera passé à notre </a:t>
+              <a:t> pour le faire bouger de trois pas…</a:t>
+            </a:r>
+            <a:br>
+              <a:rPr lang="fr-FR" dirty="0"/>
+            </a:br>
+            <a:r>
+              <a:rPr lang="fr-FR" dirty="0"/>
+              <a:t>Le retour de cette commande sera retransmis jusqu’à l’</a:t>
             </a:r>
             <a:r>
               <a:rPr lang="fr-FR" dirty="0" err="1"/>
@@ -4220,60 +4243,8 @@
             </a:r>
             <a:r>
               <a:rPr lang="fr-FR" dirty="0"/>
-              <a:t> qui à été instancié dans le constructeur de la </a:t>
-            </a:r>
-            <a:r>
-              <a:rPr lang="fr-FR" dirty="0" err="1"/>
-              <a:t>form</a:t>
-            </a:r>
-            <a:r>
-              <a:rPr lang="fr-FR" dirty="0"/>
-              <a:t>.</a:t>
-            </a:r>
-          </a:p>
-          <a:p>
-            <a:endParaRPr lang="fr-FR" dirty="0"/>
-          </a:p>
-          <a:p>
-            <a:r>
-              <a:rPr lang="fr-FR" dirty="0"/>
-              <a:t>Pour correspondre au diagramme de séquence de la précédente diapositive on va considérer que le commande qui sera envoyé pour </a:t>
-            </a:r>
-            <a:r>
-              <a:rPr lang="fr-FR" dirty="0" err="1"/>
-              <a:t>éxécution</a:t>
-            </a:r>
-            <a:r>
-              <a:rPr lang="fr-FR" dirty="0"/>
-              <a:t> à notre </a:t>
-            </a:r>
-            <a:r>
-              <a:rPr lang="fr-FR" dirty="0" err="1"/>
-              <a:t>Invoker</a:t>
-            </a:r>
-            <a:r>
-              <a:rPr lang="fr-FR" dirty="0"/>
-              <a:t> sera</a:t>
-            </a:r>
-          </a:p>
-          <a:p>
-            <a:r>
-              <a:rPr lang="fr-FR" dirty="0"/>
-              <a:t>La commande Aller à gauche de 3 pas.&lt;CLIC&gt;</a:t>
-            </a:r>
-            <a:br>
-              <a:rPr lang="fr-FR" dirty="0"/>
-            </a:br>
-            <a:br>
-              <a:rPr lang="fr-FR" dirty="0"/>
-            </a:br>
-            <a:r>
-              <a:rPr lang="fr-FR" dirty="0"/>
-              <a:t>Puis-je passer à la suite ? </a:t>
-            </a:r>
-          </a:p>
-          <a:p>
-            <a:endParaRPr lang="fr-FR" dirty="0"/>
+              <a:t> qui videra la pile de répétition et ajoutera la commande dans la pile des commandes annulable.</a:t>
+            </a:r>
           </a:p>
         </p:txBody>
       </p:sp>
@@ -4294,7 +4265,7 @@
           <a:p>
             <a:fld id="{0F623F77-0DF6-458C-940E-CB4AE400DBA8}" type="slidenum">
               <a:rPr lang="fr-FR" smtClean="0"/>
-              <a:t>15</a:t>
+              <a:t>14</a:t>
             </a:fld>
             <a:endParaRPr lang="fr-FR"/>
           </a:p>
@@ -4303,7 +4274,7 @@
     </p:spTree>
     <p:extLst>
       <p:ext uri="{BB962C8B-B14F-4D97-AF65-F5344CB8AC3E}">
-        <p14:creationId xmlns:p14="http://schemas.microsoft.com/office/powerpoint/2010/main" val="3108979854"/>
+        <p14:creationId xmlns:p14="http://schemas.microsoft.com/office/powerpoint/2010/main" val="495991704"/>
       </p:ext>
     </p:extLst>
   </p:cSld>
@@ -4359,7 +4330,37 @@
           <a:p>
             <a:r>
               <a:rPr lang="fr-FR" dirty="0"/>
-              <a:t>Comme vu dans le diagramme de séquence on va venir exécuter la commande qui déplacera Charlie à gauche de 3 pas.</a:t>
+              <a:t>Le bouton « En route </a:t>
+            </a:r>
+            <a:r>
+              <a:rPr lang="fr-FR" dirty="0" err="1"/>
+              <a:t>charlie</a:t>
+            </a:r>
+            <a:r>
+              <a:rPr lang="fr-FR" dirty="0"/>
+              <a:t> » va générer une commande qui sera différente en fonction du bouton radio cochée.&lt;CLIC&gt;</a:t>
+            </a:r>
+          </a:p>
+          <a:p>
+            <a:r>
+              <a:rPr lang="fr-FR" dirty="0"/>
+              <a:t>Cette commande sera passé à notre </a:t>
+            </a:r>
+            <a:r>
+              <a:rPr lang="fr-FR" dirty="0" err="1"/>
+              <a:t>invoker</a:t>
+            </a:r>
+            <a:r>
+              <a:rPr lang="fr-FR" dirty="0"/>
+              <a:t> qui à été instancié dans le constructeur de la </a:t>
+            </a:r>
+            <a:r>
+              <a:rPr lang="fr-FR" dirty="0" err="1"/>
+              <a:t>form</a:t>
+            </a:r>
+            <a:r>
+              <a:rPr lang="fr-FR" dirty="0"/>
+              <a:t>.</a:t>
             </a:r>
           </a:p>
           <a:p>
@@ -4368,55 +4369,43 @@
           <a:p>
             <a:r>
               <a:rPr lang="fr-FR" dirty="0"/>
-              <a:t>Si la commande s’est bien exécutée </a:t>
+              <a:t>Pour correspondre au diagramme de séquence de la précédente diapositive on va considérer que le commande qui sera envoyé pour </a:t>
+            </a:r>
+            <a:r>
+              <a:rPr lang="fr-FR" dirty="0" err="1"/>
+              <a:t>éxécution</a:t>
+            </a:r>
+            <a:r>
+              <a:rPr lang="fr-FR" dirty="0"/>
+              <a:t> à notre </a:t>
+            </a:r>
+            <a:r>
+              <a:rPr lang="fr-FR" dirty="0" err="1"/>
+              <a:t>Invoker</a:t>
+            </a:r>
+            <a:r>
+              <a:rPr lang="fr-FR" dirty="0"/>
+              <a:t> sera</a:t>
+            </a:r>
+          </a:p>
+          <a:p>
+            <a:r>
+              <a:rPr lang="fr-FR" dirty="0"/>
+              <a:t>La commande Aller à gauche de 3 pas.&lt;CLIC&gt;</a:t>
             </a:r>
             <a:br>
               <a:rPr lang="fr-FR" dirty="0"/>
             </a:br>
-            <a:r>
-              <a:rPr lang="fr-FR" dirty="0"/>
-              <a:t>plus de retour en arrière possible la liste de répétition est vidée.</a:t>
-            </a:r>
-          </a:p>
-          <a:p>
-            <a:r>
-              <a:rPr lang="fr-FR" dirty="0"/>
-              <a:t>Puis on vient ajouter à la liste des commandes,</a:t>
+            <a:br>
+              <a:rPr lang="fr-FR" dirty="0"/>
+            </a:br>
+            <a:r>
+              <a:rPr lang="fr-FR" dirty="0"/>
+              <a:t>Puis-je passer à la suite ? </a:t>
             </a:r>
           </a:p>
           <a:p>
             <a:endParaRPr lang="fr-FR" dirty="0"/>
-          </a:p>
-          <a:p>
-            <a:r>
-              <a:rPr lang="fr-FR" dirty="0"/>
-              <a:t>Par ailleurs ceci est un choix mais les collections </a:t>
-            </a:r>
-            <a:r>
-              <a:rPr lang="fr-FR" dirty="0" err="1"/>
-              <a:t>commands</a:t>
-            </a:r>
-            <a:r>
-              <a:rPr lang="fr-FR" dirty="0"/>
-              <a:t> et </a:t>
-            </a:r>
-            <a:r>
-              <a:rPr lang="fr-FR" dirty="0" err="1"/>
-              <a:t>redo</a:t>
-            </a:r>
-            <a:r>
-              <a:rPr lang="fr-FR" dirty="0"/>
-              <a:t> sont des piles LIFO (Last In First Out) représenté par la classe générique Stack</a:t>
-            </a:r>
-          </a:p>
-          <a:p>
-            <a:br>
-              <a:rPr lang="fr-FR" dirty="0"/>
-            </a:br>
-            <a:r>
-              <a:rPr lang="fr-FR" dirty="0"/>
-              <a:t> </a:t>
-            </a:r>
           </a:p>
         </p:txBody>
       </p:sp>
@@ -4437,7 +4426,7 @@
           <a:p>
             <a:fld id="{0F623F77-0DF6-458C-940E-CB4AE400DBA8}" type="slidenum">
               <a:rPr lang="fr-FR" smtClean="0"/>
-              <a:t>16</a:t>
+              <a:t>15</a:t>
             </a:fld>
             <a:endParaRPr lang="fr-FR"/>
           </a:p>
@@ -4446,7 +4435,7 @@
     </p:spTree>
     <p:extLst>
       <p:ext uri="{BB962C8B-B14F-4D97-AF65-F5344CB8AC3E}">
-        <p14:creationId xmlns:p14="http://schemas.microsoft.com/office/powerpoint/2010/main" val="2668354066"/>
+        <p14:creationId xmlns:p14="http://schemas.microsoft.com/office/powerpoint/2010/main" val="3108979854"/>
       </p:ext>
     </p:extLst>
   </p:cSld>
@@ -4502,31 +4491,63 @@
           <a:p>
             <a:r>
               <a:rPr lang="fr-FR" dirty="0"/>
-              <a:t>Pour savoir si la commande s’</a:t>
+              <a:t>Comme vu dans le diagramme de séquence on va venir exécuter la commande qui déplacera Charlie à gauche de 3 pas.</a:t>
+            </a:r>
+          </a:p>
+          <a:p>
+            <a:endParaRPr lang="fr-FR" dirty="0"/>
+          </a:p>
+          <a:p>
+            <a:r>
+              <a:rPr lang="fr-FR" dirty="0"/>
+              <a:t>Si la commande s’est bien exécutée </a:t>
+            </a:r>
+            <a:br>
+              <a:rPr lang="fr-FR" dirty="0"/>
+            </a:br>
+            <a:r>
+              <a:rPr lang="fr-FR" dirty="0"/>
+              <a:t>plus de retour en arrière possible la liste de répétition est vidée.</a:t>
+            </a:r>
+          </a:p>
+          <a:p>
+            <a:r>
+              <a:rPr lang="fr-FR" dirty="0"/>
+              <a:t>Puis on vient ajouter à la liste des commandes,</a:t>
+            </a:r>
+          </a:p>
+          <a:p>
+            <a:endParaRPr lang="fr-FR" dirty="0"/>
+          </a:p>
+          <a:p>
+            <a:r>
+              <a:rPr lang="fr-FR" dirty="0"/>
+              <a:t>Par ailleurs ceci est un choix mais les collections </a:t>
             </a:r>
             <a:r>
               <a:rPr lang="fr-FR" dirty="0" err="1"/>
-              <a:t>execute</a:t>
-            </a:r>
-            <a:r>
-              <a:rPr lang="fr-FR" dirty="0"/>
-              <a:t> bien on retourne ce que nous renverra notre </a:t>
+              <a:t>commands</a:t>
+            </a:r>
+            <a:r>
+              <a:rPr lang="fr-FR" dirty="0"/>
+              <a:t> et </a:t>
             </a:r>
             <a:r>
               <a:rPr lang="fr-FR" dirty="0" err="1"/>
-              <a:t>receiver</a:t>
-            </a:r>
-            <a:r>
-              <a:rPr lang="fr-FR" dirty="0"/>
-              <a:t>, </a:t>
-            </a:r>
-            <a:r>
-              <a:rPr lang="fr-FR" dirty="0" err="1"/>
-              <a:t>charlie</a:t>
-            </a:r>
-            <a:r>
-              <a:rPr lang="fr-FR" dirty="0"/>
-              <a:t>, lorsqu’on lui demandera de se déplacer à gauche de 3 pas</a:t>
+              <a:t>redo</a:t>
+            </a:r>
+            <a:r>
+              <a:rPr lang="fr-FR" dirty="0"/>
+              <a:t> sont des piles LIFO (Last In First Out) représenté par la classe générique Stack</a:t>
+            </a:r>
+          </a:p>
+          <a:p>
+            <a:br>
+              <a:rPr lang="fr-FR" dirty="0"/>
+            </a:br>
+            <a:r>
+              <a:rPr lang="fr-FR" dirty="0"/>
+              <a:t> </a:t>
             </a:r>
           </a:p>
         </p:txBody>
@@ -4548,7 +4569,7 @@
           <a:p>
             <a:fld id="{0F623F77-0DF6-458C-940E-CB4AE400DBA8}" type="slidenum">
               <a:rPr lang="fr-FR" smtClean="0"/>
-              <a:t>17</a:t>
+              <a:t>16</a:t>
             </a:fld>
             <a:endParaRPr lang="fr-FR"/>
           </a:p>
@@ -4557,7 +4578,7 @@
     </p:spTree>
     <p:extLst>
       <p:ext uri="{BB962C8B-B14F-4D97-AF65-F5344CB8AC3E}">
-        <p14:creationId xmlns:p14="http://schemas.microsoft.com/office/powerpoint/2010/main" val="3490859796"/>
+        <p14:creationId xmlns:p14="http://schemas.microsoft.com/office/powerpoint/2010/main" val="2668354066"/>
       </p:ext>
     </p:extLst>
   </p:cSld>
@@ -4613,7 +4634,31 @@
           <a:p>
             <a:r>
               <a:rPr lang="fr-FR" dirty="0"/>
-              <a:t>Et enfin dernier étage de notre séquence voici le code coté personnage.</a:t>
+              <a:t>Pour savoir si la commande s’</a:t>
+            </a:r>
+            <a:r>
+              <a:rPr lang="fr-FR" dirty="0" err="1"/>
+              <a:t>execute</a:t>
+            </a:r>
+            <a:r>
+              <a:rPr lang="fr-FR" dirty="0"/>
+              <a:t> bien on retourne ce que nous renverra notre </a:t>
+            </a:r>
+            <a:r>
+              <a:rPr lang="fr-FR" dirty="0" err="1"/>
+              <a:t>receiver</a:t>
+            </a:r>
+            <a:r>
+              <a:rPr lang="fr-FR" dirty="0"/>
+              <a:t>, </a:t>
+            </a:r>
+            <a:r>
+              <a:rPr lang="fr-FR" dirty="0" err="1"/>
+              <a:t>charlie</a:t>
+            </a:r>
+            <a:r>
+              <a:rPr lang="fr-FR" dirty="0"/>
+              <a:t>, lorsqu’on lui demandera de se déplacer à gauche de 3 pas</a:t>
             </a:r>
           </a:p>
         </p:txBody>
@@ -4635,7 +4680,7 @@
           <a:p>
             <a:fld id="{0F623F77-0DF6-458C-940E-CB4AE400DBA8}" type="slidenum">
               <a:rPr lang="fr-FR" smtClean="0"/>
-              <a:t>18</a:t>
+              <a:t>17</a:t>
             </a:fld>
             <a:endParaRPr lang="fr-FR"/>
           </a:p>
@@ -4644,7 +4689,7 @@
     </p:spTree>
     <p:extLst>
       <p:ext uri="{BB962C8B-B14F-4D97-AF65-F5344CB8AC3E}">
-        <p14:creationId xmlns:p14="http://schemas.microsoft.com/office/powerpoint/2010/main" val="2370010413"/>
+        <p14:creationId xmlns:p14="http://schemas.microsoft.com/office/powerpoint/2010/main" val="3490859796"/>
       </p:ext>
     </p:extLst>
   </p:cSld>
@@ -4700,122 +4745,8 @@
           <a:p>
             <a:r>
               <a:rPr lang="fr-FR" dirty="0"/>
-              <a:t>Voici la liste des différents avantages et inconvénients du pattern command.</a:t>
-            </a:r>
-            <a:br>
-              <a:rPr lang="fr-FR" dirty="0"/>
-            </a:br>
-            <a:br>
-              <a:rPr lang="fr-FR" dirty="0"/>
-            </a:br>
-            <a:r>
-              <a:rPr lang="fr-FR" dirty="0"/>
-              <a:t>En premier avantage on notera le premier principe SOLID a savoir le principe de responsabilité unique&lt;CLIC&gt;,</a:t>
-            </a:r>
-          </a:p>
-          <a:p>
-            <a:r>
-              <a:rPr lang="fr-FR" dirty="0"/>
-              <a:t>Avec le pattern command on sépare les classe qui invoque les opérations des classes qui les effectuent.</a:t>
-            </a:r>
-            <a:br>
-              <a:rPr lang="fr-FR" dirty="0"/>
-            </a:br>
-            <a:br>
-              <a:rPr lang="fr-FR" dirty="0"/>
-            </a:br>
-            <a:r>
-              <a:rPr lang="fr-FR" dirty="0"/>
-              <a:t>En deuxième avantage se sera la deuxième lettre du principe SOLID, le principe d’ouverture et de fermeture&lt;CLIC&gt;,</a:t>
-            </a:r>
-          </a:p>
-          <a:p>
-            <a:r>
-              <a:rPr lang="fr-FR" dirty="0"/>
-              <a:t>Grace à ce pattern il sera possible d’</a:t>
-            </a:r>
-            <a:r>
-              <a:rPr lang="fr-FR" dirty="0" err="1"/>
-              <a:t>impléménter</a:t>
-            </a:r>
-            <a:r>
-              <a:rPr lang="fr-FR" dirty="0"/>
-              <a:t> de nouvelle commandes dans nos solutions sans en modifier le contenu existant.</a:t>
-            </a:r>
-          </a:p>
-          <a:p>
-            <a:endParaRPr lang="fr-FR" dirty="0"/>
-          </a:p>
-          <a:p>
-            <a:r>
-              <a:rPr lang="fr-FR" dirty="0"/>
-              <a:t>On peut implémenter des fonctionnalités telles qu’annuler ou rétablir&lt;CLIC&gt;</a:t>
-            </a:r>
-          </a:p>
-          <a:p>
-            <a:endParaRPr lang="fr-FR" dirty="0"/>
-          </a:p>
-          <a:p>
-            <a:r>
-              <a:rPr lang="fr-FR" dirty="0"/>
-              <a:t>Cela permet de différer l’</a:t>
-            </a:r>
-            <a:r>
-              <a:rPr lang="fr-FR" dirty="0" err="1"/>
-              <a:t>éxécution</a:t>
-            </a:r>
-            <a:r>
-              <a:rPr lang="fr-FR" dirty="0"/>
-              <a:t> de nos traitement &lt;CLIC&gt;</a:t>
-            </a:r>
-          </a:p>
-          <a:p>
-            <a:endParaRPr lang="fr-FR" dirty="0"/>
-          </a:p>
-          <a:p>
-            <a:r>
-              <a:rPr lang="fr-FR" dirty="0"/>
-              <a:t>On peut également assembler plusieurs commandes simples en une commande plus complexe&lt;CLIC&gt;</a:t>
-            </a:r>
-          </a:p>
-          <a:p>
-            <a:endParaRPr lang="fr-FR" dirty="0"/>
-          </a:p>
-          <a:p>
-            <a:r>
-              <a:rPr lang="fr-FR" dirty="0"/>
-              <a:t>Toutefois tout ces apports se font au prix d’un inconvénient,</a:t>
-            </a:r>
-          </a:p>
-          <a:p>
-            <a:endParaRPr lang="fr-FR" dirty="0"/>
-          </a:p>
-          <a:p>
-            <a:r>
-              <a:rPr lang="fr-FR" dirty="0"/>
-              <a:t>Le pattern Command complexifie le code en ajoutant une couche supplémentaire entre les demandeurs et les récepteurs&lt;CLIC&gt;</a:t>
-            </a:r>
-          </a:p>
-          <a:p>
-            <a:endParaRPr lang="fr-FR" dirty="0"/>
-          </a:p>
-          <a:p>
-            <a:r>
-              <a:rPr lang="fr-FR" dirty="0"/>
-              <a:t>Avant que je ne passe au pattern Memento auriez vous des questions?</a:t>
-            </a:r>
-          </a:p>
-          <a:p>
-            <a:endParaRPr lang="fr-FR" dirty="0"/>
-          </a:p>
-          <a:p>
-            <a:br>
-              <a:rPr lang="fr-FR" dirty="0"/>
-            </a:br>
-            <a:br>
-              <a:rPr lang="fr-FR" dirty="0"/>
-            </a:br>
-            <a:endParaRPr lang="fr-FR" dirty="0"/>
+              <a:t>Et enfin dernier étage de notre séquence voici le code coté personnage.</a:t>
+            </a:r>
           </a:p>
         </p:txBody>
       </p:sp>
@@ -4836,7 +4767,7 @@
           <a:p>
             <a:fld id="{0F623F77-0DF6-458C-940E-CB4AE400DBA8}" type="slidenum">
               <a:rPr lang="fr-FR" smtClean="0"/>
-              <a:t>19</a:t>
+              <a:t>18</a:t>
             </a:fld>
             <a:endParaRPr lang="fr-FR"/>
           </a:p>
@@ -4845,7 +4776,7 @@
     </p:spTree>
     <p:extLst>
       <p:ext uri="{BB962C8B-B14F-4D97-AF65-F5344CB8AC3E}">
-        <p14:creationId xmlns:p14="http://schemas.microsoft.com/office/powerpoint/2010/main" val="850988389"/>
+        <p14:creationId xmlns:p14="http://schemas.microsoft.com/office/powerpoint/2010/main" val="2370010413"/>
       </p:ext>
     </p:extLst>
   </p:cSld>
@@ -4899,6 +4830,107 @@
           <a:bodyPr/>
           <a:lstStyle/>
           <a:p>
+            <a:r>
+              <a:rPr lang="fr-FR" dirty="0"/>
+              <a:t>Voici la liste des différents avantages et inconvénients du pattern command.</a:t>
+            </a:r>
+            <a:br>
+              <a:rPr lang="fr-FR" dirty="0"/>
+            </a:br>
+            <a:br>
+              <a:rPr lang="fr-FR" dirty="0"/>
+            </a:br>
+            <a:r>
+              <a:rPr lang="fr-FR" dirty="0"/>
+              <a:t>En premier avantage on notera le premier principe SOLID à savoir le principe de responsabilité unique&lt;CLIC&gt;,</a:t>
+            </a:r>
+          </a:p>
+          <a:p>
+            <a:r>
+              <a:rPr lang="fr-FR" dirty="0"/>
+              <a:t>Avec le pattern command on sépare les classes qui invoque les opérations des classes qui les effectuent.</a:t>
+            </a:r>
+            <a:br>
+              <a:rPr lang="fr-FR" dirty="0"/>
+            </a:br>
+            <a:br>
+              <a:rPr lang="fr-FR" dirty="0"/>
+            </a:br>
+            <a:r>
+              <a:rPr lang="fr-FR" dirty="0"/>
+              <a:t>En deuxième avantage se sera la deuxième lettre du principe SOLID, le principe d’ouverture et de fermeture&lt;CLIC&gt;,</a:t>
+            </a:r>
+          </a:p>
+          <a:p>
+            <a:r>
+              <a:rPr lang="fr-FR" dirty="0"/>
+              <a:t>Grace à ce pattern il sera possible d’implémenter de nouvelles commandes dans nos solutions sans en modifier le contenu existant.</a:t>
+            </a:r>
+          </a:p>
+          <a:p>
+            <a:endParaRPr lang="fr-FR" dirty="0"/>
+          </a:p>
+          <a:p>
+            <a:r>
+              <a:rPr lang="fr-FR" dirty="0"/>
+              <a:t>On peut implémenter des fonctionnalités telles qu’annuler ou rétablir&lt;CLIC&gt;</a:t>
+            </a:r>
+          </a:p>
+          <a:p>
+            <a:endParaRPr lang="fr-FR" dirty="0"/>
+          </a:p>
+          <a:p>
+            <a:r>
+              <a:rPr lang="fr-FR" dirty="0"/>
+              <a:t>Cela permet de différer l’exécution de nos traitements &lt;CLIC&gt;</a:t>
+            </a:r>
+          </a:p>
+          <a:p>
+            <a:endParaRPr lang="fr-FR" dirty="0"/>
+          </a:p>
+          <a:p>
+            <a:r>
+              <a:rPr lang="fr-FR" dirty="0"/>
+              <a:t>On peut également assembler plusieurs commandes simples en une commande plus complexe&lt;CLIC&gt;</a:t>
+            </a:r>
+          </a:p>
+          <a:p>
+            <a:endParaRPr lang="fr-FR" dirty="0"/>
+          </a:p>
+          <a:p>
+            <a:r>
+              <a:rPr lang="fr-FR" dirty="0"/>
+              <a:t>Toutefois tous ces apports se font au prix d’un inconvénient,</a:t>
+            </a:r>
+          </a:p>
+          <a:p>
+            <a:endParaRPr lang="fr-FR" dirty="0"/>
+          </a:p>
+          <a:p>
+            <a:r>
+              <a:rPr lang="fr-FR" dirty="0"/>
+              <a:t>Le pattern Command complexifie le code en ajoutant une couche supplémentaire entre les demandeurs et les récepteurs&lt;CLIC&gt;</a:t>
+            </a:r>
+          </a:p>
+          <a:p>
+            <a:endParaRPr lang="fr-FR" dirty="0"/>
+          </a:p>
+          <a:p>
+            <a:r>
+              <a:rPr lang="fr-FR" dirty="0"/>
+              <a:t>Avant que je ne passe au pattern Memento auriez-vous des questions?</a:t>
+            </a:r>
+          </a:p>
+          <a:p>
+            <a:endParaRPr lang="fr-FR" dirty="0"/>
+          </a:p>
+          <a:p>
+            <a:br>
+              <a:rPr lang="fr-FR" dirty="0"/>
+            </a:br>
+            <a:br>
+              <a:rPr lang="fr-FR" dirty="0"/>
+            </a:br>
             <a:endParaRPr lang="fr-FR" dirty="0"/>
           </a:p>
         </p:txBody>
@@ -4920,7 +4952,7 @@
           <a:p>
             <a:fld id="{0F623F77-0DF6-458C-940E-CB4AE400DBA8}" type="slidenum">
               <a:rPr lang="fr-FR" smtClean="0"/>
-              <a:t>20</a:t>
+              <a:t>19</a:t>
             </a:fld>
             <a:endParaRPr lang="fr-FR"/>
           </a:p>
@@ -4929,7 +4961,7 @@
     </p:spTree>
     <p:extLst>
       <p:ext uri="{BB962C8B-B14F-4D97-AF65-F5344CB8AC3E}">
-        <p14:creationId xmlns:p14="http://schemas.microsoft.com/office/powerpoint/2010/main" val="1721767931"/>
+        <p14:creationId xmlns:p14="http://schemas.microsoft.com/office/powerpoint/2010/main" val="850988389"/>
       </p:ext>
     </p:extLst>
   </p:cSld>
@@ -4983,29 +5015,7 @@
           <a:bodyPr/>
           <a:lstStyle/>
           <a:p>
-            <a:r>
-              <a:rPr lang="fr-FR" dirty="0"/>
-              <a:t>Comme le pattern Command,</a:t>
-            </a:r>
-          </a:p>
-          <a:p>
-            <a:r>
-              <a:rPr lang="fr-FR" dirty="0"/>
-              <a:t>Le pattern Memento est un pattern qui rentre dans la catégorie des pattern comportementaux.&lt;CLIC&gt;</a:t>
-            </a:r>
-            <a:br>
-              <a:rPr lang="fr-FR" dirty="0"/>
-            </a:br>
-            <a:br>
-              <a:rPr lang="fr-FR" dirty="0"/>
-            </a:br>
-            <a:br>
-              <a:rPr lang="fr-FR" dirty="0"/>
-            </a:br>
-            <a:r>
-              <a:rPr lang="fr-FR" dirty="0"/>
-              <a:t>Et comme nous le fait comprendre son principe le pattern Memento, va consister à pourvoir mémoriser, mais également restituer l’état d’un objet.&lt;CLIC&gt;</a:t>
-            </a:r>
+            <a:endParaRPr lang="fr-FR" dirty="0"/>
           </a:p>
         </p:txBody>
       </p:sp>
@@ -5026,7 +5036,7 @@
           <a:p>
             <a:fld id="{0F623F77-0DF6-458C-940E-CB4AE400DBA8}" type="slidenum">
               <a:rPr lang="fr-FR" smtClean="0"/>
-              <a:t>21</a:t>
+              <a:t>20</a:t>
             </a:fld>
             <a:endParaRPr lang="fr-FR"/>
           </a:p>
@@ -5035,7 +5045,7 @@
     </p:spTree>
     <p:extLst>
       <p:ext uri="{BB962C8B-B14F-4D97-AF65-F5344CB8AC3E}">
-        <p14:creationId xmlns:p14="http://schemas.microsoft.com/office/powerpoint/2010/main" val="16607551"/>
+        <p14:creationId xmlns:p14="http://schemas.microsoft.com/office/powerpoint/2010/main" val="1721767931"/>
       </p:ext>
     </p:extLst>
   </p:cSld>
@@ -5089,22 +5099,6 @@
           <a:bodyPr/>
           <a:lstStyle/>
           <a:p>
-            <a:r>
-              <a:rPr lang="fr-FR" dirty="0"/>
-              <a:t>Le pattern Command, fait partie des patterns comportementaux&lt;CLIC&gt;</a:t>
-            </a:r>
-            <a:br>
-              <a:rPr lang="fr-FR" dirty="0"/>
-            </a:br>
-            <a:br>
-              <a:rPr lang="fr-FR" dirty="0"/>
-            </a:br>
-            <a:r>
-              <a:rPr lang="fr-FR" dirty="0"/>
-              <a:t>Il permet de transformer les instructions sous la forme d’objets autonomes.&lt;CLIC&gt;</a:t>
-            </a:r>
-          </a:p>
-          <a:p>
             <a:endParaRPr lang="fr-FR" dirty="0"/>
           </a:p>
         </p:txBody>
@@ -5126,7 +5120,7 @@
           <a:p>
             <a:fld id="{0F623F77-0DF6-458C-940E-CB4AE400DBA8}" type="slidenum">
               <a:rPr lang="fr-FR" smtClean="0"/>
-              <a:t>4</a:t>
+              <a:t>3</a:t>
             </a:fld>
             <a:endParaRPr lang="fr-FR"/>
           </a:p>
@@ -5135,7 +5129,7 @@
     </p:spTree>
     <p:extLst>
       <p:ext uri="{BB962C8B-B14F-4D97-AF65-F5344CB8AC3E}">
-        <p14:creationId xmlns:p14="http://schemas.microsoft.com/office/powerpoint/2010/main" val="3953560622"/>
+        <p14:creationId xmlns:p14="http://schemas.microsoft.com/office/powerpoint/2010/main" val="1064035494"/>
       </p:ext>
     </p:extLst>
   </p:cSld>
@@ -5191,105 +5185,27 @@
           <a:p>
             <a:r>
               <a:rPr lang="fr-FR" dirty="0"/>
-              <a:t>Imaginons une transaction…</a:t>
+              <a:t>Comme le pattern Command,</a:t>
+            </a:r>
+          </a:p>
+          <a:p>
+            <a:r>
+              <a:rPr lang="fr-FR" dirty="0"/>
+              <a:t>Le pattern Memento est un pattern qui rentre dans la catégorie des pattern comportementaux.&lt;CLIC&gt;</a:t>
             </a:r>
             <a:br>
               <a:rPr lang="fr-FR" dirty="0"/>
             </a:br>
-            <a:r>
-              <a:rPr lang="fr-FR" dirty="0"/>
-              <a:t>Vous avez mis un article sur </a:t>
-            </a:r>
-            <a:r>
-              <a:rPr lang="fr-FR" dirty="0" err="1"/>
-              <a:t>leboncoin</a:t>
-            </a:r>
-            <a:r>
-              <a:rPr lang="fr-FR" dirty="0"/>
-              <a:t>,</a:t>
-            </a:r>
-          </a:p>
-          <a:p>
-            <a:r>
-              <a:rPr lang="fr-FR" dirty="0" err="1"/>
-              <a:t>Intéréssé</a:t>
-            </a:r>
-            <a:r>
-              <a:rPr lang="fr-FR" dirty="0"/>
-              <a:t> Pauline vous l’</a:t>
-            </a:r>
-            <a:r>
-              <a:rPr lang="fr-FR" dirty="0" err="1"/>
-              <a:t>achéte</a:t>
-            </a:r>
-            <a:r>
-              <a:rPr lang="fr-FR" dirty="0"/>
-              <a:t> au prix convenu 200€,</a:t>
-            </a:r>
             <a:br>
               <a:rPr lang="fr-FR" dirty="0"/>
             </a:br>
-            <a:r>
-              <a:rPr lang="fr-FR" dirty="0"/>
-              <a:t>Vous lui joignez donc un RIB pour qu’elle puisse </a:t>
-            </a:r>
-            <a:r>
-              <a:rPr lang="fr-FR" dirty="0" err="1"/>
-              <a:t>éfféctué</a:t>
-            </a:r>
-            <a:r>
-              <a:rPr lang="fr-FR" dirty="0"/>
-              <a:t> le virement sur votre compte.</a:t>
-            </a:r>
             <a:br>
               <a:rPr lang="fr-FR" dirty="0"/>
             </a:br>
             <a:r>
               <a:rPr lang="fr-FR" dirty="0"/>
-              <a:t>Mais par erreur le RIB que vous lui joignez correspond à votre livret A </a:t>
-            </a:r>
-            <a:r>
-              <a:rPr lang="fr-FR" dirty="0" err="1"/>
-              <a:t>plafoné</a:t>
-            </a:r>
-            <a:r>
-              <a:rPr lang="fr-FR" dirty="0"/>
-              <a:t> a 22950€ et vous avez déjà 22900€ dessus.</a:t>
-            </a:r>
-            <a:br>
-              <a:rPr lang="fr-FR" dirty="0"/>
-            </a:br>
-            <a:r>
-              <a:rPr lang="fr-FR" dirty="0"/>
-              <a:t>La transaction commencerais par débiter Pauline,</a:t>
-            </a:r>
-          </a:p>
-          <a:p>
-            <a:r>
-              <a:rPr lang="fr-FR" dirty="0"/>
-              <a:t>Qui tomberais à 1800€,&lt;CLIC&gt;</a:t>
-            </a:r>
-          </a:p>
-          <a:p>
-            <a:r>
-              <a:rPr lang="fr-FR" dirty="0"/>
-              <a:t>Puis cela serait censé vous créditer de 200€ &lt;CLIC&gt;</a:t>
-            </a:r>
-          </a:p>
-          <a:p>
-            <a:r>
-              <a:rPr lang="fr-FR" dirty="0"/>
-              <a:t>Cependant votre plafond serait dépassé donc la banque refuse le paiement&lt;CLIC&gt;</a:t>
-            </a:r>
-          </a:p>
-          <a:p>
-            <a:endParaRPr lang="fr-FR" dirty="0"/>
-          </a:p>
-          <a:p>
-            <a:endParaRPr lang="fr-FR" dirty="0"/>
-          </a:p>
-          <a:p>
-            <a:endParaRPr lang="fr-FR" dirty="0"/>
+              <a:t>Et comme nous le fait comprendre son principe le pattern Memento, va consister à pourvoir mémoriser, mais également restituer l’état d’un objet.&lt;CLIC&gt;</a:t>
+            </a:r>
           </a:p>
         </p:txBody>
       </p:sp>
@@ -5310,7 +5226,7 @@
           <a:p>
             <a:fld id="{0F623F77-0DF6-458C-940E-CB4AE400DBA8}" type="slidenum">
               <a:rPr lang="fr-FR" smtClean="0"/>
-              <a:t>22</a:t>
+              <a:t>21</a:t>
             </a:fld>
             <a:endParaRPr lang="fr-FR"/>
           </a:p>
@@ -5319,7 +5235,7 @@
     </p:spTree>
     <p:extLst>
       <p:ext uri="{BB962C8B-B14F-4D97-AF65-F5344CB8AC3E}">
-        <p14:creationId xmlns:p14="http://schemas.microsoft.com/office/powerpoint/2010/main" val="4058686033"/>
+        <p14:creationId xmlns:p14="http://schemas.microsoft.com/office/powerpoint/2010/main" val="16607551"/>
       </p:ext>
     </p:extLst>
   </p:cSld>
@@ -5375,49 +5291,105 @@
           <a:p>
             <a:r>
               <a:rPr lang="fr-FR" dirty="0"/>
-              <a:t>A la fin de la transaction voici l’état à la fin de cette dernière</a:t>
+              <a:t>Imaginons une transaction…</a:t>
+            </a:r>
+            <a:br>
+              <a:rPr lang="fr-FR" dirty="0"/>
+            </a:br>
+            <a:r>
+              <a:rPr lang="fr-FR" dirty="0"/>
+              <a:t>Vous avez mis un article sur </a:t>
+            </a:r>
+            <a:r>
+              <a:rPr lang="fr-FR" dirty="0" err="1"/>
+              <a:t>leboncoin</a:t>
+            </a:r>
+            <a:r>
+              <a:rPr lang="fr-FR" dirty="0"/>
+              <a:t>,</a:t>
+            </a:r>
+          </a:p>
+          <a:p>
+            <a:r>
+              <a:rPr lang="fr-FR" dirty="0" err="1"/>
+              <a:t>Intéréssé</a:t>
+            </a:r>
+            <a:r>
+              <a:rPr lang="fr-FR" dirty="0"/>
+              <a:t> Pauline vous l’</a:t>
+            </a:r>
+            <a:r>
+              <a:rPr lang="fr-FR" dirty="0" err="1"/>
+              <a:t>achéte</a:t>
+            </a:r>
+            <a:r>
+              <a:rPr lang="fr-FR" dirty="0"/>
+              <a:t> au prix convenu 200€,</a:t>
+            </a:r>
+            <a:br>
+              <a:rPr lang="fr-FR" dirty="0"/>
+            </a:br>
+            <a:r>
+              <a:rPr lang="fr-FR" dirty="0"/>
+              <a:t>Vous lui joignez donc un RIB pour qu’elle puisse </a:t>
+            </a:r>
+            <a:r>
+              <a:rPr lang="fr-FR" dirty="0" err="1"/>
+              <a:t>éfféctué</a:t>
+            </a:r>
+            <a:r>
+              <a:rPr lang="fr-FR" dirty="0"/>
+              <a:t> le virement sur votre compte.</a:t>
+            </a:r>
+            <a:br>
+              <a:rPr lang="fr-FR" dirty="0"/>
+            </a:br>
+            <a:r>
+              <a:rPr lang="fr-FR" dirty="0"/>
+              <a:t>Mais par erreur le RIB que vous lui joignez correspond à votre livret A </a:t>
+            </a:r>
+            <a:r>
+              <a:rPr lang="fr-FR" dirty="0" err="1"/>
+              <a:t>plafoné</a:t>
+            </a:r>
+            <a:r>
+              <a:rPr lang="fr-FR" dirty="0"/>
+              <a:t> a 22950€ et vous avez déjà 22900€ dessus.</a:t>
+            </a:r>
+            <a:br>
+              <a:rPr lang="fr-FR" dirty="0"/>
+            </a:br>
+            <a:r>
+              <a:rPr lang="fr-FR" dirty="0"/>
+              <a:t>La transaction commencerais par débiter Pauline,</a:t>
+            </a:r>
+          </a:p>
+          <a:p>
+            <a:r>
+              <a:rPr lang="fr-FR" dirty="0"/>
+              <a:t>Qui tomberais à 1800€,&lt;CLIC&gt;</a:t>
+            </a:r>
+          </a:p>
+          <a:p>
+            <a:r>
+              <a:rPr lang="fr-FR" dirty="0"/>
+              <a:t>Puis cela serait censé vous créditer de 200€ &lt;CLIC&gt;</a:t>
+            </a:r>
+          </a:p>
+          <a:p>
+            <a:r>
+              <a:rPr lang="fr-FR" dirty="0"/>
+              <a:t>Cependant votre plafond serait dépassé donc la banque refuse le paiement&lt;CLIC&gt;</a:t>
             </a:r>
           </a:p>
           <a:p>
             <a:endParaRPr lang="fr-FR" dirty="0"/>
           </a:p>
           <a:p>
-            <a:r>
-              <a:rPr lang="fr-FR" dirty="0"/>
-              <a:t>Mais du coup, il y’a un problème ou sont passé les 200€ de Pauline?</a:t>
-            </a:r>
-          </a:p>
-          <a:p>
-            <a:r>
-              <a:rPr lang="fr-FR" dirty="0"/>
-              <a:t>Et comment les restaurer?</a:t>
-            </a:r>
-            <a:br>
-              <a:rPr lang="fr-FR" dirty="0"/>
-            </a:br>
-            <a:br>
-              <a:rPr lang="fr-FR" dirty="0"/>
-            </a:br>
-            <a:r>
-              <a:rPr lang="fr-FR" dirty="0"/>
-              <a:t>On pourrait les recréditer mais si il y’avait eu des frais supplémentaire durant la transaction par la plateforme ou la banque?</a:t>
-            </a:r>
-          </a:p>
-          <a:p>
-            <a:r>
-              <a:rPr lang="fr-FR" dirty="0"/>
-              <a:t>&lt;CLIC&gt;</a:t>
-            </a:r>
-            <a:br>
-              <a:rPr lang="fr-FR" dirty="0"/>
-            </a:br>
-            <a:br>
-              <a:rPr lang="fr-FR" dirty="0"/>
-            </a:br>
-            <a:r>
-              <a:rPr lang="fr-FR" dirty="0"/>
-              <a:t>Bref, le plus simple serait avant toute transaction d’effectuer une sauvegarde de l’état, et de pouvoir faire un retour à cet état antérieur</a:t>
-            </a:r>
+            <a:endParaRPr lang="fr-FR" dirty="0"/>
+          </a:p>
+          <a:p>
+            <a:endParaRPr lang="fr-FR" dirty="0"/>
           </a:p>
         </p:txBody>
       </p:sp>
@@ -5438,7 +5410,7 @@
           <a:p>
             <a:fld id="{0F623F77-0DF6-458C-940E-CB4AE400DBA8}" type="slidenum">
               <a:rPr lang="fr-FR" smtClean="0"/>
-              <a:t>23</a:t>
+              <a:t>22</a:t>
             </a:fld>
             <a:endParaRPr lang="fr-FR"/>
           </a:p>
@@ -5447,7 +5419,7 @@
     </p:spTree>
     <p:extLst>
       <p:ext uri="{BB962C8B-B14F-4D97-AF65-F5344CB8AC3E}">
-        <p14:creationId xmlns:p14="http://schemas.microsoft.com/office/powerpoint/2010/main" val="1125663085"/>
+        <p14:creationId xmlns:p14="http://schemas.microsoft.com/office/powerpoint/2010/main" val="4058686033"/>
       </p:ext>
     </p:extLst>
   </p:cSld>
@@ -5503,7 +5475,22 @@
           <a:p>
             <a:r>
               <a:rPr lang="fr-FR" dirty="0"/>
-              <a:t>Comment va on s’y prendre?</a:t>
+              <a:t>A la fin de la transaction voici l’état à la fin de cette dernière</a:t>
+            </a:r>
+          </a:p>
+          <a:p>
+            <a:endParaRPr lang="fr-FR" dirty="0"/>
+          </a:p>
+          <a:p>
+            <a:r>
+              <a:rPr lang="fr-FR" dirty="0"/>
+              <a:t>Mais du coup, il y’a un problème ou sont passé les 200€ de Pauline?</a:t>
+            </a:r>
+          </a:p>
+          <a:p>
+            <a:r>
+              <a:rPr lang="fr-FR" dirty="0"/>
+              <a:t>Et comment les restaurer?</a:t>
             </a:r>
             <a:br>
               <a:rPr lang="fr-FR" dirty="0"/>
@@ -5513,59 +5500,23 @@
             </a:br>
             <a:r>
               <a:rPr lang="fr-FR" dirty="0"/>
-              <a:t>Tout d’abord il nous faut un objet à sauvegarder,</a:t>
-            </a:r>
-          </a:p>
-          <a:p>
-            <a:r>
-              <a:rPr lang="fr-FR" dirty="0"/>
-              <a:t>Cet objet va être associé à un </a:t>
-            </a:r>
-            <a:r>
-              <a:rPr lang="fr-FR" dirty="0" err="1"/>
-              <a:t>Originator</a:t>
-            </a:r>
-            <a:r>
-              <a:rPr lang="fr-FR" dirty="0"/>
-              <a:t> qu’on </a:t>
-            </a:r>
-            <a:r>
-              <a:rPr lang="fr-FR" dirty="0" err="1"/>
-              <a:t>pourait</a:t>
-            </a:r>
-            <a:r>
-              <a:rPr lang="fr-FR" dirty="0"/>
-              <a:t> traduire par Créateur.&lt;CLIC&gt;</a:t>
+              <a:t>On pourrait les recréditer mais si il y’avait eu des frais supplémentaire durant la transaction par la plateforme ou la banque?</a:t>
+            </a:r>
+          </a:p>
+          <a:p>
+            <a:r>
+              <a:rPr lang="fr-FR" dirty="0"/>
+              <a:t>&lt;CLIC&gt;</a:t>
             </a:r>
             <a:br>
               <a:rPr lang="fr-FR" dirty="0"/>
             </a:br>
-            <a:r>
-              <a:rPr lang="fr-FR" dirty="0"/>
-              <a:t>Cet objet va permettre avoir deux </a:t>
-            </a:r>
-            <a:r>
-              <a:rPr lang="fr-FR" dirty="0" err="1"/>
-              <a:t>roles</a:t>
-            </a:r>
-            <a:r>
-              <a:rPr lang="fr-FR" dirty="0"/>
-              <a:t>, créer le Memento qui sera en quelque sorte la photographie de notre objet.&lt;CLIC&gt;</a:t>
-            </a:r>
             <a:br>
               <a:rPr lang="fr-FR" dirty="0"/>
             </a:br>
             <a:r>
               <a:rPr lang="fr-FR" dirty="0"/>
-              <a:t>Il aura aussi le </a:t>
-            </a:r>
-            <a:r>
-              <a:rPr lang="fr-FR" dirty="0" err="1"/>
-              <a:t>role</a:t>
-            </a:r>
-            <a:r>
-              <a:rPr lang="fr-FR" dirty="0"/>
-              <a:t> de l’écraser lorsque le Memento en fera la demande,&lt;CLIC&gt;</a:t>
+              <a:t>Bref, le plus simple serait avant toute transaction d’effectuer une sauvegarde de l’état, et de pouvoir faire un retour à cet état antérieur</a:t>
             </a:r>
           </a:p>
         </p:txBody>
@@ -5587,7 +5538,7 @@
           <a:p>
             <a:fld id="{0F623F77-0DF6-458C-940E-CB4AE400DBA8}" type="slidenum">
               <a:rPr lang="fr-FR" smtClean="0"/>
-              <a:t>24</a:t>
+              <a:t>23</a:t>
             </a:fld>
             <a:endParaRPr lang="fr-FR"/>
           </a:p>
@@ -5596,7 +5547,7 @@
     </p:spTree>
     <p:extLst>
       <p:ext uri="{BB962C8B-B14F-4D97-AF65-F5344CB8AC3E}">
-        <p14:creationId xmlns:p14="http://schemas.microsoft.com/office/powerpoint/2010/main" val="3438744350"/>
+        <p14:creationId xmlns:p14="http://schemas.microsoft.com/office/powerpoint/2010/main" val="1125663085"/>
       </p:ext>
     </p:extLst>
   </p:cSld>
@@ -5652,16 +5603,23 @@
           <a:p>
             <a:r>
               <a:rPr lang="fr-FR" dirty="0"/>
-              <a:t>Viens alors le Memento,&lt;CLIC&gt;</a:t>
-            </a:r>
-          </a:p>
-          <a:p>
-            <a:endParaRPr lang="fr-FR" dirty="0"/>
-          </a:p>
-          <a:p>
-            <a:r>
-              <a:rPr lang="fr-FR" dirty="0"/>
-              <a:t>Il est une sorte de « photographie » de notre objet prise à un instant T par l’</a:t>
+              <a:t>Comment va on s’y prendre?</a:t>
+            </a:r>
+            <a:br>
+              <a:rPr lang="fr-FR" dirty="0"/>
+            </a:br>
+            <a:br>
+              <a:rPr lang="fr-FR" dirty="0"/>
+            </a:br>
+            <a:r>
+              <a:rPr lang="fr-FR" dirty="0"/>
+              <a:t>Tout d’abord il nous faut un objet à sauvegarder,</a:t>
+            </a:r>
+          </a:p>
+          <a:p>
+            <a:r>
+              <a:rPr lang="fr-FR" dirty="0"/>
+              <a:t>Cet objet va être associé à un </a:t>
             </a:r>
             <a:r>
               <a:rPr lang="fr-FR" dirty="0" err="1"/>
@@ -5669,37 +5627,45 @@
             </a:r>
             <a:r>
               <a:rPr lang="fr-FR" dirty="0"/>
-              <a:t>.</a:t>
-            </a:r>
-          </a:p>
-          <a:p>
-            <a:endParaRPr lang="fr-FR" dirty="0"/>
-          </a:p>
-          <a:p>
+              <a:t> qu’on </a:t>
+            </a:r>
+            <a:r>
+              <a:rPr lang="fr-FR" dirty="0" err="1"/>
+              <a:t>pourait</a:t>
+            </a:r>
+            <a:r>
+              <a:rPr lang="fr-FR" dirty="0"/>
+              <a:t> traduire par Créateur.&lt;CLIC&gt;</a:t>
+            </a:r>
             <a:br>
               <a:rPr lang="fr-FR" dirty="0"/>
             </a:br>
+            <a:r>
+              <a:rPr lang="fr-FR" dirty="0"/>
+              <a:t>Cet objet va permettre avoir deux </a:t>
+            </a:r>
+            <a:r>
+              <a:rPr lang="fr-FR" dirty="0" err="1"/>
+              <a:t>roles</a:t>
+            </a:r>
+            <a:r>
+              <a:rPr lang="fr-FR" dirty="0"/>
+              <a:t>, créer le Memento qui sera en quelque sorte la photographie de notre objet.&lt;CLIC&gt;</a:t>
+            </a:r>
             <a:br>
               <a:rPr lang="fr-FR" dirty="0"/>
             </a:br>
             <a:r>
               <a:rPr lang="fr-FR" dirty="0"/>
-              <a:t>Lors de l’appel à son constructeur il créer donc une copie de l’instance de l’objet qu’on lui passe.&lt;CLIC&gt;</a:t>
-            </a:r>
-            <a:br>
-              <a:rPr lang="fr-FR" dirty="0"/>
-            </a:br>
-            <a:r>
-              <a:rPr lang="fr-FR" dirty="0"/>
-              <a:t>Et il peut également demander à l’</a:t>
+              <a:t>Il aura aussi le </a:t>
             </a:r>
             <a:r>
               <a:rPr lang="fr-FR" dirty="0" err="1"/>
-              <a:t>Originator</a:t>
-            </a:r>
-            <a:r>
-              <a:rPr lang="fr-FR" dirty="0"/>
-              <a:t> de restaurer son état par rapport à la copie qu’il à créer &lt;CLIC&gt;</a:t>
+              <a:t>role</a:t>
+            </a:r>
+            <a:r>
+              <a:rPr lang="fr-FR" dirty="0"/>
+              <a:t> de l’écraser lorsque le Memento en fera la demande,&lt;CLIC&gt;</a:t>
             </a:r>
           </a:p>
         </p:txBody>
@@ -5721,7 +5687,7 @@
           <a:p>
             <a:fld id="{0F623F77-0DF6-458C-940E-CB4AE400DBA8}" type="slidenum">
               <a:rPr lang="fr-FR" smtClean="0"/>
-              <a:t>25</a:t>
+              <a:t>24</a:t>
             </a:fld>
             <a:endParaRPr lang="fr-FR"/>
           </a:p>
@@ -5730,7 +5696,7 @@
     </p:spTree>
     <p:extLst>
       <p:ext uri="{BB962C8B-B14F-4D97-AF65-F5344CB8AC3E}">
-        <p14:creationId xmlns:p14="http://schemas.microsoft.com/office/powerpoint/2010/main" val="3189992146"/>
+        <p14:creationId xmlns:p14="http://schemas.microsoft.com/office/powerpoint/2010/main" val="3438744350"/>
       </p:ext>
     </p:extLst>
   </p:cSld>
@@ -5786,24 +5752,54 @@
           <a:p>
             <a:r>
               <a:rPr lang="fr-FR" dirty="0"/>
-              <a:t>Et viens enfin le dernier élément le </a:t>
+              <a:t>Viens alors le Memento,&lt;CLIC&gt;</a:t>
+            </a:r>
+          </a:p>
+          <a:p>
+            <a:endParaRPr lang="fr-FR" dirty="0"/>
+          </a:p>
+          <a:p>
+            <a:r>
+              <a:rPr lang="fr-FR" dirty="0"/>
+              <a:t>Il est une sorte de « photographie » de notre objet prise à un instant T par l’</a:t>
             </a:r>
             <a:r>
               <a:rPr lang="fr-FR" dirty="0" err="1"/>
-              <a:t>Caretaker</a:t>
-            </a:r>
-            <a:r>
-              <a:rPr lang="fr-FR" dirty="0"/>
-              <a:t> qu’on pourrait traduire par le Gardien,</a:t>
+              <a:t>Originator</a:t>
+            </a:r>
+            <a:r>
+              <a:rPr lang="fr-FR" dirty="0"/>
+              <a:t>.</a:t>
             </a:r>
           </a:p>
           <a:p>
             <a:endParaRPr lang="fr-FR" dirty="0"/>
           </a:p>
           <a:p>
-            <a:r>
-              <a:rPr lang="fr-FR" dirty="0"/>
-              <a:t>Son rôle et de faire un historique des memento &lt;CLIC&gt;</a:t>
+            <a:br>
+              <a:rPr lang="fr-FR" dirty="0"/>
+            </a:br>
+            <a:br>
+              <a:rPr lang="fr-FR" dirty="0"/>
+            </a:br>
+            <a:r>
+              <a:rPr lang="fr-FR" dirty="0"/>
+              <a:t>Lors de l’appel à son constructeur il créer donc une copie de l’instance de l’objet qu’on lui passe.&lt;CLIC&gt;</a:t>
+            </a:r>
+            <a:br>
+              <a:rPr lang="fr-FR" dirty="0"/>
+            </a:br>
+            <a:r>
+              <a:rPr lang="fr-FR" dirty="0"/>
+              <a:t>Et il peut également demander à l’</a:t>
+            </a:r>
+            <a:r>
+              <a:rPr lang="fr-FR" dirty="0" err="1"/>
+              <a:t>Originator</a:t>
+            </a:r>
+            <a:r>
+              <a:rPr lang="fr-FR" dirty="0"/>
+              <a:t> de restaurer son état par rapport à la copie qu’il à créer &lt;CLIC&gt;</a:t>
             </a:r>
           </a:p>
         </p:txBody>
@@ -5825,7 +5821,7 @@
           <a:p>
             <a:fld id="{0F623F77-0DF6-458C-940E-CB4AE400DBA8}" type="slidenum">
               <a:rPr lang="fr-FR" smtClean="0"/>
-              <a:t>26</a:t>
+              <a:t>25</a:t>
             </a:fld>
             <a:endParaRPr lang="fr-FR"/>
           </a:p>
@@ -5834,7 +5830,7 @@
     </p:spTree>
     <p:extLst>
       <p:ext uri="{BB962C8B-B14F-4D97-AF65-F5344CB8AC3E}">
-        <p14:creationId xmlns:p14="http://schemas.microsoft.com/office/powerpoint/2010/main" val="3190660547"/>
+        <p14:creationId xmlns:p14="http://schemas.microsoft.com/office/powerpoint/2010/main" val="3189992146"/>
       </p:ext>
     </p:extLst>
   </p:cSld>
@@ -5890,15 +5886,15 @@
           <a:p>
             <a:r>
               <a:rPr lang="fr-FR" dirty="0"/>
-              <a:t>Voici un </a:t>
+              <a:t>Et viens enfin le dernier élément le </a:t>
             </a:r>
             <a:r>
               <a:rPr lang="fr-FR" dirty="0" err="1"/>
-              <a:t>shèma</a:t>
-            </a:r>
-            <a:r>
-              <a:rPr lang="fr-FR" dirty="0"/>
-              <a:t> classique qui pourrait implémenter le memento</a:t>
+              <a:t>Caretaker</a:t>
+            </a:r>
+            <a:r>
+              <a:rPr lang="fr-FR" dirty="0"/>
+              <a:t> qu’on pourrait traduire par le Gardien,</a:t>
             </a:r>
           </a:p>
           <a:p>
@@ -5907,22 +5903,8 @@
           <a:p>
             <a:r>
               <a:rPr lang="fr-FR" dirty="0"/>
-              <a:t>À gauche on y retrouve l’</a:t>
-            </a:r>
-            <a:r>
-              <a:rPr lang="fr-FR" dirty="0" err="1"/>
-              <a:t>originator</a:t>
-            </a:r>
-            <a:r>
-              <a:rPr lang="fr-FR" dirty="0"/>
-              <a:t>, la zone centrale pourrait être appelé la zone memento et enfin à droite le Gardien</a:t>
-            </a:r>
-          </a:p>
-          <a:p>
-            <a:endParaRPr lang="fr-FR" dirty="0"/>
-          </a:p>
-          <a:p>
-            <a:endParaRPr lang="fr-FR" dirty="0"/>
+              <a:t>Son rôle et de faire un historique des memento &lt;CLIC&gt;</a:t>
+            </a:r>
           </a:p>
         </p:txBody>
       </p:sp>
@@ -5943,7 +5925,7 @@
           <a:p>
             <a:fld id="{0F623F77-0DF6-458C-940E-CB4AE400DBA8}" type="slidenum">
               <a:rPr lang="fr-FR" smtClean="0"/>
-              <a:t>27</a:t>
+              <a:t>26</a:t>
             </a:fld>
             <a:endParaRPr lang="fr-FR"/>
           </a:p>
@@ -5952,7 +5934,7 @@
     </p:spTree>
     <p:extLst>
       <p:ext uri="{BB962C8B-B14F-4D97-AF65-F5344CB8AC3E}">
-        <p14:creationId xmlns:p14="http://schemas.microsoft.com/office/powerpoint/2010/main" val="2737397997"/>
+        <p14:creationId xmlns:p14="http://schemas.microsoft.com/office/powerpoint/2010/main" val="3190660547"/>
       </p:ext>
     </p:extLst>
   </p:cSld>
@@ -6008,7 +5990,15 @@
           <a:p>
             <a:r>
               <a:rPr lang="fr-FR" dirty="0"/>
-              <a:t>Ici on retrouve nos 3 structures appliqué pour notre cas de transaction.</a:t>
+              <a:t>Voici un </a:t>
+            </a:r>
+            <a:r>
+              <a:rPr lang="fr-FR" dirty="0" err="1"/>
+              <a:t>shèma</a:t>
+            </a:r>
+            <a:r>
+              <a:rPr lang="fr-FR" dirty="0"/>
+              <a:t> classique qui pourrait implémenter le memento</a:t>
             </a:r>
           </a:p>
           <a:p>
@@ -6017,40 +6007,21 @@
           <a:p>
             <a:r>
               <a:rPr lang="fr-FR" dirty="0"/>
-              <a:t>On notera par ailleurs que j’ai préféré aller sur du générique, afin de générer de memento plus rapidement les memento marchant de manière similaire.</a:t>
-            </a:r>
-            <a:br>
-              <a:rPr lang="fr-FR" dirty="0"/>
-            </a:br>
-            <a:r>
-              <a:rPr lang="fr-FR" dirty="0"/>
-              <a:t>Toutefois afin d’accéder à la méthode clone j’ai imposé à mon type générique de réaliser l’interface </a:t>
+              <a:t>À gauche on y retrouve l’</a:t>
             </a:r>
             <a:r>
               <a:rPr lang="fr-FR" dirty="0" err="1"/>
-              <a:t>ICloneable</a:t>
-            </a:r>
-            <a:r>
-              <a:rPr lang="fr-FR" dirty="0"/>
-              <a:t>.&lt;CLIC&gt;</a:t>
+              <a:t>originator</a:t>
+            </a:r>
+            <a:r>
+              <a:rPr lang="fr-FR" dirty="0"/>
+              <a:t>, la zone centrale pourrait être appelé la zone memento et enfin à droite le Gardien</a:t>
             </a:r>
           </a:p>
           <a:p>
             <a:endParaRPr lang="fr-FR" dirty="0"/>
           </a:p>
           <a:p>
-            <a:r>
-              <a:rPr lang="fr-FR" dirty="0"/>
-              <a:t>Pour la partie démo sur l’aspect code si il y’a des questions sur l’implémentation du Pattern je vais ouvrir VISUAL STUDIO. </a:t>
-            </a:r>
-          </a:p>
-          <a:p>
-            <a:endParaRPr lang="fr-FR" dirty="0"/>
-          </a:p>
-          <a:p>
-            <a:br>
-              <a:rPr lang="fr-FR" dirty="0"/>
-            </a:br>
             <a:endParaRPr lang="fr-FR" dirty="0"/>
           </a:p>
         </p:txBody>
@@ -6072,7 +6043,7 @@
           <a:p>
             <a:fld id="{0F623F77-0DF6-458C-940E-CB4AE400DBA8}" type="slidenum">
               <a:rPr lang="fr-FR" smtClean="0"/>
-              <a:t>28</a:t>
+              <a:t>27</a:t>
             </a:fld>
             <a:endParaRPr lang="fr-FR"/>
           </a:p>
@@ -6081,7 +6052,7 @@
     </p:spTree>
     <p:extLst>
       <p:ext uri="{BB962C8B-B14F-4D97-AF65-F5344CB8AC3E}">
-        <p14:creationId xmlns:p14="http://schemas.microsoft.com/office/powerpoint/2010/main" val="2470683200"/>
+        <p14:creationId xmlns:p14="http://schemas.microsoft.com/office/powerpoint/2010/main" val="2737397997"/>
       </p:ext>
     </p:extLst>
   </p:cSld>
@@ -6137,6 +6108,135 @@
           <a:p>
             <a:r>
               <a:rPr lang="fr-FR" dirty="0"/>
+              <a:t>Ici on retrouve nos 3 structures appliqué pour notre cas de transaction.</a:t>
+            </a:r>
+          </a:p>
+          <a:p>
+            <a:endParaRPr lang="fr-FR" dirty="0"/>
+          </a:p>
+          <a:p>
+            <a:r>
+              <a:rPr lang="fr-FR" dirty="0"/>
+              <a:t>On notera par ailleurs que j’ai préféré aller sur du générique, afin de générer de memento plus rapidement les memento marchant de manière similaire.</a:t>
+            </a:r>
+            <a:br>
+              <a:rPr lang="fr-FR" dirty="0"/>
+            </a:br>
+            <a:r>
+              <a:rPr lang="fr-FR" dirty="0"/>
+              <a:t>Toutefois afin d’accéder à la méthode clone j’ai imposé à mon type générique de réaliser l’interface </a:t>
+            </a:r>
+            <a:r>
+              <a:rPr lang="fr-FR" dirty="0" err="1"/>
+              <a:t>ICloneable</a:t>
+            </a:r>
+            <a:r>
+              <a:rPr lang="fr-FR" dirty="0"/>
+              <a:t>.&lt;CLIC&gt;</a:t>
+            </a:r>
+          </a:p>
+          <a:p>
+            <a:endParaRPr lang="fr-FR" dirty="0"/>
+          </a:p>
+          <a:p>
+            <a:r>
+              <a:rPr lang="fr-FR" dirty="0"/>
+              <a:t>Pour la partie démo sur l’aspect code si il y’a des questions sur l’implémentation du Pattern je vais ouvrir VISUAL STUDIO. </a:t>
+            </a:r>
+          </a:p>
+          <a:p>
+            <a:endParaRPr lang="fr-FR" dirty="0"/>
+          </a:p>
+          <a:p>
+            <a:br>
+              <a:rPr lang="fr-FR" dirty="0"/>
+            </a:br>
+            <a:endParaRPr lang="fr-FR" dirty="0"/>
+          </a:p>
+        </p:txBody>
+      </p:sp>
+      <p:sp>
+        <p:nvSpPr>
+          <p:cNvPr id="4" name="Espace réservé du numéro de diapositive 3"/>
+          <p:cNvSpPr>
+            <a:spLocks noGrp="1"/>
+          </p:cNvSpPr>
+          <p:nvPr>
+            <p:ph type="sldNum" sz="quarter" idx="5"/>
+          </p:nvPr>
+        </p:nvSpPr>
+        <p:spPr/>
+        <p:txBody>
+          <a:bodyPr/>
+          <a:lstStyle/>
+          <a:p>
+            <a:fld id="{0F623F77-0DF6-458C-940E-CB4AE400DBA8}" type="slidenum">
+              <a:rPr lang="fr-FR" smtClean="0"/>
+              <a:t>28</a:t>
+            </a:fld>
+            <a:endParaRPr lang="fr-FR"/>
+          </a:p>
+        </p:txBody>
+      </p:sp>
+    </p:spTree>
+    <p:extLst>
+      <p:ext uri="{BB962C8B-B14F-4D97-AF65-F5344CB8AC3E}">
+        <p14:creationId xmlns:p14="http://schemas.microsoft.com/office/powerpoint/2010/main" val="2470683200"/>
+      </p:ext>
+    </p:extLst>
+  </p:cSld>
+  <p:clrMapOvr>
+    <a:masterClrMapping/>
+  </p:clrMapOvr>
+</p:notes>
+</file>
+
+<file path=ppt/notesSlides/notesSlide28.xml><?xml version="1.0" encoding="utf-8"?>
+<p:notes xmlns:a="http://schemas.openxmlformats.org/drawingml/2006/main" xmlns:r="http://schemas.openxmlformats.org/officeDocument/2006/relationships" xmlns:p="http://schemas.openxmlformats.org/presentationml/2006/main">
+  <p:cSld>
+    <p:spTree>
+      <p:nvGrpSpPr>
+        <p:cNvPr id="1" name=""/>
+        <p:cNvGrpSpPr/>
+        <p:nvPr/>
+      </p:nvGrpSpPr>
+      <p:grpSpPr>
+        <a:xfrm>
+          <a:off x="0" y="0"/>
+          <a:ext cx="0" cy="0"/>
+          <a:chOff x="0" y="0"/>
+          <a:chExt cx="0" cy="0"/>
+        </a:xfrm>
+      </p:grpSpPr>
+      <p:sp>
+        <p:nvSpPr>
+          <p:cNvPr id="2" name="Espace réservé de l'image des diapositives 1"/>
+          <p:cNvSpPr>
+            <a:spLocks noGrp="1" noRot="1" noChangeAspect="1"/>
+          </p:cNvSpPr>
+          <p:nvPr>
+            <p:ph type="sldImg"/>
+          </p:nvPr>
+        </p:nvSpPr>
+        <p:spPr/>
+      </p:sp>
+      <p:sp>
+        <p:nvSpPr>
+          <p:cNvPr id="3" name="Espace réservé des notes 2"/>
+          <p:cNvSpPr>
+            <a:spLocks noGrp="1"/>
+          </p:cNvSpPr>
+          <p:nvPr>
+            <p:ph type="body" idx="1"/>
+          </p:nvPr>
+        </p:nvSpPr>
+        <p:spPr/>
+        <p:txBody>
+          <a:bodyPr/>
+          <a:lstStyle/>
+          <a:p>
+            <a:r>
+              <a:rPr lang="fr-FR" dirty="0"/>
               <a:t>Voici en bref les avantages du Pattern Memento</a:t>
             </a:r>
           </a:p>
@@ -6166,15 +6266,15 @@
             </a:br>
             <a:r>
               <a:rPr lang="fr-FR" dirty="0"/>
-              <a:t>Comme petite </a:t>
-            </a:r>
-            <a:r>
-              <a:rPr lang="fr-FR" dirty="0" err="1"/>
-              <a:t>annecdote</a:t>
-            </a:r>
-            <a:r>
-              <a:rPr lang="fr-FR" dirty="0"/>
-              <a:t> sur la page d’introduction au pattern j’en avais parler,</a:t>
+              <a:t>Comme </a:t>
+            </a:r>
+            <a:r>
+              <a:rPr lang="fr-FR"/>
+              <a:t>petite anecdote </a:t>
+            </a:r>
+            <a:r>
+              <a:rPr lang="fr-FR" dirty="0"/>
+              <a:t>sur la page d’introduction au pattern j’en avais parler,</a:t>
             </a:r>
           </a:p>
           <a:p>
@@ -6236,7 +6336,7 @@
 </p:notes>
 </file>
 
-<file path=ppt/notesSlides/notesSlide28.xml><?xml version="1.0" encoding="utf-8"?>
+<file path=ppt/notesSlides/notesSlide29.xml><?xml version="1.0" encoding="utf-8"?>
 <p:notes xmlns:a="http://schemas.openxmlformats.org/drawingml/2006/main" xmlns:r="http://schemas.openxmlformats.org/officeDocument/2006/relationships" xmlns:p="http://schemas.openxmlformats.org/presentationml/2006/main">
   <p:cSld>
     <p:spTree>
@@ -6408,7 +6508,7 @@
           <a:p>
             <a:r>
               <a:rPr lang="fr-FR" dirty="0"/>
-              <a:t>Imaginons que nous voulions créer une interface graphique qui gère un jeu vidéo, ou un éditeur de texte par exemple.</a:t>
+              <a:t>Le pattern Command, fait partie des patterns comportementaux&lt;CLIC&gt;</a:t>
             </a:r>
             <a:br>
               <a:rPr lang="fr-FR" dirty="0"/>
@@ -6418,40 +6518,11 @@
             </a:br>
             <a:r>
               <a:rPr lang="fr-FR" dirty="0"/>
-              <a:t>Pour faire notre interface nous avons créer une classe Bouton qui gérera tout les boutons de nos différentes interfaces graphique.&lt;CLIC&gt;</a:t>
-            </a:r>
-            <a:br>
-              <a:rPr lang="fr-FR" dirty="0"/>
-            </a:br>
-            <a:br>
-              <a:rPr lang="fr-FR" dirty="0"/>
-            </a:br>
-            <a:r>
-              <a:rPr lang="fr-FR" dirty="0"/>
-              <a:t>Bien qu’il se ressemblent, ces boutons ont tous censé exécuter des instructions différentes.</a:t>
-            </a:r>
-            <a:br>
-              <a:rPr lang="fr-FR" dirty="0"/>
-            </a:br>
-            <a:r>
-              <a:rPr lang="fr-FR" dirty="0"/>
-              <a:t>Mais comme chacun de ses boutons hérite de la même classe ou va on mettre le code des actions à réaliser?&lt;CLIC&gt;</a:t>
+              <a:t>Il permet de transformer les instructions sous la forme d’objets autonomes.&lt;CLIC&gt;</a:t>
             </a:r>
           </a:p>
           <a:p>
             <a:endParaRPr lang="fr-FR" dirty="0"/>
-          </a:p>
-          <a:p>
-            <a:r>
-              <a:rPr lang="fr-FR" dirty="0"/>
-              <a:t>On pourrait éventuellement créer des sous classes pour contenir les instructions exécutés lors d’un click.</a:t>
-            </a:r>
-          </a:p>
-          <a:p>
-            <a:r>
-              <a:rPr lang="fr-FR" dirty="0"/>
-              <a:t>Mais voyons ensemble les défauts de cette dernière approche.&lt;CLIC&gt;</a:t>
-            </a:r>
           </a:p>
         </p:txBody>
       </p:sp>
@@ -6472,7 +6543,7 @@
           <a:p>
             <a:fld id="{0F623F77-0DF6-458C-940E-CB4AE400DBA8}" type="slidenum">
               <a:rPr lang="fr-FR" smtClean="0"/>
-              <a:t>5</a:t>
+              <a:t>4</a:t>
             </a:fld>
             <a:endParaRPr lang="fr-FR"/>
           </a:p>
@@ -6481,7 +6552,7 @@
     </p:spTree>
     <p:extLst>
       <p:ext uri="{BB962C8B-B14F-4D97-AF65-F5344CB8AC3E}">
-        <p14:creationId xmlns:p14="http://schemas.microsoft.com/office/powerpoint/2010/main" val="1537975058"/>
+        <p14:creationId xmlns:p14="http://schemas.microsoft.com/office/powerpoint/2010/main" val="3953560622"/>
       </p:ext>
     </p:extLst>
   </p:cSld>
@@ -6537,7 +6608,7 @@
           <a:p>
             <a:r>
               <a:rPr lang="fr-FR" dirty="0"/>
-              <a:t>Cette approche a donc plusieurs défauts</a:t>
+              <a:t>Imaginons que nous voulions créer une interface graphique qui gère un jeu vidéo, ou un éditeur de texte par exemple.</a:t>
             </a:r>
             <a:br>
               <a:rPr lang="fr-FR" dirty="0"/>
@@ -6547,7 +6618,7 @@
             </a:br>
             <a:r>
               <a:rPr lang="fr-FR" dirty="0"/>
-              <a:t>Toute modification de la classe mère risque de causer des erreurs dans les classes filles&lt;CLIC&gt;</a:t>
+              <a:t>Pour faire notre interface nous avons créer une classe Bouton qui gérera tout les boutons de nos différentes interfaces graphique.&lt;CLIC&gt;</a:t>
             </a:r>
             <a:br>
               <a:rPr lang="fr-FR" dirty="0"/>
@@ -6557,20 +6628,30 @@
             </a:br>
             <a:r>
               <a:rPr lang="fr-FR" dirty="0"/>
-              <a:t>Et un autre problème est que l’on risque d’implémenter le même code à des endroits différent si on rajoute par exemple des </a:t>
-            </a:r>
-            <a:r>
-              <a:rPr lang="fr-FR" dirty="0" err="1"/>
-              <a:t>MenuItem</a:t>
-            </a:r>
-            <a:r>
-              <a:rPr lang="fr-FR" dirty="0"/>
-              <a:t>&lt;CLIC&gt;</a:t>
+              <a:t>Bien qu’il se ressemblent, ces boutons ont tous censé exécuter des instructions différentes.</a:t>
             </a:r>
             <a:br>
               <a:rPr lang="fr-FR" dirty="0"/>
             </a:br>
+            <a:r>
+              <a:rPr lang="fr-FR" dirty="0"/>
+              <a:t>Mais comme chacun de ses boutons hérite de la même classe ou va on mettre le code des actions à réaliser?&lt;CLIC&gt;</a:t>
+            </a:r>
+          </a:p>
+          <a:p>
             <a:endParaRPr lang="fr-FR" dirty="0"/>
+          </a:p>
+          <a:p>
+            <a:r>
+              <a:rPr lang="fr-FR" dirty="0"/>
+              <a:t>On pourrait éventuellement créer des sous classes pour contenir les instructions exécutés lors d’un click.</a:t>
+            </a:r>
+          </a:p>
+          <a:p>
+            <a:r>
+              <a:rPr lang="fr-FR" dirty="0"/>
+              <a:t>Mais voyons ensemble les défauts de cette dernière approche.&lt;CLIC&gt;</a:t>
+            </a:r>
           </a:p>
         </p:txBody>
       </p:sp>
@@ -6591,7 +6672,7 @@
           <a:p>
             <a:fld id="{0F623F77-0DF6-458C-940E-CB4AE400DBA8}" type="slidenum">
               <a:rPr lang="fr-FR" smtClean="0"/>
-              <a:t>6</a:t>
+              <a:t>5</a:t>
             </a:fld>
             <a:endParaRPr lang="fr-FR"/>
           </a:p>
@@ -6600,7 +6681,7 @@
     </p:spTree>
     <p:extLst>
       <p:ext uri="{BB962C8B-B14F-4D97-AF65-F5344CB8AC3E}">
-        <p14:creationId xmlns:p14="http://schemas.microsoft.com/office/powerpoint/2010/main" val="2455547524"/>
+        <p14:creationId xmlns:p14="http://schemas.microsoft.com/office/powerpoint/2010/main" val="1537975058"/>
       </p:ext>
     </p:extLst>
   </p:cSld>
@@ -6656,29 +6737,7 @@
           <a:p>
             <a:r>
               <a:rPr lang="fr-FR" dirty="0"/>
-              <a:t>Pour illustrer autrement la redondance du code,</a:t>
-            </a:r>
-          </a:p>
-          <a:p>
-            <a:r>
-              <a:rPr lang="fr-FR" dirty="0"/>
-              <a:t>Voici notre deux classes </a:t>
-            </a:r>
-            <a:r>
-              <a:rPr lang="fr-FR" dirty="0" err="1"/>
-              <a:t>ButtonOk</a:t>
-            </a:r>
-            <a:r>
-              <a:rPr lang="fr-FR" dirty="0"/>
-              <a:t> et </a:t>
-            </a:r>
-            <a:r>
-              <a:rPr lang="fr-FR" dirty="0" err="1"/>
-              <a:t>MenuItemOk</a:t>
-            </a:r>
-            <a:r>
-              <a:rPr lang="fr-FR" dirty="0"/>
-              <a:t>.</a:t>
+              <a:t>Cette approche a donc plusieurs défauts</a:t>
             </a:r>
             <a:br>
               <a:rPr lang="fr-FR" dirty="0"/>
@@ -6688,15 +6747,30 @@
             </a:br>
             <a:r>
               <a:rPr lang="fr-FR" dirty="0"/>
-              <a:t>Imaginons que l’action qu’elle déclenche lors d’un clic soit d’envoyer une instruction à la classe métier.</a:t>
+              <a:t>Toute modification de la classe mère risque de causer des erreurs dans les classes filles&lt;CLIC&gt;</a:t>
             </a:r>
             <a:br>
               <a:rPr lang="fr-FR" dirty="0"/>
             </a:br>
-            <a:r>
-              <a:rPr lang="fr-FR" dirty="0"/>
-              <a:t>On va exécuter la même instruction Valider auprès de la logique métier. </a:t>
-            </a:r>
+            <a:br>
+              <a:rPr lang="fr-FR" dirty="0"/>
+            </a:br>
+            <a:r>
+              <a:rPr lang="fr-FR" dirty="0"/>
+              <a:t>Et un autre problème est que l’on risque d’implémenter le même code à des endroits différent si on rajoute par exemple des </a:t>
+            </a:r>
+            <a:r>
+              <a:rPr lang="fr-FR" dirty="0" err="1"/>
+              <a:t>MenuItem</a:t>
+            </a:r>
+            <a:r>
+              <a:rPr lang="fr-FR" dirty="0"/>
+              <a:t>&lt;CLIC&gt;</a:t>
+            </a:r>
+            <a:br>
+              <a:rPr lang="fr-FR" dirty="0"/>
+            </a:br>
+            <a:endParaRPr lang="fr-FR" dirty="0"/>
           </a:p>
         </p:txBody>
       </p:sp>
@@ -6717,7 +6791,7 @@
           <a:p>
             <a:fld id="{0F623F77-0DF6-458C-940E-CB4AE400DBA8}" type="slidenum">
               <a:rPr lang="fr-FR" smtClean="0"/>
-              <a:t>7</a:t>
+              <a:t>6</a:t>
             </a:fld>
             <a:endParaRPr lang="fr-FR"/>
           </a:p>
@@ -6726,7 +6800,7 @@
     </p:spTree>
     <p:extLst>
       <p:ext uri="{BB962C8B-B14F-4D97-AF65-F5344CB8AC3E}">
-        <p14:creationId xmlns:p14="http://schemas.microsoft.com/office/powerpoint/2010/main" val="892655042"/>
+        <p14:creationId xmlns:p14="http://schemas.microsoft.com/office/powerpoint/2010/main" val="2455547524"/>
       </p:ext>
     </p:extLst>
   </p:cSld>
@@ -6782,33 +6856,47 @@
           <a:p>
             <a:r>
               <a:rPr lang="fr-FR" dirty="0"/>
-              <a:t>Pour solutionner ce problème,</a:t>
-            </a:r>
-          </a:p>
-          <a:p>
-            <a:r>
-              <a:rPr lang="fr-FR" dirty="0"/>
-              <a:t>En transformant l’instruction comme un objet on pourrais y stocker les paramètres et l’exécuter en temps voulu.</a:t>
-            </a:r>
-          </a:p>
-          <a:p>
-            <a:endParaRPr lang="fr-FR" dirty="0"/>
-          </a:p>
-          <a:p>
-            <a:r>
-              <a:rPr lang="fr-FR" dirty="0"/>
-              <a:t>Dans le constructeur de nos boutons on pourrait ainsi placer la commande et c’est cette dernière qui viendrais faire le lien entre la logique métier et l’interface graphique,</a:t>
-            </a:r>
-          </a:p>
-          <a:p>
-            <a:r>
-              <a:rPr lang="fr-FR" dirty="0"/>
-              <a:t>Par conséquent pas besoin de définir d’héritage pour les différentes instructions. Et les commandes similaires auraient juste une commande commune.</a:t>
+              <a:t>Pour illustrer autrement la redondance du code,</a:t>
+            </a:r>
+          </a:p>
+          <a:p>
+            <a:r>
+              <a:rPr lang="fr-FR" dirty="0"/>
+              <a:t>Voici notre deux classes </a:t>
+            </a:r>
+            <a:r>
+              <a:rPr lang="fr-FR" dirty="0" err="1"/>
+              <a:t>ButtonOk</a:t>
+            </a:r>
+            <a:r>
+              <a:rPr lang="fr-FR" dirty="0"/>
+              <a:t> et </a:t>
+            </a:r>
+            <a:r>
+              <a:rPr lang="fr-FR" dirty="0" err="1"/>
+              <a:t>MenuItemOk</a:t>
+            </a:r>
+            <a:r>
+              <a:rPr lang="fr-FR" dirty="0"/>
+              <a:t>.</a:t>
             </a:r>
             <a:br>
               <a:rPr lang="fr-FR" dirty="0"/>
             </a:br>
-            <a:endParaRPr lang="fr-FR" dirty="0"/>
+            <a:br>
+              <a:rPr lang="fr-FR" dirty="0"/>
+            </a:br>
+            <a:r>
+              <a:rPr lang="fr-FR" dirty="0"/>
+              <a:t>Imaginons que l’action qu’elle déclenche lors d’un clic soit d’envoyer une instruction à la classe métier.</a:t>
+            </a:r>
+            <a:br>
+              <a:rPr lang="fr-FR" dirty="0"/>
+            </a:br>
+            <a:r>
+              <a:rPr lang="fr-FR" dirty="0"/>
+              <a:t>On va exécuter la même instruction Valider auprès de la logique métier. </a:t>
+            </a:r>
           </a:p>
         </p:txBody>
       </p:sp>
@@ -6829,7 +6917,7 @@
           <a:p>
             <a:fld id="{0F623F77-0DF6-458C-940E-CB4AE400DBA8}" type="slidenum">
               <a:rPr lang="fr-FR" smtClean="0"/>
-              <a:t>8</a:t>
+              <a:t>7</a:t>
             </a:fld>
             <a:endParaRPr lang="fr-FR"/>
           </a:p>
@@ -6838,7 +6926,7 @@
     </p:spTree>
     <p:extLst>
       <p:ext uri="{BB962C8B-B14F-4D97-AF65-F5344CB8AC3E}">
-        <p14:creationId xmlns:p14="http://schemas.microsoft.com/office/powerpoint/2010/main" val="2062199726"/>
+        <p14:creationId xmlns:p14="http://schemas.microsoft.com/office/powerpoint/2010/main" val="892655042"/>
       </p:ext>
     </p:extLst>
   </p:cSld>
@@ -6894,73 +6982,33 @@
           <a:p>
             <a:r>
               <a:rPr lang="fr-FR" dirty="0"/>
-              <a:t>Bien maintenant qu’on a vu la notion de Command dans la partie problématique.</a:t>
+              <a:t>Pour solutionner ce problème,</a:t>
+            </a:r>
+          </a:p>
+          <a:p>
+            <a:r>
+              <a:rPr lang="fr-FR" dirty="0"/>
+              <a:t>En transformant l’instruction comme un objet on pourrais y stocker les paramètres et l’exécuter en temps voulu.</a:t>
+            </a:r>
+          </a:p>
+          <a:p>
+            <a:endParaRPr lang="fr-FR" dirty="0"/>
+          </a:p>
+          <a:p>
+            <a:r>
+              <a:rPr lang="fr-FR" dirty="0"/>
+              <a:t>Dans le constructeur de nos boutons on pourrait ainsi placer la commande et c’est cette dernière qui viendrais faire le lien entre la logique métier et l’interface graphique,</a:t>
+            </a:r>
+          </a:p>
+          <a:p>
+            <a:r>
+              <a:rPr lang="fr-FR" dirty="0"/>
+              <a:t>Par conséquent pas besoin de définir d’héritage pour les différentes instructions. Et les commandes similaires auraient juste une commande commune.</a:t>
             </a:r>
             <a:br>
               <a:rPr lang="fr-FR" dirty="0"/>
             </a:br>
-            <a:r>
-              <a:rPr lang="fr-FR" dirty="0"/>
-              <a:t>On va pouvoir voir la partie </a:t>
-            </a:r>
-            <a:r>
-              <a:rPr lang="fr-FR" dirty="0" err="1"/>
-              <a:t>Receiver</a:t>
-            </a:r>
-            <a:r>
-              <a:rPr lang="fr-FR" dirty="0"/>
-              <a:t>.</a:t>
-            </a:r>
-            <a:br>
-              <a:rPr lang="fr-FR" dirty="0"/>
-            </a:br>
-            <a:br>
-              <a:rPr lang="fr-FR" dirty="0"/>
-            </a:br>
-            <a:r>
-              <a:rPr lang="fr-FR" dirty="0"/>
-              <a:t>Le </a:t>
-            </a:r>
-            <a:r>
-              <a:rPr lang="fr-FR" dirty="0" err="1"/>
-              <a:t>receiver</a:t>
-            </a:r>
-            <a:r>
-              <a:rPr lang="fr-FR" dirty="0"/>
-              <a:t> c’est l’instance d’un objet qui </a:t>
-            </a:r>
-            <a:r>
-              <a:rPr lang="fr-FR" dirty="0" err="1"/>
-              <a:t>éxecutera</a:t>
-            </a:r>
-            <a:r>
-              <a:rPr lang="fr-FR" dirty="0"/>
-              <a:t> notre command.</a:t>
-            </a:r>
-            <a:br>
-              <a:rPr lang="fr-FR" dirty="0"/>
-            </a:br>
-            <a:br>
-              <a:rPr lang="fr-FR" dirty="0"/>
-            </a:br>
-            <a:r>
-              <a:rPr lang="fr-FR" dirty="0"/>
-              <a:t>Dans le cas où on abordera notre exemple,&lt;CLIC&gt;</a:t>
-            </a:r>
-          </a:p>
-          <a:p>
-            <a:r>
-              <a:rPr lang="fr-FR" dirty="0"/>
-              <a:t>Ce sera une instance de Personnage qui servira de </a:t>
-            </a:r>
-            <a:r>
-              <a:rPr lang="fr-FR" dirty="0" err="1"/>
-              <a:t>receiver</a:t>
-            </a:r>
-            <a:r>
-              <a:rPr lang="fr-FR" dirty="0"/>
-              <a:t> à nos commandes</a:t>
-            </a:r>
+            <a:endParaRPr lang="fr-FR" dirty="0"/>
           </a:p>
         </p:txBody>
       </p:sp>
@@ -6981,7 +7029,7 @@
           <a:p>
             <a:fld id="{0F623F77-0DF6-458C-940E-CB4AE400DBA8}" type="slidenum">
               <a:rPr lang="fr-FR" smtClean="0"/>
-              <a:t>9</a:t>
+              <a:t>8</a:t>
             </a:fld>
             <a:endParaRPr lang="fr-FR"/>
           </a:p>
@@ -6990,7 +7038,7 @@
     </p:spTree>
     <p:extLst>
       <p:ext uri="{BB962C8B-B14F-4D97-AF65-F5344CB8AC3E}">
-        <p14:creationId xmlns:p14="http://schemas.microsoft.com/office/powerpoint/2010/main" val="1814692560"/>
+        <p14:creationId xmlns:p14="http://schemas.microsoft.com/office/powerpoint/2010/main" val="2062199726"/>
       </p:ext>
     </p:extLst>
   </p:cSld>
@@ -7046,11 +7094,18 @@
           <a:p>
             <a:r>
               <a:rPr lang="fr-FR" dirty="0"/>
-              <a:t>Une dernière notion essentiel sera l’</a:t>
+              <a:t>Bien maintenant qu’on a vu la notion de Command dans la partie problématique.</a:t>
+            </a:r>
+            <a:br>
+              <a:rPr lang="fr-FR" dirty="0"/>
+            </a:br>
+            <a:r>
+              <a:rPr lang="fr-FR" dirty="0"/>
+              <a:t>On va pouvoir voir la partie </a:t>
             </a:r>
             <a:r>
               <a:rPr lang="fr-FR" dirty="0" err="1"/>
-              <a:t>Invoker</a:t>
+              <a:t>Receiver</a:t>
             </a:r>
             <a:r>
               <a:rPr lang="fr-FR" dirty="0"/>
@@ -7064,21 +7119,23 @@
             </a:br>
             <a:r>
               <a:rPr lang="fr-FR" dirty="0"/>
-              <a:t>C’est cette classe qui recevra et </a:t>
+              <a:t>Le </a:t>
             </a:r>
             <a:r>
               <a:rPr lang="fr-FR" dirty="0" err="1"/>
-              <a:t>éxécutera</a:t>
-            </a:r>
-            <a:r>
-              <a:rPr lang="fr-FR" dirty="0"/>
-              <a:t> les commandes qu’on lui enverra,&lt;CLIC&gt;</a:t>
-            </a:r>
-          </a:p>
-          <a:p>
-            <a:r>
-              <a:rPr lang="fr-FR" dirty="0"/>
-              <a:t>Elle pourra également les enregistrer.&lt;CLIC&gt;</a:t>
+              <a:t>receiver</a:t>
+            </a:r>
+            <a:r>
+              <a:rPr lang="fr-FR" dirty="0"/>
+              <a:t> c’est l’instance d’un objet qui </a:t>
+            </a:r>
+            <a:r>
+              <a:rPr lang="fr-FR" dirty="0" err="1"/>
+              <a:t>éxecutera</a:t>
+            </a:r>
+            <a:r>
+              <a:rPr lang="fr-FR" dirty="0"/>
+              <a:t> notre command.</a:t>
             </a:r>
             <a:br>
               <a:rPr lang="fr-FR" dirty="0"/>
@@ -7088,7 +7145,21 @@
             </a:br>
             <a:r>
               <a:rPr lang="fr-FR" dirty="0"/>
-              <a:t>Dans le diagramme appliqué que je vous montrerais, j’ai fait le choix de n’enregistrer que les commandes qui ont fonctionnés.</a:t>
+              <a:t>Dans le cas où on abordera notre exemple,&lt;CLIC&gt;</a:t>
+            </a:r>
+          </a:p>
+          <a:p>
+            <a:r>
+              <a:rPr lang="fr-FR" dirty="0"/>
+              <a:t>Ce sera une instance de Personnage qui servira de </a:t>
+            </a:r>
+            <a:r>
+              <a:rPr lang="fr-FR" dirty="0" err="1"/>
+              <a:t>receiver</a:t>
+            </a:r>
+            <a:r>
+              <a:rPr lang="fr-FR" dirty="0"/>
+              <a:t> à nos commandes</a:t>
             </a:r>
           </a:p>
         </p:txBody>
@@ -7110,7 +7181,7 @@
           <a:p>
             <a:fld id="{0F623F77-0DF6-458C-940E-CB4AE400DBA8}" type="slidenum">
               <a:rPr lang="fr-FR" smtClean="0"/>
-              <a:t>10</a:t>
+              <a:t>9</a:t>
             </a:fld>
             <a:endParaRPr lang="fr-FR"/>
           </a:p>
@@ -7119,7 +7190,7 @@
     </p:spTree>
     <p:extLst>
       <p:ext uri="{BB962C8B-B14F-4D97-AF65-F5344CB8AC3E}">
-        <p14:creationId xmlns:p14="http://schemas.microsoft.com/office/powerpoint/2010/main" val="4228500166"/>
+        <p14:creationId xmlns:p14="http://schemas.microsoft.com/office/powerpoint/2010/main" val="1814692560"/>
       </p:ext>
     </p:extLst>
   </p:cSld>
@@ -7175,52 +7246,49 @@
           <a:p>
             <a:r>
               <a:rPr lang="fr-FR" dirty="0"/>
-              <a:t>Si on observe le diagramme générique on peut le découper en trois section…</a:t>
+              <a:t>Une dernière notion essentiel sera l’</a:t>
+            </a:r>
+            <a:r>
+              <a:rPr lang="fr-FR" dirty="0" err="1"/>
+              <a:t>Invoker</a:t>
+            </a:r>
+            <a:r>
+              <a:rPr lang="fr-FR" dirty="0"/>
+              <a:t>.</a:t>
             </a:r>
             <a:br>
               <a:rPr lang="fr-FR" dirty="0"/>
             </a:br>
-            <a:endParaRPr lang="fr-FR" dirty="0"/>
-          </a:p>
-          <a:p>
-            <a:r>
-              <a:rPr lang="fr-FR" dirty="0"/>
-              <a:t>&lt;CLIC&gt;</a:t>
-            </a:r>
             <a:br>
               <a:rPr lang="fr-FR" dirty="0"/>
             </a:br>
             <a:r>
               <a:rPr lang="fr-FR" dirty="0"/>
-              <a:t>La section </a:t>
+              <a:t>C’est cette classe qui recevra et </a:t>
             </a:r>
             <a:r>
               <a:rPr lang="fr-FR" dirty="0" err="1"/>
-              <a:t>invoker</a:t>
-            </a:r>
-            <a:r>
-              <a:rPr lang="fr-FR" dirty="0"/>
-              <a:t> en violet,</a:t>
-            </a:r>
-          </a:p>
-          <a:p>
-            <a:r>
-              <a:rPr lang="fr-FR" dirty="0"/>
-              <a:t>La section command en bleue,</a:t>
-            </a:r>
-          </a:p>
-          <a:p>
-            <a:r>
-              <a:rPr lang="fr-FR" dirty="0"/>
-              <a:t>La section </a:t>
-            </a:r>
-            <a:r>
-              <a:rPr lang="fr-FR" dirty="0" err="1"/>
-              <a:t>receiver</a:t>
-            </a:r>
-            <a:r>
-              <a:rPr lang="fr-FR" dirty="0"/>
-              <a:t> en vert</a:t>
+              <a:t>éxécutera</a:t>
+            </a:r>
+            <a:r>
+              <a:rPr lang="fr-FR" dirty="0"/>
+              <a:t> les commandes qu’on lui enverra,&lt;CLIC&gt;</a:t>
+            </a:r>
+          </a:p>
+          <a:p>
+            <a:r>
+              <a:rPr lang="fr-FR" dirty="0"/>
+              <a:t>Elle pourra également les enregistrer.&lt;CLIC&gt;</a:t>
+            </a:r>
+            <a:br>
+              <a:rPr lang="fr-FR" dirty="0"/>
+            </a:br>
+            <a:br>
+              <a:rPr lang="fr-FR" dirty="0"/>
+            </a:br>
+            <a:r>
+              <a:rPr lang="fr-FR" dirty="0"/>
+              <a:t>Dans le diagramme appliqué que je vous montrerais, j’ai fait le choix de n’enregistrer que les commandes qui ont fonctionnés.</a:t>
             </a:r>
           </a:p>
         </p:txBody>
@@ -7242,7 +7310,7 @@
           <a:p>
             <a:fld id="{0F623F77-0DF6-458C-940E-CB4AE400DBA8}" type="slidenum">
               <a:rPr lang="fr-FR" smtClean="0"/>
-              <a:t>11</a:t>
+              <a:t>10</a:t>
             </a:fld>
             <a:endParaRPr lang="fr-FR"/>
           </a:p>
@@ -7251,7 +7319,7 @@
     </p:spTree>
     <p:extLst>
       <p:ext uri="{BB962C8B-B14F-4D97-AF65-F5344CB8AC3E}">
-        <p14:creationId xmlns:p14="http://schemas.microsoft.com/office/powerpoint/2010/main" val="834675948"/>
+        <p14:creationId xmlns:p14="http://schemas.microsoft.com/office/powerpoint/2010/main" val="4228500166"/>
       </p:ext>
     </p:extLst>
   </p:cSld>
